--- a/day0/A/solution/A.pptx
+++ b/day0/A/solution/A.pptx
@@ -14,11 +14,8 @@
     <p:sldId id="261" r:id="rId8"/>
     <p:sldId id="262" r:id="rId9"/>
     <p:sldId id="264" r:id="rId10"/>
-    <p:sldId id="265" r:id="rId11"/>
-    <p:sldId id="266" r:id="rId12"/>
-    <p:sldId id="268" r:id="rId13"/>
-    <p:sldId id="269" r:id="rId14"/>
-    <p:sldId id="270" r:id="rId15"/>
+    <p:sldId id="270" r:id="rId11"/>
+    <p:sldId id="271" r:id="rId12"/>
   </p:sldIdLst>
   <p:sldSz cx="12192000" cy="6858000"/>
   <p:notesSz cx="6858000" cy="9144000"/>
@@ -272,7 +269,7 @@
           <a:p>
             <a:fld id="{D975F300-0710-4AE9-BE7D-E6D302B55B63}" type="datetimeFigureOut">
               <a:rPr lang="zh-CN" altLang="en-US" smtClean="0"/>
-              <a:t>2023/12/13</a:t>
+              <a:t>2023/12/17</a:t>
             </a:fld>
             <a:endParaRPr lang="zh-CN" altLang="en-US"/>
           </a:p>
@@ -470,7 +467,7 @@
           <a:p>
             <a:fld id="{D975F300-0710-4AE9-BE7D-E6D302B55B63}" type="datetimeFigureOut">
               <a:rPr lang="zh-CN" altLang="en-US" smtClean="0"/>
-              <a:t>2023/12/13</a:t>
+              <a:t>2023/12/17</a:t>
             </a:fld>
             <a:endParaRPr lang="zh-CN" altLang="en-US"/>
           </a:p>
@@ -678,7 +675,7 @@
           <a:p>
             <a:fld id="{D975F300-0710-4AE9-BE7D-E6D302B55B63}" type="datetimeFigureOut">
               <a:rPr lang="zh-CN" altLang="en-US" smtClean="0"/>
-              <a:t>2023/12/13</a:t>
+              <a:t>2023/12/17</a:t>
             </a:fld>
             <a:endParaRPr lang="zh-CN" altLang="en-US"/>
           </a:p>
@@ -876,7 +873,7 @@
           <a:p>
             <a:fld id="{D975F300-0710-4AE9-BE7D-E6D302B55B63}" type="datetimeFigureOut">
               <a:rPr lang="zh-CN" altLang="en-US" smtClean="0"/>
-              <a:t>2023/12/13</a:t>
+              <a:t>2023/12/17</a:t>
             </a:fld>
             <a:endParaRPr lang="zh-CN" altLang="en-US"/>
           </a:p>
@@ -1151,7 +1148,7 @@
           <a:p>
             <a:fld id="{D975F300-0710-4AE9-BE7D-E6D302B55B63}" type="datetimeFigureOut">
               <a:rPr lang="zh-CN" altLang="en-US" smtClean="0"/>
-              <a:t>2023/12/13</a:t>
+              <a:t>2023/12/17</a:t>
             </a:fld>
             <a:endParaRPr lang="zh-CN" altLang="en-US"/>
           </a:p>
@@ -1416,7 +1413,7 @@
           <a:p>
             <a:fld id="{D975F300-0710-4AE9-BE7D-E6D302B55B63}" type="datetimeFigureOut">
               <a:rPr lang="zh-CN" altLang="en-US" smtClean="0"/>
-              <a:t>2023/12/13</a:t>
+              <a:t>2023/12/17</a:t>
             </a:fld>
             <a:endParaRPr lang="zh-CN" altLang="en-US"/>
           </a:p>
@@ -1828,7 +1825,7 @@
           <a:p>
             <a:fld id="{D975F300-0710-4AE9-BE7D-E6D302B55B63}" type="datetimeFigureOut">
               <a:rPr lang="zh-CN" altLang="en-US" smtClean="0"/>
-              <a:t>2023/12/13</a:t>
+              <a:t>2023/12/17</a:t>
             </a:fld>
             <a:endParaRPr lang="zh-CN" altLang="en-US"/>
           </a:p>
@@ -1969,7 +1966,7 @@
           <a:p>
             <a:fld id="{D975F300-0710-4AE9-BE7D-E6D302B55B63}" type="datetimeFigureOut">
               <a:rPr lang="zh-CN" altLang="en-US" smtClean="0"/>
-              <a:t>2023/12/13</a:t>
+              <a:t>2023/12/17</a:t>
             </a:fld>
             <a:endParaRPr lang="zh-CN" altLang="en-US"/>
           </a:p>
@@ -2082,7 +2079,7 @@
           <a:p>
             <a:fld id="{D975F300-0710-4AE9-BE7D-E6D302B55B63}" type="datetimeFigureOut">
               <a:rPr lang="zh-CN" altLang="en-US" smtClean="0"/>
-              <a:t>2023/12/13</a:t>
+              <a:t>2023/12/17</a:t>
             </a:fld>
             <a:endParaRPr lang="zh-CN" altLang="en-US"/>
           </a:p>
@@ -2393,7 +2390,7 @@
           <a:p>
             <a:fld id="{D975F300-0710-4AE9-BE7D-E6D302B55B63}" type="datetimeFigureOut">
               <a:rPr lang="zh-CN" altLang="en-US" smtClean="0"/>
-              <a:t>2023/12/13</a:t>
+              <a:t>2023/12/17</a:t>
             </a:fld>
             <a:endParaRPr lang="zh-CN" altLang="en-US"/>
           </a:p>
@@ -2681,7 +2678,7 @@
           <a:p>
             <a:fld id="{D975F300-0710-4AE9-BE7D-E6D302B55B63}" type="datetimeFigureOut">
               <a:rPr lang="zh-CN" altLang="en-US" smtClean="0"/>
-              <a:t>2023/12/13</a:t>
+              <a:t>2023/12/17</a:t>
             </a:fld>
             <a:endParaRPr lang="zh-CN" altLang="en-US"/>
           </a:p>
@@ -2922,7 +2919,7 @@
           <a:p>
             <a:fld id="{D975F300-0710-4AE9-BE7D-E6D302B55B63}" type="datetimeFigureOut">
               <a:rPr lang="zh-CN" altLang="en-US" smtClean="0"/>
-              <a:t>2023/12/13</a:t>
+              <a:t>2023/12/17</a:t>
             </a:fld>
             <a:endParaRPr lang="zh-CN" altLang="en-US"/>
           </a:p>
@@ -3538,7 +3535,7 @@
           <p:cNvPr id="2" name="标题 1">
             <a:extLst>
               <a:ext uri="{FF2B5EF4-FFF2-40B4-BE49-F238E27FC236}">
-                <a16:creationId xmlns:a16="http://schemas.microsoft.com/office/drawing/2014/main" id="{3F1BDFA1-8927-F18E-3BDC-DA50457AEC34}"/>
+                <a16:creationId xmlns:a16="http://schemas.microsoft.com/office/drawing/2014/main" id="{F0C9CAFE-E916-0717-0DAA-F4BC6E2AB2D0}"/>
               </a:ext>
             </a:extLst>
           </p:cNvPr>
@@ -3568,2821 +3565,6 @@
               <p:cNvPr id="3" name="内容占位符 2">
                 <a:extLst>
                   <a:ext uri="{FF2B5EF4-FFF2-40B4-BE49-F238E27FC236}">
-                    <a16:creationId xmlns:a16="http://schemas.microsoft.com/office/drawing/2014/main" id="{BBB4C646-CE3D-9BC9-26D0-9D7882F17FD8}"/>
-                  </a:ext>
-                </a:extLst>
-              </p:cNvPr>
-              <p:cNvSpPr>
-                <a:spLocks noGrp="1"/>
-              </p:cNvSpPr>
-              <p:nvPr>
-                <p:ph idx="1"/>
-              </p:nvPr>
-            </p:nvSpPr>
-            <p:spPr/>
-            <p:txBody>
-              <a:bodyPr>
-                <a:normAutofit/>
-              </a:bodyPr>
-              <a:lstStyle/>
-              <a:p>
-                <a:r>
-                  <a:rPr lang="zh-CN" altLang="en-US" dirty="0"/>
-                  <a:t>因此我们只要能找到一种操作方案每次将环数减少 </a:t>
-                </a:r>
-                <a:r>
-                  <a:rPr lang="en-US" altLang="zh-CN" dirty="0"/>
-                  <a:t>2 </a:t>
-                </a:r>
-                <a:r>
-                  <a:rPr lang="zh-CN" altLang="en-US" dirty="0"/>
-                  <a:t>就行了。</a:t>
-                </a:r>
-                <a:endParaRPr lang="en-US" altLang="zh-CN" dirty="0"/>
-              </a:p>
-              <a:p>
-                <a:r>
-                  <a:rPr lang="zh-CN" altLang="en-US" dirty="0"/>
-                  <a:t>延续下界分析的想法，注意到第三段为空的情况中，只要原始的三条边在一个环里，你就可以把它们拆成三个环。</a:t>
-                </a:r>
-                <a:endParaRPr lang="en-US" altLang="zh-CN" dirty="0"/>
-              </a:p>
-              <a:p>
-                <a:r>
-                  <a:rPr lang="zh-CN" altLang="en-US" dirty="0"/>
-                  <a:t>因此用这个操作将图上变成只有长度为 </a:t>
-                </a:r>
-                <a:r>
-                  <a:rPr lang="en-US" altLang="zh-CN" dirty="0"/>
-                  <a:t>1</a:t>
-                </a:r>
-                <a:r>
-                  <a:rPr lang="zh-CN" altLang="en-US" dirty="0"/>
-                  <a:t> 和 </a:t>
-                </a:r>
-                <a:r>
-                  <a:rPr lang="en-US" altLang="zh-CN" dirty="0"/>
-                  <a:t>2 </a:t>
-                </a:r>
-                <a:r>
-                  <a:rPr lang="zh-CN" altLang="en-US" dirty="0"/>
-                  <a:t>的环。</a:t>
-                </a:r>
-                <a:endParaRPr lang="en-US" altLang="zh-CN" dirty="0"/>
-              </a:p>
-              <a:p>
-                <a:r>
-                  <a:rPr lang="zh-CN" altLang="en-US" dirty="0"/>
-                  <a:t>对于长度为 </a:t>
-                </a:r>
-                <a:r>
-                  <a:rPr lang="en-US" altLang="zh-CN" dirty="0"/>
-                  <a:t>2 </a:t>
-                </a:r>
-                <a:r>
-                  <a:rPr lang="zh-CN" altLang="en-US" dirty="0"/>
-                  <a:t>的环，我们希望用改四条边的方案两两配对把它们都消掉，但四条边的方案有额外限制（长度为 </a:t>
-                </a:r>
-                <a:r>
-                  <a:rPr lang="en-US" altLang="zh-CN" dirty="0"/>
-                  <a:t>2 </a:t>
-                </a:r>
-                <a:r>
-                  <a:rPr lang="zh-CN" altLang="en-US" dirty="0"/>
-                  <a:t>的环必须相对）。接下来证明总是可以在 </a:t>
-                </a:r>
-                <a14:m>
-                  <m:oMath xmlns:m="http://schemas.openxmlformats.org/officeDocument/2006/math">
-                    <m:r>
-                      <a:rPr lang="en-US" altLang="zh-CN" b="0" i="1" smtClean="0">
-                        <a:latin typeface="Cambria Math" panose="02040503050406030204" pitchFamily="18" charset="0"/>
-                      </a:rPr>
-                      <m:t>𝑂</m:t>
-                    </m:r>
-                    <m:r>
-                      <a:rPr lang="en-US" altLang="zh-CN" b="0" i="1" smtClean="0">
-                        <a:latin typeface="Cambria Math" panose="02040503050406030204" pitchFamily="18" charset="0"/>
-                      </a:rPr>
-                      <m:t>(</m:t>
-                    </m:r>
-                    <m:r>
-                      <a:rPr lang="en-US" altLang="zh-CN" b="0" i="1" smtClean="0">
-                        <a:latin typeface="Cambria Math" panose="02040503050406030204" pitchFamily="18" charset="0"/>
-                      </a:rPr>
-                      <m:t>𝑛</m:t>
-                    </m:r>
-                    <m:r>
-                      <a:rPr lang="en-US" altLang="zh-CN" b="0" i="1" smtClean="0">
-                        <a:latin typeface="Cambria Math" panose="02040503050406030204" pitchFamily="18" charset="0"/>
-                      </a:rPr>
-                      <m:t>)</m:t>
-                    </m:r>
-                  </m:oMath>
-                </a14:m>
-                <a:r>
-                  <a:rPr lang="zh-CN" altLang="en-US" dirty="0"/>
-                  <a:t> 复杂度内选到这样的一对。</a:t>
-                </a:r>
-                <a:endParaRPr lang="en-US" altLang="zh-CN" dirty="0"/>
-              </a:p>
-              <a:p>
-                <a:r>
-                  <a:rPr lang="zh-CN" altLang="en-US" dirty="0"/>
-                  <a:t>总共交换次数不超过 </a:t>
-                </a:r>
-                <a14:m>
-                  <m:oMath xmlns:m="http://schemas.openxmlformats.org/officeDocument/2006/math">
-                    <m:r>
-                      <a:rPr lang="en-US" altLang="zh-CN" b="0" i="1" smtClean="0">
-                        <a:latin typeface="Cambria Math" panose="02040503050406030204" pitchFamily="18" charset="0"/>
-                      </a:rPr>
-                      <m:t>𝑛</m:t>
-                    </m:r>
-                    <m:r>
-                      <a:rPr lang="zh-CN" altLang="en-US" i="1">
-                        <a:latin typeface="Cambria Math" panose="02040503050406030204" pitchFamily="18" charset="0"/>
-                      </a:rPr>
-                      <m:t>，</m:t>
-                    </m:r>
-                  </m:oMath>
-                </a14:m>
-                <a:r>
-                  <a:rPr lang="zh-CN" altLang="en-US" dirty="0"/>
-                  <a:t>每次可以 </a:t>
-                </a:r>
-                <a14:m>
-                  <m:oMath xmlns:m="http://schemas.openxmlformats.org/officeDocument/2006/math">
-                    <m:r>
-                      <a:rPr lang="en-US" altLang="zh-CN" b="0" i="1" smtClean="0">
-                        <a:latin typeface="Cambria Math" panose="02040503050406030204" pitchFamily="18" charset="0"/>
-                      </a:rPr>
-                      <m:t>𝑂</m:t>
-                    </m:r>
-                    <m:r>
-                      <a:rPr lang="en-US" altLang="zh-CN" b="0" i="1" smtClean="0">
-                        <a:latin typeface="Cambria Math" panose="02040503050406030204" pitchFamily="18" charset="0"/>
-                      </a:rPr>
-                      <m:t>(</m:t>
-                    </m:r>
-                    <m:r>
-                      <a:rPr lang="en-US" altLang="zh-CN" b="0" i="1" smtClean="0">
-                        <a:latin typeface="Cambria Math" panose="02040503050406030204" pitchFamily="18" charset="0"/>
-                      </a:rPr>
-                      <m:t>𝑛</m:t>
-                    </m:r>
-                    <m:r>
-                      <a:rPr lang="en-US" altLang="zh-CN" b="0" i="1" smtClean="0">
-                        <a:latin typeface="Cambria Math" panose="02040503050406030204" pitchFamily="18" charset="0"/>
-                      </a:rPr>
-                      <m:t>)</m:t>
-                    </m:r>
-                  </m:oMath>
-                </a14:m>
-                <a:r>
-                  <a:rPr lang="zh-CN" altLang="en-US" dirty="0"/>
-                  <a:t> 找到这样的方案，于是复杂度为 </a:t>
-                </a:r>
-                <a14:m>
-                  <m:oMath xmlns:m="http://schemas.openxmlformats.org/officeDocument/2006/math">
-                    <m:r>
-                      <a:rPr lang="en-US" altLang="zh-CN" b="0" i="1" smtClean="0">
-                        <a:latin typeface="Cambria Math" panose="02040503050406030204" pitchFamily="18" charset="0"/>
-                      </a:rPr>
-                      <m:t>𝑂</m:t>
-                    </m:r>
-                    <m:r>
-                      <a:rPr lang="en-US" altLang="zh-CN" b="0" i="1" smtClean="0">
-                        <a:latin typeface="Cambria Math" panose="02040503050406030204" pitchFamily="18" charset="0"/>
-                      </a:rPr>
-                      <m:t>(</m:t>
-                    </m:r>
-                    <m:sSup>
-                      <m:sSupPr>
-                        <m:ctrlPr>
-                          <a:rPr lang="en-US" altLang="zh-CN" b="0" i="1" smtClean="0">
-                            <a:latin typeface="Cambria Math" panose="02040503050406030204" pitchFamily="18" charset="0"/>
-                          </a:rPr>
-                        </m:ctrlPr>
-                      </m:sSupPr>
-                      <m:e>
-                        <m:r>
-                          <a:rPr lang="en-US" altLang="zh-CN" b="0" i="1" smtClean="0">
-                            <a:latin typeface="Cambria Math" panose="02040503050406030204" pitchFamily="18" charset="0"/>
-                          </a:rPr>
-                          <m:t>𝑛</m:t>
-                        </m:r>
-                      </m:e>
-                      <m:sup>
-                        <m:r>
-                          <a:rPr lang="en-US" altLang="zh-CN" b="0" i="1" smtClean="0">
-                            <a:latin typeface="Cambria Math" panose="02040503050406030204" pitchFamily="18" charset="0"/>
-                          </a:rPr>
-                          <m:t>2</m:t>
-                        </m:r>
-                      </m:sup>
-                    </m:sSup>
-                    <m:r>
-                      <a:rPr lang="en-US" altLang="zh-CN" b="0" i="1" smtClean="0">
-                        <a:latin typeface="Cambria Math" panose="02040503050406030204" pitchFamily="18" charset="0"/>
-                      </a:rPr>
-                      <m:t>)</m:t>
-                    </m:r>
-                  </m:oMath>
-                </a14:m>
-                <a:r>
-                  <a:rPr lang="zh-CN" altLang="en-US" dirty="0"/>
-                  <a:t>。</a:t>
-                </a:r>
-                <a:endParaRPr lang="en-US" altLang="zh-CN" dirty="0"/>
-              </a:p>
-            </p:txBody>
-          </p:sp>
-        </mc:Choice>
-        <mc:Fallback>
-          <p:sp>
-            <p:nvSpPr>
-              <p:cNvPr id="3" name="内容占位符 2">
-                <a:extLst>
-                  <a:ext uri="{FF2B5EF4-FFF2-40B4-BE49-F238E27FC236}">
-                    <a16:creationId xmlns:a16="http://schemas.microsoft.com/office/drawing/2014/main" id="{BBB4C646-CE3D-9BC9-26D0-9D7882F17FD8}"/>
-                  </a:ext>
-                </a:extLst>
-              </p:cNvPr>
-              <p:cNvSpPr>
-                <a:spLocks noGrp="1" noRot="1" noChangeAspect="1" noMove="1" noResize="1" noEditPoints="1" noAdjustHandles="1" noChangeArrowheads="1" noChangeShapeType="1" noTextEdit="1"/>
-              </p:cNvSpPr>
-              <p:nvPr>
-                <p:ph idx="1"/>
-              </p:nvPr>
-            </p:nvSpPr>
-            <p:spPr>
-              <a:blipFill>
-                <a:blip r:embed="rId2"/>
-                <a:stretch>
-                  <a:fillRect l="-1043" t="-2521" r="-3420"/>
-                </a:stretch>
-              </a:blipFill>
-            </p:spPr>
-            <p:txBody>
-              <a:bodyPr/>
-              <a:lstStyle/>
-              <a:p>
-                <a:r>
-                  <a:rPr lang="zh-CN" altLang="en-US">
-                    <a:noFill/>
-                  </a:rPr>
-                  <a:t> </a:t>
-                </a:r>
-              </a:p>
-            </p:txBody>
-          </p:sp>
-        </mc:Fallback>
-      </mc:AlternateContent>
-    </p:spTree>
-    <p:extLst>
-      <p:ext uri="{BB962C8B-B14F-4D97-AF65-F5344CB8AC3E}">
-        <p14:creationId xmlns:p14="http://schemas.microsoft.com/office/powerpoint/2010/main" val="371216844"/>
-      </p:ext>
-    </p:extLst>
-  </p:cSld>
-  <p:clrMapOvr>
-    <a:masterClrMapping/>
-  </p:clrMapOvr>
-</p:sld>
-</file>
-
-<file path=ppt/slides/slide11.xml><?xml version="1.0" encoding="utf-8"?>
-<p:sld xmlns:a="http://schemas.openxmlformats.org/drawingml/2006/main" xmlns:r="http://schemas.openxmlformats.org/officeDocument/2006/relationships" xmlns:p="http://schemas.openxmlformats.org/presentationml/2006/main">
-  <p:cSld>
-    <p:spTree>
-      <p:nvGrpSpPr>
-        <p:cNvPr id="1" name=""/>
-        <p:cNvGrpSpPr/>
-        <p:nvPr/>
-      </p:nvGrpSpPr>
-      <p:grpSpPr>
-        <a:xfrm>
-          <a:off x="0" y="0"/>
-          <a:ext cx="0" cy="0"/>
-          <a:chOff x="0" y="0"/>
-          <a:chExt cx="0" cy="0"/>
-        </a:xfrm>
-      </p:grpSpPr>
-      <p:sp>
-        <p:nvSpPr>
-          <p:cNvPr id="2" name="标题 1">
-            <a:extLst>
-              <a:ext uri="{FF2B5EF4-FFF2-40B4-BE49-F238E27FC236}">
-                <a16:creationId xmlns:a16="http://schemas.microsoft.com/office/drawing/2014/main" id="{3F1BDFA1-8927-F18E-3BDC-DA50457AEC34}"/>
-              </a:ext>
-            </a:extLst>
-          </p:cNvPr>
-          <p:cNvSpPr>
-            <a:spLocks noGrp="1"/>
-          </p:cNvSpPr>
-          <p:nvPr>
-            <p:ph type="title"/>
-          </p:nvPr>
-        </p:nvSpPr>
-        <p:spPr/>
-        <p:txBody>
-          <a:bodyPr/>
-          <a:lstStyle/>
-          <a:p>
-            <a:r>
-              <a:rPr lang="zh-CN" altLang="en-US" dirty="0"/>
-              <a:t>解法</a:t>
-            </a:r>
-          </a:p>
-        </p:txBody>
-      </p:sp>
-      <mc:AlternateContent xmlns:mc="http://schemas.openxmlformats.org/markup-compatibility/2006">
-        <mc:Choice xmlns:a14="http://schemas.microsoft.com/office/drawing/2010/main" Requires="a14">
-          <p:sp>
-            <p:nvSpPr>
-              <p:cNvPr id="3" name="内容占位符 2">
-                <a:extLst>
-                  <a:ext uri="{FF2B5EF4-FFF2-40B4-BE49-F238E27FC236}">
-                    <a16:creationId xmlns:a16="http://schemas.microsoft.com/office/drawing/2014/main" id="{BBB4C646-CE3D-9BC9-26D0-9D7882F17FD8}"/>
-                  </a:ext>
-                </a:extLst>
-              </p:cNvPr>
-              <p:cNvSpPr>
-                <a:spLocks noGrp="1"/>
-              </p:cNvSpPr>
-              <p:nvPr>
-                <p:ph idx="1"/>
-              </p:nvPr>
-            </p:nvSpPr>
-            <p:spPr>
-              <a:xfrm>
-                <a:off x="375698" y="1825625"/>
-                <a:ext cx="4603145" cy="4351338"/>
-              </a:xfrm>
-            </p:spPr>
-            <p:txBody>
-              <a:bodyPr>
-                <a:normAutofit/>
-              </a:bodyPr>
-              <a:lstStyle/>
-              <a:p>
-                <a:r>
-                  <a:rPr lang="zh-CN" altLang="en-US" dirty="0"/>
-                  <a:t>不妨假设较小点编号最小的二元环为 </a:t>
-                </a:r>
-                <a14:m>
-                  <m:oMath xmlns:m="http://schemas.openxmlformats.org/officeDocument/2006/math">
-                    <m:r>
-                      <a:rPr lang="en-US" altLang="zh-CN" b="0" i="1" smtClean="0">
-                        <a:latin typeface="Cambria Math" panose="02040503050406030204" pitchFamily="18" charset="0"/>
-                      </a:rPr>
-                      <m:t>𝑎</m:t>
-                    </m:r>
-                    <m:r>
-                      <a:rPr lang="en-US" altLang="zh-CN" b="0" i="1" smtClean="0">
-                        <a:latin typeface="Cambria Math" panose="02040503050406030204" pitchFamily="18" charset="0"/>
-                      </a:rPr>
-                      <m:t>↔</m:t>
-                    </m:r>
-                    <m:r>
-                      <a:rPr lang="en-US" altLang="zh-CN" b="0" i="1" smtClean="0">
-                        <a:latin typeface="Cambria Math" panose="02040503050406030204" pitchFamily="18" charset="0"/>
-                      </a:rPr>
-                      <m:t>𝑏</m:t>
-                    </m:r>
-                  </m:oMath>
-                </a14:m>
-                <a:r>
-                  <a:rPr lang="zh-CN" altLang="en-US" dirty="0"/>
-                  <a:t>。此时排列长这样：</a:t>
-                </a:r>
-                <a:endParaRPr lang="en-US" altLang="zh-CN" dirty="0"/>
-              </a:p>
-              <a:p>
-                <a14:m>
-                  <m:oMath xmlns:m="http://schemas.openxmlformats.org/officeDocument/2006/math">
-                    <m:r>
-                      <a:rPr lang="en-US" altLang="zh-CN" b="0" i="1" smtClean="0">
-                        <a:latin typeface="Cambria Math" panose="02040503050406030204" pitchFamily="18" charset="0"/>
-                      </a:rPr>
-                      <m:t>0,1,2,⋯, </m:t>
-                    </m:r>
-                    <m:d>
-                      <m:dPr>
-                        <m:ctrlPr>
-                          <a:rPr lang="en-US" altLang="zh-CN" b="0" i="1" smtClean="0">
-                            <a:latin typeface="Cambria Math" panose="02040503050406030204" pitchFamily="18" charset="0"/>
-                          </a:rPr>
-                        </m:ctrlPr>
-                      </m:dPr>
-                      <m:e>
-                        <m:r>
-                          <a:rPr lang="en-US" altLang="zh-CN" b="0" i="1" smtClean="0">
-                            <a:latin typeface="Cambria Math" panose="02040503050406030204" pitchFamily="18" charset="0"/>
-                          </a:rPr>
-                          <m:t>𝑎</m:t>
-                        </m:r>
-                        <m:r>
-                          <a:rPr lang="en-US" altLang="zh-CN" b="0" i="1" smtClean="0">
-                            <a:latin typeface="Cambria Math" panose="02040503050406030204" pitchFamily="18" charset="0"/>
-                          </a:rPr>
-                          <m:t>−1</m:t>
-                        </m:r>
-                      </m:e>
-                    </m:d>
-                    <m:r>
-                      <a:rPr lang="en-US" altLang="zh-CN" b="0" i="1" smtClean="0">
-                        <a:latin typeface="Cambria Math" panose="02040503050406030204" pitchFamily="18" charset="0"/>
-                      </a:rPr>
-                      <m:t>,</m:t>
-                    </m:r>
-                    <m:r>
-                      <a:rPr lang="en-US" altLang="zh-CN" b="0" i="1" smtClean="0">
-                        <a:latin typeface="Cambria Math" panose="02040503050406030204" pitchFamily="18" charset="0"/>
-                      </a:rPr>
-                      <m:t>𝑏</m:t>
-                    </m:r>
-                    <m:r>
-                      <a:rPr lang="en-US" altLang="zh-CN" b="0" i="1" smtClean="0">
-                        <a:latin typeface="Cambria Math" panose="02040503050406030204" pitchFamily="18" charset="0"/>
-                      </a:rPr>
-                      <m:t>, ⋯,(</m:t>
-                    </m:r>
-                    <m:r>
-                      <a:rPr lang="en-US" altLang="zh-CN" b="0" i="1" smtClean="0">
-                        <a:latin typeface="Cambria Math" panose="02040503050406030204" pitchFamily="18" charset="0"/>
-                      </a:rPr>
-                      <m:t>𝑏</m:t>
-                    </m:r>
-                    <m:r>
-                      <a:rPr lang="en-US" altLang="zh-CN" b="0" i="1" smtClean="0">
-                        <a:latin typeface="Cambria Math" panose="02040503050406030204" pitchFamily="18" charset="0"/>
-                      </a:rPr>
-                      <m:t>−1),</m:t>
-                    </m:r>
-                    <m:r>
-                      <a:rPr lang="en-US" altLang="zh-CN" b="0" i="1" smtClean="0">
-                        <a:latin typeface="Cambria Math" panose="02040503050406030204" pitchFamily="18" charset="0"/>
-                      </a:rPr>
-                      <m:t>𝑎</m:t>
-                    </m:r>
-                    <m:r>
-                      <a:rPr lang="en-US" altLang="zh-CN" b="0" i="1" smtClean="0">
-                        <a:latin typeface="Cambria Math" panose="02040503050406030204" pitchFamily="18" charset="0"/>
-                      </a:rPr>
-                      <m:t>,⋯,(</m:t>
-                    </m:r>
-                    <m:r>
-                      <a:rPr lang="en-US" altLang="zh-CN" b="0" i="1" smtClean="0">
-                        <a:latin typeface="Cambria Math" panose="02040503050406030204" pitchFamily="18" charset="0"/>
-                      </a:rPr>
-                      <m:t>𝑛</m:t>
-                    </m:r>
-                    <m:r>
-                      <a:rPr lang="en-US" altLang="zh-CN" b="0" i="1" smtClean="0">
-                        <a:latin typeface="Cambria Math" panose="02040503050406030204" pitchFamily="18" charset="0"/>
-                      </a:rPr>
-                      <m:t>+1)</m:t>
-                    </m:r>
-                  </m:oMath>
-                </a14:m>
-                <a:r>
-                  <a:rPr lang="zh-CN" altLang="en-US" dirty="0"/>
-                  <a:t>。</a:t>
-                </a:r>
-                <a:endParaRPr lang="en-US" altLang="zh-CN" dirty="0"/>
-              </a:p>
-              <a:p>
-                <a:r>
-                  <a:rPr lang="zh-CN" altLang="en-US" dirty="0"/>
-                  <a:t>我们需要证明 </a:t>
-                </a:r>
-                <a14:m>
-                  <m:oMath xmlns:m="http://schemas.openxmlformats.org/officeDocument/2006/math">
-                    <m:r>
-                      <a:rPr lang="en-US" altLang="zh-CN" b="0" i="1" smtClean="0">
-                        <a:latin typeface="Cambria Math" panose="02040503050406030204" pitchFamily="18" charset="0"/>
-                      </a:rPr>
-                      <m:t>∃</m:t>
-                    </m:r>
-                    <m:r>
-                      <a:rPr lang="en-US" altLang="zh-CN" b="0" i="1" smtClean="0">
-                        <a:latin typeface="Cambria Math" panose="02040503050406030204" pitchFamily="18" charset="0"/>
-                      </a:rPr>
-                      <m:t>𝑐</m:t>
-                    </m:r>
-                    <m:r>
-                      <a:rPr lang="en-US" altLang="zh-CN" b="0" i="1" smtClean="0">
-                        <a:latin typeface="Cambria Math" panose="02040503050406030204" pitchFamily="18" charset="0"/>
-                      </a:rPr>
-                      <m:t>∈</m:t>
-                    </m:r>
-                    <m:d>
-                      <m:dPr>
-                        <m:ctrlPr>
-                          <a:rPr lang="en-US" altLang="zh-CN" b="0" i="1" smtClean="0">
-                            <a:latin typeface="Cambria Math" panose="02040503050406030204" pitchFamily="18" charset="0"/>
-                          </a:rPr>
-                        </m:ctrlPr>
-                      </m:dPr>
-                      <m:e>
-                        <m:r>
-                          <a:rPr lang="en-US" altLang="zh-CN" b="0" i="1" smtClean="0">
-                            <a:latin typeface="Cambria Math" panose="02040503050406030204" pitchFamily="18" charset="0"/>
-                          </a:rPr>
-                          <m:t>𝑎</m:t>
-                        </m:r>
-                        <m:r>
-                          <a:rPr lang="en-US" altLang="zh-CN" b="0" i="1" smtClean="0">
-                            <a:latin typeface="Cambria Math" panose="02040503050406030204" pitchFamily="18" charset="0"/>
-                          </a:rPr>
-                          <m:t>,</m:t>
-                        </m:r>
-                        <m:r>
-                          <a:rPr lang="en-US" altLang="zh-CN" b="0" i="1" smtClean="0">
-                            <a:latin typeface="Cambria Math" panose="02040503050406030204" pitchFamily="18" charset="0"/>
-                          </a:rPr>
-                          <m:t>𝑏</m:t>
-                        </m:r>
-                      </m:e>
-                    </m:d>
-                    <m:r>
-                      <a:rPr lang="en-US" altLang="zh-CN" b="0" i="1" smtClean="0">
-                        <a:latin typeface="Cambria Math" panose="02040503050406030204" pitchFamily="18" charset="0"/>
-                      </a:rPr>
-                      <m:t>, </m:t>
-                    </m:r>
-                    <m:r>
-                      <a:rPr lang="en-US" altLang="zh-CN" b="0" i="1" smtClean="0">
-                        <a:latin typeface="Cambria Math" panose="02040503050406030204" pitchFamily="18" charset="0"/>
-                      </a:rPr>
-                      <m:t>𝑑</m:t>
-                    </m:r>
-                    <m:r>
-                      <a:rPr lang="en-US" altLang="zh-CN" b="0" i="1" smtClean="0">
-                        <a:latin typeface="Cambria Math" panose="02040503050406030204" pitchFamily="18" charset="0"/>
-                      </a:rPr>
-                      <m:t>&gt;</m:t>
-                    </m:r>
-                    <m:r>
-                      <a:rPr lang="en-US" altLang="zh-CN" b="0" i="1" smtClean="0">
-                        <a:latin typeface="Cambria Math" panose="02040503050406030204" pitchFamily="18" charset="0"/>
-                      </a:rPr>
-                      <m:t>𝑏</m:t>
-                    </m:r>
-                  </m:oMath>
-                </a14:m>
-                <a:r>
-                  <a:rPr lang="zh-CN" altLang="en-US" dirty="0"/>
-                  <a:t>，</a:t>
-                </a:r>
-                <a14:m>
-                  <m:oMath xmlns:m="http://schemas.openxmlformats.org/officeDocument/2006/math">
-                    <m:r>
-                      <a:rPr lang="en-US" altLang="zh-CN" b="0" i="1" dirty="0" smtClean="0">
-                        <a:latin typeface="Cambria Math" panose="02040503050406030204" pitchFamily="18" charset="0"/>
-                      </a:rPr>
-                      <m:t>𝑐</m:t>
-                    </m:r>
-                    <m:r>
-                      <a:rPr lang="en-US" altLang="zh-CN" b="0" i="1" dirty="0" smtClean="0">
-                        <a:latin typeface="Cambria Math" panose="02040503050406030204" pitchFamily="18" charset="0"/>
-                      </a:rPr>
-                      <m:t>↔</m:t>
-                    </m:r>
-                    <m:r>
-                      <a:rPr lang="en-US" altLang="zh-CN" b="0" i="1" dirty="0" smtClean="0">
-                        <a:latin typeface="Cambria Math" panose="02040503050406030204" pitchFamily="18" charset="0"/>
-                      </a:rPr>
-                      <m:t>𝑑</m:t>
-                    </m:r>
-                    <m:r>
-                      <a:rPr lang="en-US" altLang="zh-CN" b="0" i="0" dirty="0" smtClean="0">
-                        <a:latin typeface="Cambria Math" panose="02040503050406030204" pitchFamily="18" charset="0"/>
-                      </a:rPr>
-                      <m:t> </m:t>
-                    </m:r>
-                    <m:r>
-                      <a:rPr lang="zh-CN" altLang="en-US" i="1" dirty="0">
-                        <a:latin typeface="Cambria Math" panose="02040503050406030204" pitchFamily="18" charset="0"/>
-                      </a:rPr>
-                      <m:t>是一个</m:t>
-                    </m:r>
-                  </m:oMath>
-                </a14:m>
-                <a:r>
-                  <a:rPr lang="zh-CN" altLang="en-US" dirty="0"/>
-                  <a:t>二元环，这样我们就可以把四条边放进改四条边的操作里让它们消掉。</a:t>
-                </a:r>
-                <a:endParaRPr lang="en-US" altLang="zh-CN" dirty="0"/>
-              </a:p>
-              <a:p>
-                <a:pPr lvl="1"/>
-                <a:endParaRPr lang="en-US" altLang="zh-CN" dirty="0"/>
-              </a:p>
-            </p:txBody>
-          </p:sp>
-        </mc:Choice>
-        <mc:Fallback>
-          <p:sp>
-            <p:nvSpPr>
-              <p:cNvPr id="3" name="内容占位符 2">
-                <a:extLst>
-                  <a:ext uri="{FF2B5EF4-FFF2-40B4-BE49-F238E27FC236}">
-                    <a16:creationId xmlns:a16="http://schemas.microsoft.com/office/drawing/2014/main" id="{BBB4C646-CE3D-9BC9-26D0-9D7882F17FD8}"/>
-                  </a:ext>
-                </a:extLst>
-              </p:cNvPr>
-              <p:cNvSpPr>
-                <a:spLocks noGrp="1" noRot="1" noChangeAspect="1" noMove="1" noResize="1" noEditPoints="1" noAdjustHandles="1" noChangeArrowheads="1" noChangeShapeType="1" noTextEdit="1"/>
-              </p:cNvSpPr>
-              <p:nvPr>
-                <p:ph idx="1"/>
-              </p:nvPr>
-            </p:nvSpPr>
-            <p:spPr>
-              <a:xfrm>
-                <a:off x="375698" y="1825625"/>
-                <a:ext cx="4603145" cy="4351338"/>
-              </a:xfrm>
-              <a:blipFill>
-                <a:blip r:embed="rId2"/>
-                <a:stretch>
-                  <a:fillRect l="-2384" t="-2521" r="-4371"/>
-                </a:stretch>
-              </a:blipFill>
-            </p:spPr>
-            <p:txBody>
-              <a:bodyPr/>
-              <a:lstStyle/>
-              <a:p>
-                <a:r>
-                  <a:rPr lang="zh-CN" altLang="en-US">
-                    <a:noFill/>
-                  </a:rPr>
-                  <a:t> </a:t>
-                </a:r>
-              </a:p>
-            </p:txBody>
-          </p:sp>
-        </mc:Fallback>
-      </mc:AlternateContent>
-      <mc:AlternateContent xmlns:mc="http://schemas.openxmlformats.org/markup-compatibility/2006">
-        <mc:Choice xmlns:a14="http://schemas.microsoft.com/office/drawing/2010/main" Requires="a14">
-          <p:sp>
-            <p:nvSpPr>
-              <p:cNvPr id="4" name="椭圆 3">
-                <a:extLst>
-                  <a:ext uri="{FF2B5EF4-FFF2-40B4-BE49-F238E27FC236}">
-                    <a16:creationId xmlns:a16="http://schemas.microsoft.com/office/drawing/2014/main" id="{C9821FA0-A75A-1EF3-1093-366A503A9C57}"/>
-                  </a:ext>
-                </a:extLst>
-              </p:cNvPr>
-              <p:cNvSpPr/>
-              <p:nvPr/>
-            </p:nvSpPr>
-            <p:spPr>
-              <a:xfrm>
-                <a:off x="6800519" y="1610734"/>
-                <a:ext cx="925009" cy="925009"/>
-              </a:xfrm>
-              <a:prstGeom prst="ellipse">
-                <a:avLst/>
-              </a:prstGeom>
-              <a:solidFill>
-                <a:schemeClr val="tx1"/>
-              </a:solidFill>
-            </p:spPr>
-            <p:style>
-              <a:lnRef idx="2">
-                <a:schemeClr val="accent1">
-                  <a:shade val="15000"/>
-                </a:schemeClr>
-              </a:lnRef>
-              <a:fillRef idx="1">
-                <a:schemeClr val="accent1"/>
-              </a:fillRef>
-              <a:effectRef idx="0">
-                <a:schemeClr val="accent1"/>
-              </a:effectRef>
-              <a:fontRef idx="minor">
-                <a:schemeClr val="lt1"/>
-              </a:fontRef>
-            </p:style>
-            <p:txBody>
-              <a:bodyPr rtlCol="0" anchor="ctr"/>
-              <a:lstStyle/>
-              <a:p>
-                <a:pPr algn="ctr"/>
-                <a14:m>
-                  <m:oMathPara xmlns:m="http://schemas.openxmlformats.org/officeDocument/2006/math">
-                    <m:oMathParaPr>
-                      <m:jc m:val="centerGroup"/>
-                    </m:oMathParaPr>
-                    <m:oMath xmlns:m="http://schemas.openxmlformats.org/officeDocument/2006/math">
-                      <m:sSub>
-                        <m:sSubPr>
-                          <m:ctrlPr>
-                            <a:rPr lang="en-US" altLang="zh-CN" b="0" i="1" smtClean="0">
-                              <a:latin typeface="Cambria Math" panose="02040503050406030204" pitchFamily="18" charset="0"/>
-                            </a:rPr>
-                          </m:ctrlPr>
-                        </m:sSubPr>
-                        <m:e>
-                          <m:r>
-                            <a:rPr lang="en-US" altLang="zh-CN" b="0" i="1" smtClean="0">
-                              <a:latin typeface="Cambria Math" panose="02040503050406030204" pitchFamily="18" charset="0"/>
-                            </a:rPr>
-                            <m:t>𝑝</m:t>
-                          </m:r>
-                        </m:e>
-                        <m:sub>
-                          <m:r>
-                            <a:rPr lang="en-US" altLang="zh-CN" b="0" i="1" smtClean="0">
-                              <a:latin typeface="Cambria Math" panose="02040503050406030204" pitchFamily="18" charset="0"/>
-                            </a:rPr>
-                            <m:t>𝑖</m:t>
-                          </m:r>
-                          <m:r>
-                            <a:rPr lang="en-US" altLang="zh-CN" b="0" i="1" smtClean="0">
-                              <a:latin typeface="Cambria Math" panose="02040503050406030204" pitchFamily="18" charset="0"/>
-                            </a:rPr>
-                            <m:t>−1</m:t>
-                          </m:r>
-                        </m:sub>
-                      </m:sSub>
-                      <m:r>
-                        <a:rPr lang="en-US" altLang="zh-CN" b="0" i="1" smtClean="0">
-                          <a:latin typeface="Cambria Math" panose="02040503050406030204" pitchFamily="18" charset="0"/>
-                        </a:rPr>
-                        <m:t>+1</m:t>
-                      </m:r>
-                    </m:oMath>
-                  </m:oMathPara>
-                </a14:m>
-                <a:endParaRPr lang="zh-CN" altLang="en-US" dirty="0"/>
-              </a:p>
-            </p:txBody>
-          </p:sp>
-        </mc:Choice>
-        <mc:Fallback>
-          <p:sp>
-            <p:nvSpPr>
-              <p:cNvPr id="4" name="椭圆 3">
-                <a:extLst>
-                  <a:ext uri="{FF2B5EF4-FFF2-40B4-BE49-F238E27FC236}">
-                    <a16:creationId xmlns:a16="http://schemas.microsoft.com/office/drawing/2014/main" id="{C9821FA0-A75A-1EF3-1093-366A503A9C57}"/>
-                  </a:ext>
-                </a:extLst>
-              </p:cNvPr>
-              <p:cNvSpPr>
-                <a:spLocks noRot="1" noChangeAspect="1" noMove="1" noResize="1" noEditPoints="1" noAdjustHandles="1" noChangeArrowheads="1" noChangeShapeType="1" noTextEdit="1"/>
-              </p:cNvSpPr>
-              <p:nvPr/>
-            </p:nvSpPr>
-            <p:spPr>
-              <a:xfrm>
-                <a:off x="6800519" y="1610734"/>
-                <a:ext cx="925009" cy="925009"/>
-              </a:xfrm>
-              <a:prstGeom prst="ellipse">
-                <a:avLst/>
-              </a:prstGeom>
-              <a:blipFill>
-                <a:blip r:embed="rId3"/>
-                <a:stretch>
-                  <a:fillRect/>
-                </a:stretch>
-              </a:blipFill>
-            </p:spPr>
-            <p:txBody>
-              <a:bodyPr/>
-              <a:lstStyle/>
-              <a:p>
-                <a:r>
-                  <a:rPr lang="zh-CN" altLang="en-US">
-                    <a:noFill/>
-                  </a:rPr>
-                  <a:t> </a:t>
-                </a:r>
-              </a:p>
-            </p:txBody>
-          </p:sp>
-        </mc:Fallback>
-      </mc:AlternateContent>
-      <mc:AlternateContent xmlns:mc="http://schemas.openxmlformats.org/markup-compatibility/2006">
-        <mc:Choice xmlns:a14="http://schemas.microsoft.com/office/drawing/2010/main" Requires="a14">
-          <p:sp>
-            <p:nvSpPr>
-              <p:cNvPr id="5" name="椭圆 4">
-                <a:extLst>
-                  <a:ext uri="{FF2B5EF4-FFF2-40B4-BE49-F238E27FC236}">
-                    <a16:creationId xmlns:a16="http://schemas.microsoft.com/office/drawing/2014/main" id="{A4A7DBB4-4285-0E85-BD7F-679A69966E5A}"/>
-                  </a:ext>
-                </a:extLst>
-              </p:cNvPr>
-              <p:cNvSpPr/>
-              <p:nvPr/>
-            </p:nvSpPr>
-            <p:spPr>
-              <a:xfrm>
-                <a:off x="8400057" y="1610734"/>
-                <a:ext cx="925009" cy="925009"/>
-              </a:xfrm>
-              <a:prstGeom prst="ellipse">
-                <a:avLst/>
-              </a:prstGeom>
-            </p:spPr>
-            <p:style>
-              <a:lnRef idx="2">
-                <a:schemeClr val="accent1">
-                  <a:shade val="15000"/>
-                </a:schemeClr>
-              </a:lnRef>
-              <a:fillRef idx="1">
-                <a:schemeClr val="accent1"/>
-              </a:fillRef>
-              <a:effectRef idx="0">
-                <a:schemeClr val="accent1"/>
-              </a:effectRef>
-              <a:fontRef idx="minor">
-                <a:schemeClr val="lt1"/>
-              </a:fontRef>
-            </p:style>
-            <p:txBody>
-              <a:bodyPr rtlCol="0" anchor="ctr"/>
-              <a:lstStyle/>
-              <a:p>
-                <a:pPr algn="ctr"/>
-                <a14:m>
-                  <m:oMathPara xmlns:m="http://schemas.openxmlformats.org/officeDocument/2006/math">
-                    <m:oMathParaPr>
-                      <m:jc m:val="centerGroup"/>
-                    </m:oMathParaPr>
-                    <m:oMath xmlns:m="http://schemas.openxmlformats.org/officeDocument/2006/math">
-                      <m:sSub>
-                        <m:sSubPr>
-                          <m:ctrlPr>
-                            <a:rPr lang="en-US" altLang="zh-CN" b="0" i="1" smtClean="0">
-                              <a:latin typeface="Cambria Math" panose="02040503050406030204" pitchFamily="18" charset="0"/>
-                            </a:rPr>
-                          </m:ctrlPr>
-                        </m:sSubPr>
-                        <m:e>
-                          <m:r>
-                            <a:rPr lang="en-US" altLang="zh-CN" b="0" i="1" smtClean="0">
-                              <a:latin typeface="Cambria Math" panose="02040503050406030204" pitchFamily="18" charset="0"/>
-                            </a:rPr>
-                            <m:t>𝑝</m:t>
-                          </m:r>
-                        </m:e>
-                        <m:sub>
-                          <m:r>
-                            <a:rPr lang="en-US" altLang="zh-CN" b="0" i="1" smtClean="0">
-                              <a:latin typeface="Cambria Math" panose="02040503050406030204" pitchFamily="18" charset="0"/>
-                            </a:rPr>
-                            <m:t>𝑖</m:t>
-                          </m:r>
-                        </m:sub>
-                      </m:sSub>
-                    </m:oMath>
-                  </m:oMathPara>
-                </a14:m>
-                <a:endParaRPr lang="zh-CN" altLang="en-US" dirty="0"/>
-              </a:p>
-            </p:txBody>
-          </p:sp>
-        </mc:Choice>
-        <mc:Fallback>
-          <p:sp>
-            <p:nvSpPr>
-              <p:cNvPr id="5" name="椭圆 4">
-                <a:extLst>
-                  <a:ext uri="{FF2B5EF4-FFF2-40B4-BE49-F238E27FC236}">
-                    <a16:creationId xmlns:a16="http://schemas.microsoft.com/office/drawing/2014/main" id="{A4A7DBB4-4285-0E85-BD7F-679A69966E5A}"/>
-                  </a:ext>
-                </a:extLst>
-              </p:cNvPr>
-              <p:cNvSpPr>
-                <a:spLocks noRot="1" noChangeAspect="1" noMove="1" noResize="1" noEditPoints="1" noAdjustHandles="1" noChangeArrowheads="1" noChangeShapeType="1" noTextEdit="1"/>
-              </p:cNvSpPr>
-              <p:nvPr/>
-            </p:nvSpPr>
-            <p:spPr>
-              <a:xfrm>
-                <a:off x="8400057" y="1610734"/>
-                <a:ext cx="925009" cy="925009"/>
-              </a:xfrm>
-              <a:prstGeom prst="ellipse">
-                <a:avLst/>
-              </a:prstGeom>
-              <a:blipFill>
-                <a:blip r:embed="rId4"/>
-                <a:stretch>
-                  <a:fillRect/>
-                </a:stretch>
-              </a:blipFill>
-            </p:spPr>
-            <p:txBody>
-              <a:bodyPr/>
-              <a:lstStyle/>
-              <a:p>
-                <a:r>
-                  <a:rPr lang="zh-CN" altLang="en-US">
-                    <a:noFill/>
-                  </a:rPr>
-                  <a:t> </a:t>
-                </a:r>
-              </a:p>
-            </p:txBody>
-          </p:sp>
-        </mc:Fallback>
-      </mc:AlternateContent>
-      <mc:AlternateContent xmlns:mc="http://schemas.openxmlformats.org/markup-compatibility/2006">
-        <mc:Choice xmlns:a14="http://schemas.microsoft.com/office/drawing/2010/main" Requires="a14">
-          <p:sp>
-            <p:nvSpPr>
-              <p:cNvPr id="6" name="椭圆 5">
-                <a:extLst>
-                  <a:ext uri="{FF2B5EF4-FFF2-40B4-BE49-F238E27FC236}">
-                    <a16:creationId xmlns:a16="http://schemas.microsoft.com/office/drawing/2014/main" id="{BC468C25-F7EE-D0DD-C8DC-77E213C8495C}"/>
-                  </a:ext>
-                </a:extLst>
-              </p:cNvPr>
-              <p:cNvSpPr/>
-              <p:nvPr/>
-            </p:nvSpPr>
-            <p:spPr>
-              <a:xfrm>
-                <a:off x="9999595" y="2482795"/>
-                <a:ext cx="925009" cy="925009"/>
-              </a:xfrm>
-              <a:prstGeom prst="ellipse">
-                <a:avLst/>
-              </a:prstGeom>
-            </p:spPr>
-            <p:style>
-              <a:lnRef idx="2">
-                <a:schemeClr val="accent1">
-                  <a:shade val="15000"/>
-                </a:schemeClr>
-              </a:lnRef>
-              <a:fillRef idx="1">
-                <a:schemeClr val="accent1"/>
-              </a:fillRef>
-              <a:effectRef idx="0">
-                <a:schemeClr val="accent1"/>
-              </a:effectRef>
-              <a:fontRef idx="minor">
-                <a:schemeClr val="lt1"/>
-              </a:fontRef>
-            </p:style>
-            <p:txBody>
-              <a:bodyPr rtlCol="0" anchor="ctr"/>
-              <a:lstStyle/>
-              <a:p>
-                <a:pPr algn="ctr"/>
-                <a14:m>
-                  <m:oMathPara xmlns:m="http://schemas.openxmlformats.org/officeDocument/2006/math">
-                    <m:oMathParaPr>
-                      <m:jc m:val="centerGroup"/>
-                    </m:oMathParaPr>
-                    <m:oMath xmlns:m="http://schemas.openxmlformats.org/officeDocument/2006/math">
-                      <m:sSub>
-                        <m:sSubPr>
-                          <m:ctrlPr>
-                            <a:rPr lang="en-US" altLang="zh-CN" b="0" i="1" smtClean="0">
-                              <a:latin typeface="Cambria Math" panose="02040503050406030204" pitchFamily="18" charset="0"/>
-                            </a:rPr>
-                          </m:ctrlPr>
-                        </m:sSubPr>
-                        <m:e>
-                          <m:r>
-                            <a:rPr lang="en-US" altLang="zh-CN" b="0" i="1" smtClean="0">
-                              <a:latin typeface="Cambria Math" panose="02040503050406030204" pitchFamily="18" charset="0"/>
-                            </a:rPr>
-                            <m:t>𝑝</m:t>
-                          </m:r>
-                        </m:e>
-                        <m:sub>
-                          <m:r>
-                            <a:rPr lang="en-US" altLang="zh-CN" b="0" i="1" smtClean="0">
-                              <a:latin typeface="Cambria Math" panose="02040503050406030204" pitchFamily="18" charset="0"/>
-                            </a:rPr>
-                            <m:t>𝑗</m:t>
-                          </m:r>
-                        </m:sub>
-                      </m:sSub>
-                      <m:r>
-                        <a:rPr lang="en-US" altLang="zh-CN" b="0" i="1" smtClean="0">
-                          <a:latin typeface="Cambria Math" panose="02040503050406030204" pitchFamily="18" charset="0"/>
-                        </a:rPr>
-                        <m:t>+1</m:t>
-                      </m:r>
-                    </m:oMath>
-                  </m:oMathPara>
-                </a14:m>
-                <a:endParaRPr lang="zh-CN" altLang="en-US" dirty="0"/>
-              </a:p>
-            </p:txBody>
-          </p:sp>
-        </mc:Choice>
-        <mc:Fallback>
-          <p:sp>
-            <p:nvSpPr>
-              <p:cNvPr id="6" name="椭圆 5">
-                <a:extLst>
-                  <a:ext uri="{FF2B5EF4-FFF2-40B4-BE49-F238E27FC236}">
-                    <a16:creationId xmlns:a16="http://schemas.microsoft.com/office/drawing/2014/main" id="{BC468C25-F7EE-D0DD-C8DC-77E213C8495C}"/>
-                  </a:ext>
-                </a:extLst>
-              </p:cNvPr>
-              <p:cNvSpPr>
-                <a:spLocks noRot="1" noChangeAspect="1" noMove="1" noResize="1" noEditPoints="1" noAdjustHandles="1" noChangeArrowheads="1" noChangeShapeType="1" noTextEdit="1"/>
-              </p:cNvSpPr>
-              <p:nvPr/>
-            </p:nvSpPr>
-            <p:spPr>
-              <a:xfrm>
-                <a:off x="9999595" y="2482795"/>
-                <a:ext cx="925009" cy="925009"/>
-              </a:xfrm>
-              <a:prstGeom prst="ellipse">
-                <a:avLst/>
-              </a:prstGeom>
-              <a:blipFill>
-                <a:blip r:embed="rId5"/>
-                <a:stretch>
-                  <a:fillRect/>
-                </a:stretch>
-              </a:blipFill>
-            </p:spPr>
-            <p:txBody>
-              <a:bodyPr/>
-              <a:lstStyle/>
-              <a:p>
-                <a:r>
-                  <a:rPr lang="zh-CN" altLang="en-US">
-                    <a:noFill/>
-                  </a:rPr>
-                  <a:t> </a:t>
-                </a:r>
-              </a:p>
-            </p:txBody>
-          </p:sp>
-        </mc:Fallback>
-      </mc:AlternateContent>
-      <mc:AlternateContent xmlns:mc="http://schemas.openxmlformats.org/markup-compatibility/2006">
-        <mc:Choice xmlns:a14="http://schemas.microsoft.com/office/drawing/2010/main" Requires="a14">
-          <p:sp>
-            <p:nvSpPr>
-              <p:cNvPr id="7" name="椭圆 6">
-                <a:extLst>
-                  <a:ext uri="{FF2B5EF4-FFF2-40B4-BE49-F238E27FC236}">
-                    <a16:creationId xmlns:a16="http://schemas.microsoft.com/office/drawing/2014/main" id="{35DF11BD-720E-24DF-0374-CD8C0EF66990}"/>
-                  </a:ext>
-                </a:extLst>
-              </p:cNvPr>
-              <p:cNvSpPr/>
-              <p:nvPr/>
-            </p:nvSpPr>
-            <p:spPr>
-              <a:xfrm>
-                <a:off x="9999595" y="3868028"/>
-                <a:ext cx="925009" cy="925009"/>
-              </a:xfrm>
-              <a:prstGeom prst="ellipse">
-                <a:avLst/>
-              </a:prstGeom>
-              <a:solidFill>
-                <a:schemeClr val="tx1">
-                  <a:lumMod val="50000"/>
-                  <a:lumOff val="50000"/>
-                </a:schemeClr>
-              </a:solidFill>
-            </p:spPr>
-            <p:style>
-              <a:lnRef idx="2">
-                <a:schemeClr val="accent1">
-                  <a:shade val="15000"/>
-                </a:schemeClr>
-              </a:lnRef>
-              <a:fillRef idx="1">
-                <a:schemeClr val="accent1"/>
-              </a:fillRef>
-              <a:effectRef idx="0">
-                <a:schemeClr val="accent1"/>
-              </a:effectRef>
-              <a:fontRef idx="minor">
-                <a:schemeClr val="lt1"/>
-              </a:fontRef>
-            </p:style>
-            <p:txBody>
-              <a:bodyPr rtlCol="0" anchor="ctr"/>
-              <a:lstStyle/>
-              <a:p>
-                <a:pPr algn="ctr"/>
-                <a14:m>
-                  <m:oMathPara xmlns:m="http://schemas.openxmlformats.org/officeDocument/2006/math">
-                    <m:oMathParaPr>
-                      <m:jc m:val="centerGroup"/>
-                    </m:oMathParaPr>
-                    <m:oMath xmlns:m="http://schemas.openxmlformats.org/officeDocument/2006/math">
-                      <m:sSub>
-                        <m:sSubPr>
-                          <m:ctrlPr>
-                            <a:rPr lang="en-US" altLang="zh-CN" b="0" i="1" smtClean="0">
-                              <a:latin typeface="Cambria Math" panose="02040503050406030204" pitchFamily="18" charset="0"/>
-                            </a:rPr>
-                          </m:ctrlPr>
-                        </m:sSubPr>
-                        <m:e>
-                          <m:r>
-                            <a:rPr lang="en-US" altLang="zh-CN" b="0" i="1" smtClean="0">
-                              <a:latin typeface="Cambria Math" panose="02040503050406030204" pitchFamily="18" charset="0"/>
-                            </a:rPr>
-                            <m:t>𝑝</m:t>
-                          </m:r>
-                        </m:e>
-                        <m:sub>
-                          <m:r>
-                            <a:rPr lang="en-US" altLang="zh-CN" b="0" i="1" smtClean="0">
-                              <a:latin typeface="Cambria Math" panose="02040503050406030204" pitchFamily="18" charset="0"/>
-                            </a:rPr>
-                            <m:t>𝑗</m:t>
-                          </m:r>
-                          <m:r>
-                            <a:rPr lang="en-US" altLang="zh-CN" b="0" i="1" smtClean="0">
-                              <a:latin typeface="Cambria Math" panose="02040503050406030204" pitchFamily="18" charset="0"/>
-                            </a:rPr>
-                            <m:t>+1</m:t>
-                          </m:r>
-                        </m:sub>
-                      </m:sSub>
-                    </m:oMath>
-                  </m:oMathPara>
-                </a14:m>
-                <a:endParaRPr lang="zh-CN" altLang="en-US" dirty="0"/>
-              </a:p>
-            </p:txBody>
-          </p:sp>
-        </mc:Choice>
-        <mc:Fallback>
-          <p:sp>
-            <p:nvSpPr>
-              <p:cNvPr id="7" name="椭圆 6">
-                <a:extLst>
-                  <a:ext uri="{FF2B5EF4-FFF2-40B4-BE49-F238E27FC236}">
-                    <a16:creationId xmlns:a16="http://schemas.microsoft.com/office/drawing/2014/main" id="{35DF11BD-720E-24DF-0374-CD8C0EF66990}"/>
-                  </a:ext>
-                </a:extLst>
-              </p:cNvPr>
-              <p:cNvSpPr>
-                <a:spLocks noRot="1" noChangeAspect="1" noMove="1" noResize="1" noEditPoints="1" noAdjustHandles="1" noChangeArrowheads="1" noChangeShapeType="1" noTextEdit="1"/>
-              </p:cNvSpPr>
-              <p:nvPr/>
-            </p:nvSpPr>
-            <p:spPr>
-              <a:xfrm>
-                <a:off x="9999595" y="3868028"/>
-                <a:ext cx="925009" cy="925009"/>
-              </a:xfrm>
-              <a:prstGeom prst="ellipse">
-                <a:avLst/>
-              </a:prstGeom>
-              <a:blipFill>
-                <a:blip r:embed="rId6"/>
-                <a:stretch>
-                  <a:fillRect/>
-                </a:stretch>
-              </a:blipFill>
-            </p:spPr>
-            <p:txBody>
-              <a:bodyPr/>
-              <a:lstStyle/>
-              <a:p>
-                <a:r>
-                  <a:rPr lang="zh-CN" altLang="en-US">
-                    <a:noFill/>
-                  </a:rPr>
-                  <a:t> </a:t>
-                </a:r>
-              </a:p>
-            </p:txBody>
-          </p:sp>
-        </mc:Fallback>
-      </mc:AlternateContent>
-      <mc:AlternateContent xmlns:mc="http://schemas.openxmlformats.org/markup-compatibility/2006">
-        <mc:Choice xmlns:a14="http://schemas.microsoft.com/office/drawing/2010/main" Requires="a14">
-          <p:sp>
-            <p:nvSpPr>
-              <p:cNvPr id="8" name="椭圆 7">
-                <a:extLst>
-                  <a:ext uri="{FF2B5EF4-FFF2-40B4-BE49-F238E27FC236}">
-                    <a16:creationId xmlns:a16="http://schemas.microsoft.com/office/drawing/2014/main" id="{F2349FE6-4A68-0541-B7A5-FD16C2217099}"/>
-                  </a:ext>
-                </a:extLst>
-              </p:cNvPr>
-              <p:cNvSpPr/>
-              <p:nvPr/>
-            </p:nvSpPr>
-            <p:spPr>
-              <a:xfrm>
-                <a:off x="6800519" y="4787408"/>
-                <a:ext cx="925009" cy="925009"/>
-              </a:xfrm>
-              <a:prstGeom prst="ellipse">
-                <a:avLst/>
-              </a:prstGeom>
-              <a:solidFill>
-                <a:srgbClr val="FF0000"/>
-              </a:solidFill>
-            </p:spPr>
-            <p:style>
-              <a:lnRef idx="2">
-                <a:schemeClr val="accent1">
-                  <a:shade val="15000"/>
-                </a:schemeClr>
-              </a:lnRef>
-              <a:fillRef idx="1">
-                <a:schemeClr val="accent1"/>
-              </a:fillRef>
-              <a:effectRef idx="0">
-                <a:schemeClr val="accent1"/>
-              </a:effectRef>
-              <a:fontRef idx="minor">
-                <a:schemeClr val="lt1"/>
-              </a:fontRef>
-            </p:style>
-            <p:txBody>
-              <a:bodyPr rtlCol="0" anchor="ctr"/>
-              <a:lstStyle/>
-              <a:p>
-                <a:pPr algn="ctr"/>
-                <a14:m>
-                  <m:oMathPara xmlns:m="http://schemas.openxmlformats.org/officeDocument/2006/math">
-                    <m:oMathParaPr>
-                      <m:jc m:val="centerGroup"/>
-                    </m:oMathParaPr>
-                    <m:oMath xmlns:m="http://schemas.openxmlformats.org/officeDocument/2006/math">
-                      <m:sSub>
-                        <m:sSubPr>
-                          <m:ctrlPr>
-                            <a:rPr lang="en-US" altLang="zh-CN" b="0" i="1" smtClean="0">
-                              <a:latin typeface="Cambria Math" panose="02040503050406030204" pitchFamily="18" charset="0"/>
-                            </a:rPr>
-                          </m:ctrlPr>
-                        </m:sSubPr>
-                        <m:e>
-                          <m:r>
-                            <a:rPr lang="en-US" altLang="zh-CN" b="0" i="1" smtClean="0">
-                              <a:latin typeface="Cambria Math" panose="02040503050406030204" pitchFamily="18" charset="0"/>
-                            </a:rPr>
-                            <m:t>𝑝</m:t>
-                          </m:r>
-                        </m:e>
-                        <m:sub>
-                          <m:r>
-                            <a:rPr lang="en-US" altLang="zh-CN" b="0" i="1" smtClean="0">
-                              <a:latin typeface="Cambria Math" panose="02040503050406030204" pitchFamily="18" charset="0"/>
-                            </a:rPr>
-                            <m:t>𝑘</m:t>
-                          </m:r>
-                        </m:sub>
-                      </m:sSub>
-                    </m:oMath>
-                  </m:oMathPara>
-                </a14:m>
-                <a:endParaRPr lang="zh-CN" altLang="en-US" dirty="0"/>
-              </a:p>
-            </p:txBody>
-          </p:sp>
-        </mc:Choice>
-        <mc:Fallback>
-          <p:sp>
-            <p:nvSpPr>
-              <p:cNvPr id="8" name="椭圆 7">
-                <a:extLst>
-                  <a:ext uri="{FF2B5EF4-FFF2-40B4-BE49-F238E27FC236}">
-                    <a16:creationId xmlns:a16="http://schemas.microsoft.com/office/drawing/2014/main" id="{F2349FE6-4A68-0541-B7A5-FD16C2217099}"/>
-                  </a:ext>
-                </a:extLst>
-              </p:cNvPr>
-              <p:cNvSpPr>
-                <a:spLocks noRot="1" noChangeAspect="1" noMove="1" noResize="1" noEditPoints="1" noAdjustHandles="1" noChangeArrowheads="1" noChangeShapeType="1" noTextEdit="1"/>
-              </p:cNvSpPr>
-              <p:nvPr/>
-            </p:nvSpPr>
-            <p:spPr>
-              <a:xfrm>
-                <a:off x="6800519" y="4787408"/>
-                <a:ext cx="925009" cy="925009"/>
-              </a:xfrm>
-              <a:prstGeom prst="ellipse">
-                <a:avLst/>
-              </a:prstGeom>
-              <a:blipFill>
-                <a:blip r:embed="rId7"/>
-                <a:stretch>
-                  <a:fillRect/>
-                </a:stretch>
-              </a:blipFill>
-            </p:spPr>
-            <p:txBody>
-              <a:bodyPr/>
-              <a:lstStyle/>
-              <a:p>
-                <a:r>
-                  <a:rPr lang="zh-CN" altLang="en-US">
-                    <a:noFill/>
-                  </a:rPr>
-                  <a:t> </a:t>
-                </a:r>
-              </a:p>
-            </p:txBody>
-          </p:sp>
-        </mc:Fallback>
-      </mc:AlternateContent>
-      <mc:AlternateContent xmlns:mc="http://schemas.openxmlformats.org/markup-compatibility/2006">
-        <mc:Choice xmlns:a14="http://schemas.microsoft.com/office/drawing/2010/main" Requires="a14">
-          <p:sp>
-            <p:nvSpPr>
-              <p:cNvPr id="9" name="椭圆 8">
-                <a:extLst>
-                  <a:ext uri="{FF2B5EF4-FFF2-40B4-BE49-F238E27FC236}">
-                    <a16:creationId xmlns:a16="http://schemas.microsoft.com/office/drawing/2014/main" id="{DAC19748-C6E9-0582-9EA8-359397914947}"/>
-                  </a:ext>
-                </a:extLst>
-              </p:cNvPr>
-              <p:cNvSpPr/>
-              <p:nvPr/>
-            </p:nvSpPr>
-            <p:spPr>
-              <a:xfrm>
-                <a:off x="8400057" y="4787408"/>
-                <a:ext cx="925009" cy="925009"/>
-              </a:xfrm>
-              <a:prstGeom prst="ellipse">
-                <a:avLst/>
-              </a:prstGeom>
-              <a:solidFill>
-                <a:schemeClr val="tx1">
-                  <a:lumMod val="50000"/>
-                  <a:lumOff val="50000"/>
-                </a:schemeClr>
-              </a:solidFill>
-            </p:spPr>
-            <p:style>
-              <a:lnRef idx="2">
-                <a:schemeClr val="accent1">
-                  <a:shade val="15000"/>
-                </a:schemeClr>
-              </a:lnRef>
-              <a:fillRef idx="1">
-                <a:schemeClr val="accent1"/>
-              </a:fillRef>
-              <a:effectRef idx="0">
-                <a:schemeClr val="accent1"/>
-              </a:effectRef>
-              <a:fontRef idx="minor">
-                <a:schemeClr val="lt1"/>
-              </a:fontRef>
-            </p:style>
-            <p:txBody>
-              <a:bodyPr rtlCol="0" anchor="ctr"/>
-              <a:lstStyle/>
-              <a:p>
-                <a:pPr algn="ctr"/>
-                <a14:m>
-                  <m:oMathPara xmlns:m="http://schemas.openxmlformats.org/officeDocument/2006/math">
-                    <m:oMathParaPr>
-                      <m:jc m:val="centerGroup"/>
-                    </m:oMathParaPr>
-                    <m:oMath xmlns:m="http://schemas.openxmlformats.org/officeDocument/2006/math">
-                      <m:sSub>
-                        <m:sSubPr>
-                          <m:ctrlPr>
-                            <a:rPr lang="en-US" altLang="zh-CN" b="0" i="1" smtClean="0">
-                              <a:latin typeface="Cambria Math" panose="02040503050406030204" pitchFamily="18" charset="0"/>
-                            </a:rPr>
-                          </m:ctrlPr>
-                        </m:sSubPr>
-                        <m:e>
-                          <m:r>
-                            <a:rPr lang="en-US" altLang="zh-CN" b="0" i="1" smtClean="0">
-                              <a:latin typeface="Cambria Math" panose="02040503050406030204" pitchFamily="18" charset="0"/>
-                            </a:rPr>
-                            <m:t>𝑝</m:t>
-                          </m:r>
-                        </m:e>
-                        <m:sub>
-                          <m:r>
-                            <a:rPr lang="en-US" altLang="zh-CN" b="0" i="1" smtClean="0">
-                              <a:latin typeface="Cambria Math" panose="02040503050406030204" pitchFamily="18" charset="0"/>
-                            </a:rPr>
-                            <m:t>𝑘</m:t>
-                          </m:r>
-                          <m:r>
-                            <a:rPr lang="en-US" altLang="zh-CN" b="0" i="1" smtClean="0">
-                              <a:latin typeface="Cambria Math" panose="02040503050406030204" pitchFamily="18" charset="0"/>
-                            </a:rPr>
-                            <m:t>−1</m:t>
-                          </m:r>
-                        </m:sub>
-                      </m:sSub>
-                      <m:r>
-                        <a:rPr lang="en-US" altLang="zh-CN" b="0" i="1" smtClean="0">
-                          <a:latin typeface="Cambria Math" panose="02040503050406030204" pitchFamily="18" charset="0"/>
-                        </a:rPr>
-                        <m:t>+1</m:t>
-                      </m:r>
-                    </m:oMath>
-                  </m:oMathPara>
-                </a14:m>
-                <a:endParaRPr lang="zh-CN" altLang="en-US" dirty="0"/>
-              </a:p>
-            </p:txBody>
-          </p:sp>
-        </mc:Choice>
-        <mc:Fallback>
-          <p:sp>
-            <p:nvSpPr>
-              <p:cNvPr id="9" name="椭圆 8">
-                <a:extLst>
-                  <a:ext uri="{FF2B5EF4-FFF2-40B4-BE49-F238E27FC236}">
-                    <a16:creationId xmlns:a16="http://schemas.microsoft.com/office/drawing/2014/main" id="{DAC19748-C6E9-0582-9EA8-359397914947}"/>
-                  </a:ext>
-                </a:extLst>
-              </p:cNvPr>
-              <p:cNvSpPr>
-                <a:spLocks noRot="1" noChangeAspect="1" noMove="1" noResize="1" noEditPoints="1" noAdjustHandles="1" noChangeArrowheads="1" noChangeShapeType="1" noTextEdit="1"/>
-              </p:cNvSpPr>
-              <p:nvPr/>
-            </p:nvSpPr>
-            <p:spPr>
-              <a:xfrm>
-                <a:off x="8400057" y="4787408"/>
-                <a:ext cx="925009" cy="925009"/>
-              </a:xfrm>
-              <a:prstGeom prst="ellipse">
-                <a:avLst/>
-              </a:prstGeom>
-              <a:blipFill>
-                <a:blip r:embed="rId8"/>
-                <a:stretch>
-                  <a:fillRect/>
-                </a:stretch>
-              </a:blipFill>
-            </p:spPr>
-            <p:txBody>
-              <a:bodyPr/>
-              <a:lstStyle/>
-              <a:p>
-                <a:r>
-                  <a:rPr lang="zh-CN" altLang="en-US">
-                    <a:noFill/>
-                  </a:rPr>
-                  <a:t> </a:t>
-                </a:r>
-              </a:p>
-            </p:txBody>
-          </p:sp>
-        </mc:Fallback>
-      </mc:AlternateContent>
-      <mc:AlternateContent xmlns:mc="http://schemas.openxmlformats.org/markup-compatibility/2006">
-        <mc:Choice xmlns:a14="http://schemas.microsoft.com/office/drawing/2010/main" Requires="a14">
-          <p:sp>
-            <p:nvSpPr>
-              <p:cNvPr id="10" name="椭圆 9">
-                <a:extLst>
-                  <a:ext uri="{FF2B5EF4-FFF2-40B4-BE49-F238E27FC236}">
-                    <a16:creationId xmlns:a16="http://schemas.microsoft.com/office/drawing/2014/main" id="{BF36A806-52F1-D704-8A4C-0186229420C4}"/>
-                  </a:ext>
-                </a:extLst>
-              </p:cNvPr>
-              <p:cNvSpPr/>
-              <p:nvPr/>
-            </p:nvSpPr>
-            <p:spPr>
-              <a:xfrm>
-                <a:off x="5190871" y="2482795"/>
-                <a:ext cx="925009" cy="925009"/>
-              </a:xfrm>
-              <a:prstGeom prst="ellipse">
-                <a:avLst/>
-              </a:prstGeom>
-              <a:solidFill>
-                <a:schemeClr val="tx1"/>
-              </a:solidFill>
-            </p:spPr>
-            <p:style>
-              <a:lnRef idx="2">
-                <a:schemeClr val="accent1">
-                  <a:shade val="15000"/>
-                </a:schemeClr>
-              </a:lnRef>
-              <a:fillRef idx="1">
-                <a:schemeClr val="accent1"/>
-              </a:fillRef>
-              <a:effectRef idx="0">
-                <a:schemeClr val="accent1"/>
-              </a:effectRef>
-              <a:fontRef idx="minor">
-                <a:schemeClr val="lt1"/>
-              </a:fontRef>
-            </p:style>
-            <p:txBody>
-              <a:bodyPr rtlCol="0" anchor="ctr"/>
-              <a:lstStyle/>
-              <a:p>
-                <a:pPr algn="ctr"/>
-                <a14:m>
-                  <m:oMathPara xmlns:m="http://schemas.openxmlformats.org/officeDocument/2006/math">
-                    <m:oMathParaPr>
-                      <m:jc m:val="centerGroup"/>
-                    </m:oMathParaPr>
-                    <m:oMath xmlns:m="http://schemas.openxmlformats.org/officeDocument/2006/math">
-                      <m:sSub>
-                        <m:sSubPr>
-                          <m:ctrlPr>
-                            <a:rPr lang="en-US" altLang="zh-CN" b="0" i="1" smtClean="0">
-                              <a:latin typeface="Cambria Math" panose="02040503050406030204" pitchFamily="18" charset="0"/>
-                            </a:rPr>
-                          </m:ctrlPr>
-                        </m:sSubPr>
-                        <m:e>
-                          <m:r>
-                            <a:rPr lang="en-US" altLang="zh-CN" b="0" i="1" smtClean="0">
-                              <a:latin typeface="Cambria Math" panose="02040503050406030204" pitchFamily="18" charset="0"/>
-                            </a:rPr>
-                            <m:t>𝑝</m:t>
-                          </m:r>
-                        </m:e>
-                        <m:sub>
-                          <m:r>
-                            <a:rPr lang="en-US" altLang="zh-CN" b="0" i="1" smtClean="0">
-                              <a:latin typeface="Cambria Math" panose="02040503050406030204" pitchFamily="18" charset="0"/>
-                            </a:rPr>
-                            <m:t>𝑙</m:t>
-                          </m:r>
-                          <m:r>
-                            <a:rPr lang="en-US" altLang="zh-CN" b="0" i="1" smtClean="0">
-                              <a:latin typeface="Cambria Math" panose="02040503050406030204" pitchFamily="18" charset="0"/>
-                            </a:rPr>
-                            <m:t>+1</m:t>
-                          </m:r>
-                        </m:sub>
-                      </m:sSub>
-                    </m:oMath>
-                  </m:oMathPara>
-                </a14:m>
-                <a:endParaRPr lang="zh-CN" altLang="en-US" dirty="0"/>
-              </a:p>
-            </p:txBody>
-          </p:sp>
-        </mc:Choice>
-        <mc:Fallback>
-          <p:sp>
-            <p:nvSpPr>
-              <p:cNvPr id="10" name="椭圆 9">
-                <a:extLst>
-                  <a:ext uri="{FF2B5EF4-FFF2-40B4-BE49-F238E27FC236}">
-                    <a16:creationId xmlns:a16="http://schemas.microsoft.com/office/drawing/2014/main" id="{BF36A806-52F1-D704-8A4C-0186229420C4}"/>
-                  </a:ext>
-                </a:extLst>
-              </p:cNvPr>
-              <p:cNvSpPr>
-                <a:spLocks noRot="1" noChangeAspect="1" noMove="1" noResize="1" noEditPoints="1" noAdjustHandles="1" noChangeArrowheads="1" noChangeShapeType="1" noTextEdit="1"/>
-              </p:cNvSpPr>
-              <p:nvPr/>
-            </p:nvSpPr>
-            <p:spPr>
-              <a:xfrm>
-                <a:off x="5190871" y="2482795"/>
-                <a:ext cx="925009" cy="925009"/>
-              </a:xfrm>
-              <a:prstGeom prst="ellipse">
-                <a:avLst/>
-              </a:prstGeom>
-              <a:blipFill>
-                <a:blip r:embed="rId9"/>
-                <a:stretch>
-                  <a:fillRect/>
-                </a:stretch>
-              </a:blipFill>
-            </p:spPr>
-            <p:txBody>
-              <a:bodyPr/>
-              <a:lstStyle/>
-              <a:p>
-                <a:r>
-                  <a:rPr lang="zh-CN" altLang="en-US">
-                    <a:noFill/>
-                  </a:rPr>
-                  <a:t> </a:t>
-                </a:r>
-              </a:p>
-            </p:txBody>
-          </p:sp>
-        </mc:Fallback>
-      </mc:AlternateContent>
-      <mc:AlternateContent xmlns:mc="http://schemas.openxmlformats.org/markup-compatibility/2006">
-        <mc:Choice xmlns:a14="http://schemas.microsoft.com/office/drawing/2010/main" Requires="a14">
-          <p:sp>
-            <p:nvSpPr>
-              <p:cNvPr id="11" name="椭圆 10">
-                <a:extLst>
-                  <a:ext uri="{FF2B5EF4-FFF2-40B4-BE49-F238E27FC236}">
-                    <a16:creationId xmlns:a16="http://schemas.microsoft.com/office/drawing/2014/main" id="{EF350CC2-4662-3077-5A27-E55D3582FF00}"/>
-                  </a:ext>
-                </a:extLst>
-              </p:cNvPr>
-              <p:cNvSpPr/>
-              <p:nvPr/>
-            </p:nvSpPr>
-            <p:spPr>
-              <a:xfrm>
-                <a:off x="5190871" y="3868028"/>
-                <a:ext cx="925009" cy="925009"/>
-              </a:xfrm>
-              <a:prstGeom prst="ellipse">
-                <a:avLst/>
-              </a:prstGeom>
-              <a:solidFill>
-                <a:srgbClr val="FF0000"/>
-              </a:solidFill>
-            </p:spPr>
-            <p:style>
-              <a:lnRef idx="2">
-                <a:schemeClr val="accent1">
-                  <a:shade val="15000"/>
-                </a:schemeClr>
-              </a:lnRef>
-              <a:fillRef idx="1">
-                <a:schemeClr val="accent1"/>
-              </a:fillRef>
-              <a:effectRef idx="0">
-                <a:schemeClr val="accent1"/>
-              </a:effectRef>
-              <a:fontRef idx="minor">
-                <a:schemeClr val="lt1"/>
-              </a:fontRef>
-            </p:style>
-            <p:txBody>
-              <a:bodyPr rtlCol="0" anchor="ctr"/>
-              <a:lstStyle/>
-              <a:p>
-                <a:pPr algn="ctr"/>
-                <a14:m>
-                  <m:oMathPara xmlns:m="http://schemas.openxmlformats.org/officeDocument/2006/math">
-                    <m:oMathParaPr>
-                      <m:jc m:val="centerGroup"/>
-                    </m:oMathParaPr>
-                    <m:oMath xmlns:m="http://schemas.openxmlformats.org/officeDocument/2006/math">
-                      <m:sSub>
-                        <m:sSubPr>
-                          <m:ctrlPr>
-                            <a:rPr lang="en-US" altLang="zh-CN" b="0" i="1" smtClean="0">
-                              <a:latin typeface="Cambria Math" panose="02040503050406030204" pitchFamily="18" charset="0"/>
-                            </a:rPr>
-                          </m:ctrlPr>
-                        </m:sSubPr>
-                        <m:e>
-                          <m:r>
-                            <a:rPr lang="en-US" altLang="zh-CN" b="0" i="1" smtClean="0">
-                              <a:latin typeface="Cambria Math" panose="02040503050406030204" pitchFamily="18" charset="0"/>
-                            </a:rPr>
-                            <m:t>𝑝</m:t>
-                          </m:r>
-                        </m:e>
-                        <m:sub>
-                          <m:r>
-                            <a:rPr lang="en-US" altLang="zh-CN" b="0" i="1" smtClean="0">
-                              <a:latin typeface="Cambria Math" panose="02040503050406030204" pitchFamily="18" charset="0"/>
-                            </a:rPr>
-                            <m:t>𝑙</m:t>
-                          </m:r>
-                        </m:sub>
-                      </m:sSub>
-                      <m:r>
-                        <a:rPr lang="en-US" altLang="zh-CN" b="0" i="1" smtClean="0">
-                          <a:latin typeface="Cambria Math" panose="02040503050406030204" pitchFamily="18" charset="0"/>
-                        </a:rPr>
-                        <m:t>+1</m:t>
-                      </m:r>
-                    </m:oMath>
-                  </m:oMathPara>
-                </a14:m>
-                <a:endParaRPr lang="zh-CN" altLang="en-US" dirty="0"/>
-              </a:p>
-            </p:txBody>
-          </p:sp>
-        </mc:Choice>
-        <mc:Fallback>
-          <p:sp>
-            <p:nvSpPr>
-              <p:cNvPr id="11" name="椭圆 10">
-                <a:extLst>
-                  <a:ext uri="{FF2B5EF4-FFF2-40B4-BE49-F238E27FC236}">
-                    <a16:creationId xmlns:a16="http://schemas.microsoft.com/office/drawing/2014/main" id="{EF350CC2-4662-3077-5A27-E55D3582FF00}"/>
-                  </a:ext>
-                </a:extLst>
-              </p:cNvPr>
-              <p:cNvSpPr>
-                <a:spLocks noRot="1" noChangeAspect="1" noMove="1" noResize="1" noEditPoints="1" noAdjustHandles="1" noChangeArrowheads="1" noChangeShapeType="1" noTextEdit="1"/>
-              </p:cNvSpPr>
-              <p:nvPr/>
-            </p:nvSpPr>
-            <p:spPr>
-              <a:xfrm>
-                <a:off x="5190871" y="3868028"/>
-                <a:ext cx="925009" cy="925009"/>
-              </a:xfrm>
-              <a:prstGeom prst="ellipse">
-                <a:avLst/>
-              </a:prstGeom>
-              <a:blipFill>
-                <a:blip r:embed="rId10"/>
-                <a:stretch>
-                  <a:fillRect/>
-                </a:stretch>
-              </a:blipFill>
-            </p:spPr>
-            <p:txBody>
-              <a:bodyPr/>
-              <a:lstStyle/>
-              <a:p>
-                <a:r>
-                  <a:rPr lang="zh-CN" altLang="en-US">
-                    <a:noFill/>
-                  </a:rPr>
-                  <a:t> </a:t>
-                </a:r>
-              </a:p>
-            </p:txBody>
-          </p:sp>
-        </mc:Fallback>
-      </mc:AlternateContent>
-      <p:cxnSp>
-        <p:nvCxnSpPr>
-          <p:cNvPr id="12" name="直接箭头连接符 11">
-            <a:extLst>
-              <a:ext uri="{FF2B5EF4-FFF2-40B4-BE49-F238E27FC236}">
-                <a16:creationId xmlns:a16="http://schemas.microsoft.com/office/drawing/2014/main" id="{0D131EC9-80C0-9E50-5BE8-7A067E7ED10F}"/>
-              </a:ext>
-            </a:extLst>
-          </p:cNvPr>
-          <p:cNvCxnSpPr>
-            <a:stCxn id="4" idx="6"/>
-            <a:endCxn id="5" idx="2"/>
-          </p:cNvCxnSpPr>
-          <p:nvPr/>
-        </p:nvCxnSpPr>
-        <p:spPr>
-          <a:xfrm>
-            <a:off x="7725528" y="2073239"/>
-            <a:ext cx="674529" cy="0"/>
-          </a:xfrm>
-          <a:prstGeom prst="straightConnector1">
-            <a:avLst/>
-          </a:prstGeom>
-          <a:ln w="38100" cap="flat" cmpd="sng" algn="ctr">
-            <a:solidFill>
-              <a:schemeClr val="tx1"/>
-            </a:solidFill>
-            <a:prstDash val="sysDot"/>
-            <a:round/>
-            <a:headEnd type="none" w="med" len="med"/>
-            <a:tailEnd type="arrow" w="med" len="med"/>
-          </a:ln>
-        </p:spPr>
-        <p:style>
-          <a:lnRef idx="0">
-            <a:scrgbClr r="0" g="0" b="0"/>
-          </a:lnRef>
-          <a:fillRef idx="0">
-            <a:scrgbClr r="0" g="0" b="0"/>
-          </a:fillRef>
-          <a:effectRef idx="0">
-            <a:scrgbClr r="0" g="0" b="0"/>
-          </a:effectRef>
-          <a:fontRef idx="minor">
-            <a:schemeClr val="tx1"/>
-          </a:fontRef>
-        </p:style>
-      </p:cxnSp>
-      <p:cxnSp>
-        <p:nvCxnSpPr>
-          <p:cNvPr id="13" name="直接箭头连接符 12">
-            <a:extLst>
-              <a:ext uri="{FF2B5EF4-FFF2-40B4-BE49-F238E27FC236}">
-                <a16:creationId xmlns:a16="http://schemas.microsoft.com/office/drawing/2014/main" id="{86873465-69B7-307F-7724-8419D188E8E7}"/>
-              </a:ext>
-            </a:extLst>
-          </p:cNvPr>
-          <p:cNvCxnSpPr>
-            <a:cxnSpLocks/>
-            <a:stCxn id="6" idx="4"/>
-            <a:endCxn id="7" idx="0"/>
-          </p:cNvCxnSpPr>
-          <p:nvPr/>
-        </p:nvCxnSpPr>
-        <p:spPr>
-          <a:xfrm>
-            <a:off x="10462100" y="3407804"/>
-            <a:ext cx="0" cy="460224"/>
-          </a:xfrm>
-          <a:prstGeom prst="straightConnector1">
-            <a:avLst/>
-          </a:prstGeom>
-          <a:ln w="38100" cap="flat" cmpd="sng" algn="ctr">
-            <a:solidFill>
-              <a:schemeClr val="tx1"/>
-            </a:solidFill>
-            <a:prstDash val="sysDot"/>
-            <a:round/>
-            <a:headEnd type="none" w="med" len="med"/>
-            <a:tailEnd type="arrow" w="med" len="med"/>
-          </a:ln>
-        </p:spPr>
-        <p:style>
-          <a:lnRef idx="0">
-            <a:scrgbClr r="0" g="0" b="0"/>
-          </a:lnRef>
-          <a:fillRef idx="0">
-            <a:scrgbClr r="0" g="0" b="0"/>
-          </a:fillRef>
-          <a:effectRef idx="0">
-            <a:scrgbClr r="0" g="0" b="0"/>
-          </a:effectRef>
-          <a:fontRef idx="minor">
-            <a:schemeClr val="tx1"/>
-          </a:fontRef>
-        </p:style>
-      </p:cxnSp>
-      <p:cxnSp>
-        <p:nvCxnSpPr>
-          <p:cNvPr id="14" name="直接箭头连接符 13">
-            <a:extLst>
-              <a:ext uri="{FF2B5EF4-FFF2-40B4-BE49-F238E27FC236}">
-                <a16:creationId xmlns:a16="http://schemas.microsoft.com/office/drawing/2014/main" id="{FE8E2D21-35B0-46C2-7D06-E6DAF1BE33E0}"/>
-              </a:ext>
-            </a:extLst>
-          </p:cNvPr>
-          <p:cNvCxnSpPr>
-            <a:cxnSpLocks/>
-            <a:stCxn id="9" idx="2"/>
-            <a:endCxn id="8" idx="6"/>
-          </p:cNvCxnSpPr>
-          <p:nvPr/>
-        </p:nvCxnSpPr>
-        <p:spPr>
-          <a:xfrm flipH="1">
-            <a:off x="7725528" y="5249913"/>
-            <a:ext cx="674529" cy="0"/>
-          </a:xfrm>
-          <a:prstGeom prst="straightConnector1">
-            <a:avLst/>
-          </a:prstGeom>
-          <a:ln w="38100" cap="flat" cmpd="sng" algn="ctr">
-            <a:solidFill>
-              <a:schemeClr val="tx1"/>
-            </a:solidFill>
-            <a:prstDash val="sysDot"/>
-            <a:round/>
-            <a:headEnd type="none" w="med" len="med"/>
-            <a:tailEnd type="arrow" w="med" len="med"/>
-          </a:ln>
-        </p:spPr>
-        <p:style>
-          <a:lnRef idx="0">
-            <a:scrgbClr r="0" g="0" b="0"/>
-          </a:lnRef>
-          <a:fillRef idx="0">
-            <a:scrgbClr r="0" g="0" b="0"/>
-          </a:fillRef>
-          <a:effectRef idx="0">
-            <a:scrgbClr r="0" g="0" b="0"/>
-          </a:effectRef>
-          <a:fontRef idx="minor">
-            <a:schemeClr val="tx1"/>
-          </a:fontRef>
-        </p:style>
-      </p:cxnSp>
-      <p:cxnSp>
-        <p:nvCxnSpPr>
-          <p:cNvPr id="15" name="直接箭头连接符 14">
-            <a:extLst>
-              <a:ext uri="{FF2B5EF4-FFF2-40B4-BE49-F238E27FC236}">
-                <a16:creationId xmlns:a16="http://schemas.microsoft.com/office/drawing/2014/main" id="{0DC144D0-EBC6-8291-26D9-75BC26900111}"/>
-              </a:ext>
-            </a:extLst>
-          </p:cNvPr>
-          <p:cNvCxnSpPr>
-            <a:cxnSpLocks/>
-            <a:stCxn id="11" idx="0"/>
-            <a:endCxn id="10" idx="4"/>
-          </p:cNvCxnSpPr>
-          <p:nvPr/>
-        </p:nvCxnSpPr>
-        <p:spPr>
-          <a:xfrm flipV="1">
-            <a:off x="5653376" y="3407804"/>
-            <a:ext cx="0" cy="460224"/>
-          </a:xfrm>
-          <a:prstGeom prst="straightConnector1">
-            <a:avLst/>
-          </a:prstGeom>
-          <a:ln w="38100" cap="flat" cmpd="sng" algn="ctr">
-            <a:solidFill>
-              <a:schemeClr val="tx1"/>
-            </a:solidFill>
-            <a:prstDash val="sysDot"/>
-            <a:round/>
-            <a:headEnd type="none" w="med" len="med"/>
-            <a:tailEnd type="arrow" w="med" len="med"/>
-          </a:ln>
-        </p:spPr>
-        <p:style>
-          <a:lnRef idx="0">
-            <a:scrgbClr r="0" g="0" b="0"/>
-          </a:lnRef>
-          <a:fillRef idx="0">
-            <a:scrgbClr r="0" g="0" b="0"/>
-          </a:fillRef>
-          <a:effectRef idx="0">
-            <a:scrgbClr r="0" g="0" b="0"/>
-          </a:effectRef>
-          <a:fontRef idx="minor">
-            <a:schemeClr val="tx1"/>
-          </a:fontRef>
-        </p:style>
-      </p:cxnSp>
-      <p:cxnSp>
-        <p:nvCxnSpPr>
-          <p:cNvPr id="16" name="直接箭头连接符 15">
-            <a:extLst>
-              <a:ext uri="{FF2B5EF4-FFF2-40B4-BE49-F238E27FC236}">
-                <a16:creationId xmlns:a16="http://schemas.microsoft.com/office/drawing/2014/main" id="{67E427D4-1BCD-4312-5389-604403C6905A}"/>
-              </a:ext>
-            </a:extLst>
-          </p:cNvPr>
-          <p:cNvCxnSpPr>
-            <a:cxnSpLocks/>
-            <a:stCxn id="4" idx="4"/>
-            <a:endCxn id="8" idx="0"/>
-          </p:cNvCxnSpPr>
-          <p:nvPr/>
-        </p:nvCxnSpPr>
-        <p:spPr>
-          <a:xfrm>
-            <a:off x="7263024" y="2535743"/>
-            <a:ext cx="0" cy="2251665"/>
-          </a:xfrm>
-          <a:prstGeom prst="straightConnector1">
-            <a:avLst/>
-          </a:prstGeom>
-          <a:ln w="38100" cap="flat" cmpd="sng" algn="ctr">
-            <a:solidFill>
-              <a:srgbClr val="7030A0"/>
-            </a:solidFill>
-            <a:prstDash val="solid"/>
-            <a:round/>
-            <a:headEnd type="none" w="med" len="med"/>
-            <a:tailEnd type="arrow" w="med" len="med"/>
-          </a:ln>
-        </p:spPr>
-        <p:style>
-          <a:lnRef idx="0">
-            <a:scrgbClr r="0" g="0" b="0"/>
-          </a:lnRef>
-          <a:fillRef idx="0">
-            <a:scrgbClr r="0" g="0" b="0"/>
-          </a:fillRef>
-          <a:effectRef idx="0">
-            <a:scrgbClr r="0" g="0" b="0"/>
-          </a:effectRef>
-          <a:fontRef idx="minor">
-            <a:schemeClr val="tx1"/>
-          </a:fontRef>
-        </p:style>
-      </p:cxnSp>
-      <p:cxnSp>
-        <p:nvCxnSpPr>
-          <p:cNvPr id="17" name="直接箭头连接符 16">
-            <a:extLst>
-              <a:ext uri="{FF2B5EF4-FFF2-40B4-BE49-F238E27FC236}">
-                <a16:creationId xmlns:a16="http://schemas.microsoft.com/office/drawing/2014/main" id="{E53B6214-00BE-8846-7BB1-0DDC920D4F79}"/>
-              </a:ext>
-            </a:extLst>
-          </p:cNvPr>
-          <p:cNvCxnSpPr>
-            <a:cxnSpLocks/>
-            <a:stCxn id="9" idx="0"/>
-            <a:endCxn id="5" idx="4"/>
-          </p:cNvCxnSpPr>
-          <p:nvPr/>
-        </p:nvCxnSpPr>
-        <p:spPr>
-          <a:xfrm flipV="1">
-            <a:off x="8862562" y="2535743"/>
-            <a:ext cx="0" cy="2251665"/>
-          </a:xfrm>
-          <a:prstGeom prst="straightConnector1">
-            <a:avLst/>
-          </a:prstGeom>
-          <a:ln w="38100" cap="flat" cmpd="sng" algn="ctr">
-            <a:solidFill>
-              <a:srgbClr val="7030A0"/>
-            </a:solidFill>
-            <a:prstDash val="solid"/>
-            <a:round/>
-            <a:headEnd type="none" w="med" len="med"/>
-            <a:tailEnd type="arrow" w="med" len="med"/>
-          </a:ln>
-        </p:spPr>
-        <p:style>
-          <a:lnRef idx="0">
-            <a:scrgbClr r="0" g="0" b="0"/>
-          </a:lnRef>
-          <a:fillRef idx="0">
-            <a:scrgbClr r="0" g="0" b="0"/>
-          </a:fillRef>
-          <a:effectRef idx="0">
-            <a:scrgbClr r="0" g="0" b="0"/>
-          </a:effectRef>
-          <a:fontRef idx="minor">
-            <a:schemeClr val="tx1"/>
-          </a:fontRef>
-        </p:style>
-      </p:cxnSp>
-      <p:cxnSp>
-        <p:nvCxnSpPr>
-          <p:cNvPr id="18" name="直接箭头连接符 17">
-            <a:extLst>
-              <a:ext uri="{FF2B5EF4-FFF2-40B4-BE49-F238E27FC236}">
-                <a16:creationId xmlns:a16="http://schemas.microsoft.com/office/drawing/2014/main" id="{92B6FF86-2B87-5BDF-6DF2-D4B9F2B91E50}"/>
-              </a:ext>
-            </a:extLst>
-          </p:cNvPr>
-          <p:cNvCxnSpPr>
-            <a:cxnSpLocks/>
-            <a:stCxn id="11" idx="6"/>
-            <a:endCxn id="7" idx="2"/>
-          </p:cNvCxnSpPr>
-          <p:nvPr/>
-        </p:nvCxnSpPr>
-        <p:spPr>
-          <a:xfrm>
-            <a:off x="6115880" y="4330533"/>
-            <a:ext cx="3883715" cy="0"/>
-          </a:xfrm>
-          <a:prstGeom prst="straightConnector1">
-            <a:avLst/>
-          </a:prstGeom>
-          <a:ln w="38100" cap="flat" cmpd="sng" algn="ctr">
-            <a:solidFill>
-              <a:srgbClr val="7030A0"/>
-            </a:solidFill>
-            <a:prstDash val="solid"/>
-            <a:round/>
-            <a:headEnd type="none" w="med" len="med"/>
-            <a:tailEnd type="arrow" w="med" len="med"/>
-          </a:ln>
-        </p:spPr>
-        <p:style>
-          <a:lnRef idx="0">
-            <a:scrgbClr r="0" g="0" b="0"/>
-          </a:lnRef>
-          <a:fillRef idx="0">
-            <a:scrgbClr r="0" g="0" b="0"/>
-          </a:fillRef>
-          <a:effectRef idx="0">
-            <a:scrgbClr r="0" g="0" b="0"/>
-          </a:effectRef>
-          <a:fontRef idx="minor">
-            <a:schemeClr val="tx1"/>
-          </a:fontRef>
-        </p:style>
-      </p:cxnSp>
-      <p:cxnSp>
-        <p:nvCxnSpPr>
-          <p:cNvPr id="19" name="直接箭头连接符 18">
-            <a:extLst>
-              <a:ext uri="{FF2B5EF4-FFF2-40B4-BE49-F238E27FC236}">
-                <a16:creationId xmlns:a16="http://schemas.microsoft.com/office/drawing/2014/main" id="{1B103D82-A48D-05AB-BDC7-CA5B0E9D087E}"/>
-              </a:ext>
-            </a:extLst>
-          </p:cNvPr>
-          <p:cNvCxnSpPr>
-            <a:cxnSpLocks/>
-            <a:stCxn id="6" idx="2"/>
-            <a:endCxn id="10" idx="6"/>
-          </p:cNvCxnSpPr>
-          <p:nvPr/>
-        </p:nvCxnSpPr>
-        <p:spPr>
-          <a:xfrm flipH="1">
-            <a:off x="6115880" y="2945300"/>
-            <a:ext cx="3883715" cy="0"/>
-          </a:xfrm>
-          <a:prstGeom prst="straightConnector1">
-            <a:avLst/>
-          </a:prstGeom>
-          <a:ln w="38100" cap="flat" cmpd="sng" algn="ctr">
-            <a:solidFill>
-              <a:srgbClr val="7030A0"/>
-            </a:solidFill>
-            <a:prstDash val="solid"/>
-            <a:round/>
-            <a:headEnd type="none" w="med" len="med"/>
-            <a:tailEnd type="arrow" w="med" len="med"/>
-          </a:ln>
-        </p:spPr>
-        <p:style>
-          <a:lnRef idx="0">
-            <a:scrgbClr r="0" g="0" b="0"/>
-          </a:lnRef>
-          <a:fillRef idx="0">
-            <a:scrgbClr r="0" g="0" b="0"/>
-          </a:fillRef>
-          <a:effectRef idx="0">
-            <a:scrgbClr r="0" g="0" b="0"/>
-          </a:effectRef>
-          <a:fontRef idx="minor">
-            <a:schemeClr val="tx1"/>
-          </a:fontRef>
-        </p:style>
-      </p:cxnSp>
-    </p:spTree>
-    <p:extLst>
-      <p:ext uri="{BB962C8B-B14F-4D97-AF65-F5344CB8AC3E}">
-        <p14:creationId xmlns:p14="http://schemas.microsoft.com/office/powerpoint/2010/main" val="3780004878"/>
-      </p:ext>
-    </p:extLst>
-  </p:cSld>
-  <p:clrMapOvr>
-    <a:masterClrMapping/>
-  </p:clrMapOvr>
-</p:sld>
-</file>
-
-<file path=ppt/slides/slide12.xml><?xml version="1.0" encoding="utf-8"?>
-<p:sld xmlns:a="http://schemas.openxmlformats.org/drawingml/2006/main" xmlns:r="http://schemas.openxmlformats.org/officeDocument/2006/relationships" xmlns:p="http://schemas.openxmlformats.org/presentationml/2006/main">
-  <p:cSld>
-    <p:spTree>
-      <p:nvGrpSpPr>
-        <p:cNvPr id="1" name=""/>
-        <p:cNvGrpSpPr/>
-        <p:nvPr/>
-      </p:nvGrpSpPr>
-      <p:grpSpPr>
-        <a:xfrm>
-          <a:off x="0" y="0"/>
-          <a:ext cx="0" cy="0"/>
-          <a:chOff x="0" y="0"/>
-          <a:chExt cx="0" cy="0"/>
-        </a:xfrm>
-      </p:grpSpPr>
-      <p:sp>
-        <p:nvSpPr>
-          <p:cNvPr id="2" name="标题 1">
-            <a:extLst>
-              <a:ext uri="{FF2B5EF4-FFF2-40B4-BE49-F238E27FC236}">
-                <a16:creationId xmlns:a16="http://schemas.microsoft.com/office/drawing/2014/main" id="{3F1BDFA1-8927-F18E-3BDC-DA50457AEC34}"/>
-              </a:ext>
-            </a:extLst>
-          </p:cNvPr>
-          <p:cNvSpPr>
-            <a:spLocks noGrp="1"/>
-          </p:cNvSpPr>
-          <p:nvPr>
-            <p:ph type="title"/>
-          </p:nvPr>
-        </p:nvSpPr>
-        <p:spPr/>
-        <p:txBody>
-          <a:bodyPr/>
-          <a:lstStyle/>
-          <a:p>
-            <a:r>
-              <a:rPr lang="zh-CN" altLang="en-US" dirty="0"/>
-              <a:t>解法</a:t>
-            </a:r>
-          </a:p>
-        </p:txBody>
-      </p:sp>
-      <mc:AlternateContent xmlns:mc="http://schemas.openxmlformats.org/markup-compatibility/2006">
-        <mc:Choice xmlns:a14="http://schemas.microsoft.com/office/drawing/2010/main" Requires="a14">
-          <p:sp>
-            <p:nvSpPr>
-              <p:cNvPr id="3" name="内容占位符 2">
-                <a:extLst>
-                  <a:ext uri="{FF2B5EF4-FFF2-40B4-BE49-F238E27FC236}">
-                    <a16:creationId xmlns:a16="http://schemas.microsoft.com/office/drawing/2014/main" id="{BBB4C646-CE3D-9BC9-26D0-9D7882F17FD8}"/>
-                  </a:ext>
-                </a:extLst>
-              </p:cNvPr>
-              <p:cNvSpPr>
-                <a:spLocks noGrp="1"/>
-              </p:cNvSpPr>
-              <p:nvPr>
-                <p:ph idx="1"/>
-              </p:nvPr>
-            </p:nvSpPr>
-            <p:spPr>
-              <a:xfrm>
-                <a:off x="838200" y="1825625"/>
-                <a:ext cx="10515600" cy="4789860"/>
-              </a:xfrm>
-            </p:spPr>
-            <p:txBody>
-              <a:bodyPr>
-                <a:normAutofit/>
-              </a:bodyPr>
-              <a:lstStyle/>
-              <a:p>
-                <a:r>
-                  <a:rPr lang="zh-CN" altLang="en-US" dirty="0"/>
-                  <a:t>反证，此时 </a:t>
-                </a:r>
-                <a14:m>
-                  <m:oMath xmlns:m="http://schemas.openxmlformats.org/officeDocument/2006/math">
-                    <m:r>
-                      <a:rPr lang="en-US" altLang="zh-CN" b="0" i="0" smtClean="0">
-                        <a:latin typeface="Cambria Math" panose="02040503050406030204" pitchFamily="18" charset="0"/>
-                      </a:rPr>
-                      <m:t>[</m:t>
-                    </m:r>
-                    <m:r>
-                      <a:rPr lang="en-US" altLang="zh-CN" b="0" i="1" smtClean="0">
-                        <a:latin typeface="Cambria Math" panose="02040503050406030204" pitchFamily="18" charset="0"/>
-                      </a:rPr>
-                      <m:t>𝑎</m:t>
-                    </m:r>
-                    <m:r>
-                      <a:rPr lang="en-US" altLang="zh-CN" b="0" i="1" smtClean="0">
-                        <a:latin typeface="Cambria Math" panose="02040503050406030204" pitchFamily="18" charset="0"/>
-                      </a:rPr>
-                      <m:t>+1,</m:t>
-                    </m:r>
-                    <m:r>
-                      <a:rPr lang="en-US" altLang="zh-CN" b="0" i="1" smtClean="0">
-                        <a:latin typeface="Cambria Math" panose="02040503050406030204" pitchFamily="18" charset="0"/>
-                      </a:rPr>
-                      <m:t>𝑏</m:t>
-                    </m:r>
-                    <m:r>
-                      <a:rPr lang="en-US" altLang="zh-CN" b="0" i="1" smtClean="0">
-                        <a:latin typeface="Cambria Math" panose="02040503050406030204" pitchFamily="18" charset="0"/>
-                      </a:rPr>
-                      <m:t>−1]</m:t>
-                    </m:r>
-                  </m:oMath>
-                </a14:m>
-                <a:r>
-                  <a:rPr lang="zh-CN" altLang="en-US" dirty="0"/>
-                  <a:t> 的出边都在 </a:t>
-                </a:r>
-                <a14:m>
-                  <m:oMath xmlns:m="http://schemas.openxmlformats.org/officeDocument/2006/math">
-                    <m:r>
-                      <a:rPr lang="en-US" altLang="zh-CN" b="0" i="1" smtClean="0">
-                        <a:latin typeface="Cambria Math" panose="02040503050406030204" pitchFamily="18" charset="0"/>
-                      </a:rPr>
-                      <m:t>[</m:t>
-                    </m:r>
-                    <m:r>
-                      <a:rPr lang="en-US" altLang="zh-CN" b="0" i="1" smtClean="0">
-                        <a:latin typeface="Cambria Math" panose="02040503050406030204" pitchFamily="18" charset="0"/>
-                      </a:rPr>
-                      <m:t>𝑎</m:t>
-                    </m:r>
-                    <m:r>
-                      <a:rPr lang="en-US" altLang="zh-CN" b="0" i="1" smtClean="0">
-                        <a:latin typeface="Cambria Math" panose="02040503050406030204" pitchFamily="18" charset="0"/>
-                      </a:rPr>
-                      <m:t>+1,</m:t>
-                    </m:r>
-                    <m:r>
-                      <a:rPr lang="en-US" altLang="zh-CN" b="0" i="1" smtClean="0">
-                        <a:latin typeface="Cambria Math" panose="02040503050406030204" pitchFamily="18" charset="0"/>
-                      </a:rPr>
-                      <m:t>𝑏</m:t>
-                    </m:r>
-                    <m:r>
-                      <a:rPr lang="en-US" altLang="zh-CN" b="0" i="1" smtClean="0">
-                        <a:latin typeface="Cambria Math" panose="02040503050406030204" pitchFamily="18" charset="0"/>
-                      </a:rPr>
-                      <m:t>−1]</m:t>
-                    </m:r>
-                  </m:oMath>
-                </a14:m>
-                <a:r>
-                  <a:rPr lang="en-US" altLang="zh-CN" dirty="0"/>
-                  <a:t> </a:t>
-                </a:r>
-                <a:r>
-                  <a:rPr lang="zh-CN" altLang="en-US" dirty="0"/>
-                  <a:t>里，所以入边也在这个区间里。</a:t>
-                </a:r>
-                <a:endParaRPr lang="en-US" altLang="zh-CN" dirty="0"/>
-              </a:p>
-              <a:p>
-                <a:r>
-                  <a:rPr lang="zh-CN" altLang="en-US" dirty="0"/>
-                  <a:t>考虑找 </a:t>
-                </a:r>
-                <a14:m>
-                  <m:oMath xmlns:m="http://schemas.openxmlformats.org/officeDocument/2006/math">
-                    <m:r>
-                      <a:rPr lang="en-US" altLang="zh-CN" b="0" i="1" smtClean="0">
-                        <a:latin typeface="Cambria Math" panose="02040503050406030204" pitchFamily="18" charset="0"/>
-                      </a:rPr>
-                      <m:t>(</m:t>
-                    </m:r>
-                    <m:r>
-                      <a:rPr lang="en-US" altLang="zh-CN" b="0" i="1" smtClean="0">
-                        <a:latin typeface="Cambria Math" panose="02040503050406030204" pitchFamily="18" charset="0"/>
-                      </a:rPr>
-                      <m:t>𝑏</m:t>
-                    </m:r>
-                    <m:r>
-                      <a:rPr lang="en-US" altLang="zh-CN" b="0" i="1" smtClean="0">
-                        <a:latin typeface="Cambria Math" panose="02040503050406030204" pitchFamily="18" charset="0"/>
-                      </a:rPr>
-                      <m:t>−1)</m:t>
-                    </m:r>
-                  </m:oMath>
-                </a14:m>
-                <a:r>
-                  <a:rPr lang="en-US" altLang="zh-CN" dirty="0"/>
-                  <a:t> </a:t>
-                </a:r>
-                <a:r>
-                  <a:rPr lang="zh-CN" altLang="en-US" dirty="0"/>
-                  <a:t>的排列前驱，也就是图上前驱 </a:t>
-                </a:r>
-                <a14:m>
-                  <m:oMath xmlns:m="http://schemas.openxmlformats.org/officeDocument/2006/math">
-                    <m:r>
-                      <a:rPr lang="en-US" altLang="zh-CN" b="0" i="1" smtClean="0">
-                        <a:latin typeface="Cambria Math" panose="02040503050406030204" pitchFamily="18" charset="0"/>
-                      </a:rPr>
-                      <m:t>−1</m:t>
-                    </m:r>
-                  </m:oMath>
-                </a14:m>
-                <a:r>
-                  <a:rPr lang="zh-CN" altLang="en-US" dirty="0"/>
-                  <a:t>。有两种可能：</a:t>
-                </a:r>
-                <a:endParaRPr lang="en-US" altLang="zh-CN" dirty="0"/>
-              </a:p>
-              <a:p>
-                <a:pPr lvl="1"/>
-                <a:r>
-                  <a:rPr lang="zh-CN" altLang="en-US" dirty="0"/>
-                  <a:t>这个前驱是 </a:t>
-                </a:r>
-                <a14:m>
-                  <m:oMath xmlns:m="http://schemas.openxmlformats.org/officeDocument/2006/math">
-                    <m:r>
-                      <a:rPr lang="en-US" altLang="zh-CN" b="0" i="1" smtClean="0">
-                        <a:latin typeface="Cambria Math" panose="02040503050406030204" pitchFamily="18" charset="0"/>
-                      </a:rPr>
-                      <m:t>𝑎</m:t>
-                    </m:r>
-                  </m:oMath>
-                </a14:m>
-                <a:r>
-                  <a:rPr lang="zh-CN" altLang="en-US" dirty="0"/>
-                  <a:t>，与 </a:t>
-                </a:r>
-                <a14:m>
-                  <m:oMath xmlns:m="http://schemas.openxmlformats.org/officeDocument/2006/math">
-                    <m:r>
-                      <a:rPr lang="en-US" altLang="zh-CN" b="0" i="1" smtClean="0">
-                        <a:latin typeface="Cambria Math" panose="02040503050406030204" pitchFamily="18" charset="0"/>
-                      </a:rPr>
-                      <m:t>(</m:t>
-                    </m:r>
-                    <m:r>
-                      <a:rPr lang="en-US" altLang="zh-CN" b="0" i="1" smtClean="0">
-                        <a:latin typeface="Cambria Math" panose="02040503050406030204" pitchFamily="18" charset="0"/>
-                      </a:rPr>
-                      <m:t>𝑏</m:t>
-                    </m:r>
-                    <m:r>
-                      <a:rPr lang="en-US" altLang="zh-CN" b="0" i="1" smtClean="0">
-                        <a:latin typeface="Cambria Math" panose="02040503050406030204" pitchFamily="18" charset="0"/>
-                      </a:rPr>
-                      <m:t>−1)</m:t>
-                    </m:r>
-                  </m:oMath>
-                </a14:m>
-                <a:r>
-                  <a:rPr lang="en-US" altLang="zh-CN" dirty="0"/>
-                  <a:t> </a:t>
-                </a:r>
-                <a:r>
-                  <a:rPr lang="zh-CN" altLang="en-US" dirty="0"/>
-                  <a:t>在 </a:t>
-                </a:r>
-                <a14:m>
-                  <m:oMath xmlns:m="http://schemas.openxmlformats.org/officeDocument/2006/math">
-                    <m:r>
-                      <a:rPr lang="en-US" altLang="zh-CN" b="0" i="1" smtClean="0">
-                        <a:latin typeface="Cambria Math" panose="02040503050406030204" pitchFamily="18" charset="0"/>
-                      </a:rPr>
-                      <m:t>𝑎</m:t>
-                    </m:r>
-                  </m:oMath>
-                </a14:m>
-                <a:r>
-                  <a:rPr lang="en-US" altLang="zh-CN" dirty="0"/>
-                  <a:t> </a:t>
-                </a:r>
-                <a:r>
-                  <a:rPr lang="zh-CN" altLang="en-US" dirty="0"/>
-                  <a:t>前面矛盾；</a:t>
-                </a:r>
-                <a:endParaRPr lang="en-US" altLang="zh-CN" dirty="0"/>
-              </a:p>
-              <a:p>
-                <a:pPr lvl="1"/>
-                <a:r>
-                  <a:rPr lang="zh-CN" altLang="en-US" dirty="0"/>
-                  <a:t>这个前驱不是 </a:t>
-                </a:r>
-                <a14:m>
-                  <m:oMath xmlns:m="http://schemas.openxmlformats.org/officeDocument/2006/math">
-                    <m:r>
-                      <a:rPr lang="en-US" altLang="zh-CN" b="0" i="1" smtClean="0">
-                        <a:latin typeface="Cambria Math" panose="02040503050406030204" pitchFamily="18" charset="0"/>
-                      </a:rPr>
-                      <m:t>𝑎</m:t>
-                    </m:r>
-                  </m:oMath>
-                </a14:m>
-                <a:r>
-                  <a:rPr lang="zh-CN" altLang="en-US" dirty="0"/>
-                  <a:t>，此时它肯定 </a:t>
-                </a:r>
-                <a14:m>
-                  <m:oMath xmlns:m="http://schemas.openxmlformats.org/officeDocument/2006/math">
-                    <m:r>
-                      <a:rPr lang="en-US" altLang="zh-CN" b="0" i="1" smtClean="0">
-                        <a:latin typeface="Cambria Math" panose="02040503050406030204" pitchFamily="18" charset="0"/>
-                      </a:rPr>
-                      <m:t>&gt;</m:t>
-                    </m:r>
-                    <m:r>
-                      <a:rPr lang="en-US" altLang="zh-CN" b="0" i="1" smtClean="0">
-                        <a:latin typeface="Cambria Math" panose="02040503050406030204" pitchFamily="18" charset="0"/>
-                      </a:rPr>
-                      <m:t>𝑎</m:t>
-                    </m:r>
-                  </m:oMath>
-                </a14:m>
-                <a:r>
-                  <a:rPr lang="zh-CN" altLang="en-US" dirty="0"/>
-                  <a:t>，于是再找这个前驱的前驱。</a:t>
-                </a:r>
-                <a:endParaRPr lang="en-US" altLang="zh-CN" dirty="0"/>
-              </a:p>
-              <a:p>
-                <a:r>
-                  <a:rPr lang="zh-CN" altLang="en-US" dirty="0"/>
-                  <a:t>反复找这个前驱。由于前驱序列在碰到 </a:t>
-                </a:r>
-                <a14:m>
-                  <m:oMath xmlns:m="http://schemas.openxmlformats.org/officeDocument/2006/math">
-                    <m:r>
-                      <a:rPr lang="en-US" altLang="zh-CN" b="0" i="1" smtClean="0">
-                        <a:latin typeface="Cambria Math" panose="02040503050406030204" pitchFamily="18" charset="0"/>
-                      </a:rPr>
-                      <m:t>0</m:t>
-                    </m:r>
-                  </m:oMath>
-                </a14:m>
-                <a:r>
-                  <a:rPr lang="zh-CN" altLang="en-US" dirty="0"/>
-                  <a:t> 之前不能重复（这是一个排列），而在反复找的过程中，碰到 </a:t>
-                </a:r>
-                <a14:m>
-                  <m:oMath xmlns:m="http://schemas.openxmlformats.org/officeDocument/2006/math">
-                    <m:r>
-                      <a:rPr lang="en-US" altLang="zh-CN" b="0" i="1" smtClean="0">
-                        <a:latin typeface="Cambria Math" panose="02040503050406030204" pitchFamily="18" charset="0"/>
-                      </a:rPr>
-                      <m:t>0</m:t>
-                    </m:r>
-                  </m:oMath>
-                </a14:m>
-                <a:r>
-                  <a:rPr lang="en-US" altLang="zh-CN" dirty="0"/>
-                  <a:t> </a:t>
-                </a:r>
-                <a:r>
-                  <a:rPr lang="zh-CN" altLang="en-US" dirty="0"/>
-                  <a:t>之前必须要碰到 </a:t>
-                </a:r>
-                <a14:m>
-                  <m:oMath xmlns:m="http://schemas.openxmlformats.org/officeDocument/2006/math">
-                    <m:r>
-                      <a:rPr lang="en-US" altLang="zh-CN" b="0" i="1" smtClean="0">
-                        <a:latin typeface="Cambria Math" panose="02040503050406030204" pitchFamily="18" charset="0"/>
-                      </a:rPr>
-                      <m:t>𝑎</m:t>
-                    </m:r>
-                  </m:oMath>
-                </a14:m>
-                <a:r>
-                  <a:rPr lang="zh-CN" altLang="en-US" dirty="0"/>
-                  <a:t>（碰到 </a:t>
-                </a:r>
-                <a14:m>
-                  <m:oMath xmlns:m="http://schemas.openxmlformats.org/officeDocument/2006/math">
-                    <m:r>
-                      <a:rPr lang="en-US" altLang="zh-CN" b="0" i="1" smtClean="0">
-                        <a:latin typeface="Cambria Math" panose="02040503050406030204" pitchFamily="18" charset="0"/>
-                      </a:rPr>
-                      <m:t>𝑎</m:t>
-                    </m:r>
-                  </m:oMath>
-                </a14:m>
-                <a:r>
-                  <a:rPr lang="zh-CN" altLang="en-US" dirty="0"/>
-                  <a:t> 之前碰到的都是 </a:t>
-                </a:r>
-                <a14:m>
-                  <m:oMath xmlns:m="http://schemas.openxmlformats.org/officeDocument/2006/math">
-                    <m:r>
-                      <a:rPr lang="en-US" altLang="zh-CN" b="0" i="1" smtClean="0">
-                        <a:latin typeface="Cambria Math" panose="02040503050406030204" pitchFamily="18" charset="0"/>
-                      </a:rPr>
-                      <m:t>&gt;</m:t>
-                    </m:r>
-                    <m:r>
-                      <a:rPr lang="en-US" altLang="zh-CN" b="0" i="1" smtClean="0">
-                        <a:latin typeface="Cambria Math" panose="02040503050406030204" pitchFamily="18" charset="0"/>
-                      </a:rPr>
-                      <m:t>𝑎</m:t>
-                    </m:r>
-                  </m:oMath>
-                </a14:m>
-                <a:r>
-                  <a:rPr lang="zh-CN" altLang="en-US" dirty="0"/>
-                  <a:t> 的元素，而 </a:t>
-                </a:r>
-                <a14:m>
-                  <m:oMath xmlns:m="http://schemas.openxmlformats.org/officeDocument/2006/math">
-                    <m:r>
-                      <a:rPr lang="en-US" altLang="zh-CN">
-                        <a:latin typeface="Cambria Math" panose="02040503050406030204" pitchFamily="18" charset="0"/>
-                      </a:rPr>
-                      <m:t>[</m:t>
-                    </m:r>
-                    <m:r>
-                      <a:rPr lang="en-US" altLang="zh-CN" i="1">
-                        <a:latin typeface="Cambria Math" panose="02040503050406030204" pitchFamily="18" charset="0"/>
-                      </a:rPr>
-                      <m:t>𝑎</m:t>
-                    </m:r>
-                    <m:r>
-                      <a:rPr lang="en-US" altLang="zh-CN" i="1">
-                        <a:latin typeface="Cambria Math" panose="02040503050406030204" pitchFamily="18" charset="0"/>
-                      </a:rPr>
-                      <m:t>+1,</m:t>
-                    </m:r>
-                    <m:r>
-                      <a:rPr lang="en-US" altLang="zh-CN" i="1">
-                        <a:latin typeface="Cambria Math" panose="02040503050406030204" pitchFamily="18" charset="0"/>
-                      </a:rPr>
-                      <m:t>𝑏</m:t>
-                    </m:r>
-                    <m:r>
-                      <a:rPr lang="en-US" altLang="zh-CN" i="1">
-                        <a:latin typeface="Cambria Math" panose="02040503050406030204" pitchFamily="18" charset="0"/>
-                      </a:rPr>
-                      <m:t>−1]</m:t>
-                    </m:r>
-                  </m:oMath>
-                </a14:m>
-                <a:r>
-                  <a:rPr lang="zh-CN" altLang="en-US" dirty="0"/>
-                  <a:t> 的入边都在 </a:t>
-                </a:r>
-                <a14:m>
-                  <m:oMath xmlns:m="http://schemas.openxmlformats.org/officeDocument/2006/math">
-                    <m:r>
-                      <a:rPr lang="en-US" altLang="zh-CN" i="1">
-                        <a:latin typeface="Cambria Math" panose="02040503050406030204" pitchFamily="18" charset="0"/>
-                      </a:rPr>
-                      <m:t>[</m:t>
-                    </m:r>
-                    <m:r>
-                      <a:rPr lang="en-US" altLang="zh-CN" i="1">
-                        <a:latin typeface="Cambria Math" panose="02040503050406030204" pitchFamily="18" charset="0"/>
-                      </a:rPr>
-                      <m:t>𝑎</m:t>
-                    </m:r>
-                    <m:r>
-                      <a:rPr lang="en-US" altLang="zh-CN" i="1">
-                        <a:latin typeface="Cambria Math" panose="02040503050406030204" pitchFamily="18" charset="0"/>
-                      </a:rPr>
-                      <m:t>+1,</m:t>
-                    </m:r>
-                    <m:r>
-                      <a:rPr lang="en-US" altLang="zh-CN" i="1">
-                        <a:latin typeface="Cambria Math" panose="02040503050406030204" pitchFamily="18" charset="0"/>
-                      </a:rPr>
-                      <m:t>𝑏</m:t>
-                    </m:r>
-                    <m:r>
-                      <a:rPr lang="en-US" altLang="zh-CN" i="1">
-                        <a:latin typeface="Cambria Math" panose="02040503050406030204" pitchFamily="18" charset="0"/>
-                      </a:rPr>
-                      <m:t>−1]</m:t>
-                    </m:r>
-                  </m:oMath>
-                </a14:m>
-                <a:r>
-                  <a:rPr lang="en-US" altLang="zh-CN" dirty="0"/>
-                  <a:t> </a:t>
-                </a:r>
-                <a:r>
-                  <a:rPr lang="zh-CN" altLang="en-US" dirty="0"/>
-                  <a:t>里），所以总是与 </a:t>
-                </a:r>
-                <a14:m>
-                  <m:oMath xmlns:m="http://schemas.openxmlformats.org/officeDocument/2006/math">
-                    <m:r>
-                      <a:rPr lang="en-US" altLang="zh-CN" i="1">
-                        <a:latin typeface="Cambria Math" panose="02040503050406030204" pitchFamily="18" charset="0"/>
-                      </a:rPr>
-                      <m:t>(</m:t>
-                    </m:r>
-                    <m:r>
-                      <a:rPr lang="en-US" altLang="zh-CN" i="1">
-                        <a:latin typeface="Cambria Math" panose="02040503050406030204" pitchFamily="18" charset="0"/>
-                      </a:rPr>
-                      <m:t>𝑏</m:t>
-                    </m:r>
-                    <m:r>
-                      <a:rPr lang="en-US" altLang="zh-CN" i="1">
-                        <a:latin typeface="Cambria Math" panose="02040503050406030204" pitchFamily="18" charset="0"/>
-                      </a:rPr>
-                      <m:t>−1)</m:t>
-                    </m:r>
-                  </m:oMath>
-                </a14:m>
-                <a:r>
-                  <a:rPr lang="en-US" altLang="zh-CN" dirty="0"/>
-                  <a:t> </a:t>
-                </a:r>
-                <a:r>
-                  <a:rPr lang="zh-CN" altLang="en-US" dirty="0"/>
-                  <a:t>在 </a:t>
-                </a:r>
-                <a14:m>
-                  <m:oMath xmlns:m="http://schemas.openxmlformats.org/officeDocument/2006/math">
-                    <m:r>
-                      <a:rPr lang="en-US" altLang="zh-CN" i="1">
-                        <a:latin typeface="Cambria Math" panose="02040503050406030204" pitchFamily="18" charset="0"/>
-                      </a:rPr>
-                      <m:t>𝑎</m:t>
-                    </m:r>
-                  </m:oMath>
-                </a14:m>
-                <a:r>
-                  <a:rPr lang="en-US" altLang="zh-CN" dirty="0"/>
-                  <a:t> </a:t>
-                </a:r>
-                <a:r>
-                  <a:rPr lang="zh-CN" altLang="en-US" dirty="0"/>
-                  <a:t>前面矛盾。</a:t>
-                </a:r>
-                <a:endParaRPr lang="en-US" altLang="zh-CN" dirty="0"/>
-              </a:p>
-            </p:txBody>
-          </p:sp>
-        </mc:Choice>
-        <mc:Fallback>
-          <p:sp>
-            <p:nvSpPr>
-              <p:cNvPr id="3" name="内容占位符 2">
-                <a:extLst>
-                  <a:ext uri="{FF2B5EF4-FFF2-40B4-BE49-F238E27FC236}">
-                    <a16:creationId xmlns:a16="http://schemas.microsoft.com/office/drawing/2014/main" id="{BBB4C646-CE3D-9BC9-26D0-9D7882F17FD8}"/>
-                  </a:ext>
-                </a:extLst>
-              </p:cNvPr>
-              <p:cNvSpPr>
-                <a:spLocks noGrp="1" noRot="1" noChangeAspect="1" noMove="1" noResize="1" noEditPoints="1" noAdjustHandles="1" noChangeArrowheads="1" noChangeShapeType="1" noTextEdit="1"/>
-              </p:cNvSpPr>
-              <p:nvPr>
-                <p:ph idx="1"/>
-              </p:nvPr>
-            </p:nvSpPr>
-            <p:spPr>
-              <a:xfrm>
-                <a:off x="838200" y="1825625"/>
-                <a:ext cx="10515600" cy="4789860"/>
-              </a:xfrm>
-              <a:blipFill>
-                <a:blip r:embed="rId2"/>
-                <a:stretch>
-                  <a:fillRect l="-1043" t="-2163" r="-522"/>
-                </a:stretch>
-              </a:blipFill>
-            </p:spPr>
-            <p:txBody>
-              <a:bodyPr/>
-              <a:lstStyle/>
-              <a:p>
-                <a:r>
-                  <a:rPr lang="zh-CN" altLang="en-US">
-                    <a:noFill/>
-                  </a:rPr>
-                  <a:t> </a:t>
-                </a:r>
-              </a:p>
-            </p:txBody>
-          </p:sp>
-        </mc:Fallback>
-      </mc:AlternateContent>
-    </p:spTree>
-    <p:extLst>
-      <p:ext uri="{BB962C8B-B14F-4D97-AF65-F5344CB8AC3E}">
-        <p14:creationId xmlns:p14="http://schemas.microsoft.com/office/powerpoint/2010/main" val="3755328172"/>
-      </p:ext>
-    </p:extLst>
-  </p:cSld>
-  <p:clrMapOvr>
-    <a:masterClrMapping/>
-  </p:clrMapOvr>
-</p:sld>
-</file>
-
-<file path=ppt/slides/slide13.xml><?xml version="1.0" encoding="utf-8"?>
-<p:sld xmlns:a="http://schemas.openxmlformats.org/drawingml/2006/main" xmlns:r="http://schemas.openxmlformats.org/officeDocument/2006/relationships" xmlns:p="http://schemas.openxmlformats.org/presentationml/2006/main">
-  <p:cSld>
-    <p:spTree>
-      <p:nvGrpSpPr>
-        <p:cNvPr id="1" name=""/>
-        <p:cNvGrpSpPr/>
-        <p:nvPr/>
-      </p:nvGrpSpPr>
-      <p:grpSpPr>
-        <a:xfrm>
-          <a:off x="0" y="0"/>
-          <a:ext cx="0" cy="0"/>
-          <a:chOff x="0" y="0"/>
-          <a:chExt cx="0" cy="0"/>
-        </a:xfrm>
-      </p:grpSpPr>
-      <p:sp>
-        <p:nvSpPr>
-          <p:cNvPr id="2" name="标题 1">
-            <a:extLst>
-              <a:ext uri="{FF2B5EF4-FFF2-40B4-BE49-F238E27FC236}">
-                <a16:creationId xmlns:a16="http://schemas.microsoft.com/office/drawing/2014/main" id="{F0C9CAFE-E916-0717-0DAA-F4BC6E2AB2D0}"/>
-              </a:ext>
-            </a:extLst>
-          </p:cNvPr>
-          <p:cNvSpPr>
-            <a:spLocks noGrp="1"/>
-          </p:cNvSpPr>
-          <p:nvPr>
-            <p:ph type="title"/>
-          </p:nvPr>
-        </p:nvSpPr>
-        <p:spPr/>
-        <p:txBody>
-          <a:bodyPr/>
-          <a:lstStyle/>
-          <a:p>
-            <a:r>
-              <a:rPr lang="zh-CN" altLang="en-US" dirty="0"/>
-              <a:t>解法 </a:t>
-            </a:r>
-            <a:r>
-              <a:rPr lang="en-US" altLang="zh-CN" dirty="0"/>
-              <a:t>2</a:t>
-            </a:r>
-            <a:endParaRPr lang="zh-CN" altLang="en-US" dirty="0"/>
-          </a:p>
-        </p:txBody>
-      </p:sp>
-      <mc:AlternateContent xmlns:mc="http://schemas.openxmlformats.org/markup-compatibility/2006">
-        <mc:Choice xmlns:a14="http://schemas.microsoft.com/office/drawing/2010/main" Requires="a14">
-          <p:sp>
-            <p:nvSpPr>
-              <p:cNvPr id="3" name="内容占位符 2">
-                <a:extLst>
-                  <a:ext uri="{FF2B5EF4-FFF2-40B4-BE49-F238E27FC236}">
                     <a16:creationId xmlns:a16="http://schemas.microsoft.com/office/drawing/2014/main" id="{178182C6-2A88-502C-93B5-8AFA3B63A762}"/>
                   </a:ext>
                 </a:extLst>
@@ -6402,393 +3584,31 @@
               <a:lstStyle/>
               <a:p>
                 <a:r>
-                  <a:rPr lang="zh-CN" altLang="en-US" strike="sngStrike" dirty="0"/>
-                  <a:t>如果你读 </a:t>
-                </a:r>
-                <a:r>
-                  <a:rPr lang="en-US" altLang="zh-CN" strike="sngStrike" dirty="0"/>
-                  <a:t>std</a:t>
-                </a:r>
-                <a:r>
-                  <a:rPr lang="zh-CN" altLang="en-US" strike="sngStrike" dirty="0"/>
-                  <a:t>，会发现 </a:t>
-                </a:r>
-                <a:r>
-                  <a:rPr lang="en-US" altLang="zh-CN" strike="sngStrike" dirty="0"/>
-                  <a:t>std </a:t>
-                </a:r>
-                <a:r>
-                  <a:rPr lang="zh-CN" altLang="en-US" strike="sngStrike" dirty="0"/>
-                  <a:t>根本不是这么写的</a:t>
-                </a:r>
-                <a:r>
                   <a:rPr lang="zh-CN" altLang="en-US" dirty="0"/>
-                  <a:t>。</a:t>
+                  <a:t>因此我们只要能找到一种操作方案每次将环数增加 </a:t>
+                </a:r>
+                <a:r>
+                  <a:rPr lang="en-US" altLang="zh-CN" dirty="0"/>
+                  <a:t>2 </a:t>
+                </a:r>
+                <a:r>
+                  <a:rPr lang="zh-CN" altLang="en-US" dirty="0"/>
+                  <a:t>就行了。</a:t>
                 </a:r>
                 <a:endParaRPr lang="en-US" altLang="zh-CN" dirty="0"/>
               </a:p>
               <a:p>
                 <a:r>
                   <a:rPr lang="zh-CN" altLang="en-US" dirty="0"/>
-                  <a:t>考虑满足以下条件的构造：每次操作结束后，自环数量增加 </a:t>
-                </a:r>
-                <a:r>
-                  <a:rPr lang="en-US" altLang="zh-CN" dirty="0"/>
-                  <a:t>2</a:t>
-                </a:r>
-                <a:r>
-                  <a:rPr lang="zh-CN" altLang="en-US" dirty="0"/>
-                  <a:t>。注意到自环数量增加 </a:t>
-                </a:r>
-                <a:r>
-                  <a:rPr lang="en-US" altLang="zh-CN" dirty="0"/>
-                  <a:t>2 </a:t>
-                </a:r>
-                <a:r>
-                  <a:rPr lang="zh-CN" altLang="en-US" dirty="0"/>
-                  <a:t>一定意味着环数增加</a:t>
-                </a:r>
-                <a:r>
-                  <a:rPr lang="en-US" altLang="zh-CN" dirty="0"/>
-                  <a:t> 2</a:t>
-                </a:r>
-                <a:r>
-                  <a:rPr lang="zh-CN" altLang="en-US" dirty="0"/>
-                  <a:t>（因为环数奇偶性不改变，所以只可能 </a:t>
-                </a:r>
-                <a:r>
-                  <a:rPr lang="en-US" altLang="zh-CN" dirty="0"/>
-                  <a:t>1 </a:t>
-                </a:r>
-                <a:r>
-                  <a:rPr lang="zh-CN" altLang="en-US" dirty="0"/>
-                  <a:t>变 </a:t>
-                </a:r>
-                <a:r>
-                  <a:rPr lang="en-US" altLang="zh-CN" dirty="0"/>
-                  <a:t>3 </a:t>
-                </a:r>
-                <a:r>
-                  <a:rPr lang="zh-CN" altLang="en-US" dirty="0"/>
-                  <a:t>或 </a:t>
-                </a:r>
-                <a:r>
-                  <a:rPr lang="en-US" altLang="zh-CN" dirty="0"/>
-                  <a:t>2 </a:t>
-                </a:r>
-                <a:r>
-                  <a:rPr lang="zh-CN" altLang="en-US" dirty="0"/>
-                  <a:t>变 </a:t>
-                </a:r>
-                <a:r>
-                  <a:rPr lang="en-US" altLang="zh-CN" dirty="0"/>
-                  <a:t>4</a:t>
-                </a:r>
-                <a:r>
-                  <a:rPr lang="zh-CN" altLang="en-US" dirty="0"/>
-                  <a:t>），所以也是合法的解法。同时，这样的构造也很符合直觉（每次将两个 </a:t>
-                </a:r>
-                <a14:m>
-                  <m:oMath xmlns:m="http://schemas.openxmlformats.org/officeDocument/2006/math">
-                    <m:r>
-                      <a:rPr lang="en-US" altLang="zh-CN" b="0" i="1" smtClean="0">
-                        <a:latin typeface="Cambria Math" panose="02040503050406030204" pitchFamily="18" charset="0"/>
-                      </a:rPr>
-                      <m:t>𝑖</m:t>
-                    </m:r>
-                    <m:r>
-                      <a:rPr lang="en-US" altLang="zh-CN" b="0" i="1" smtClean="0">
-                        <a:latin typeface="Cambria Math" panose="02040503050406030204" pitchFamily="18" charset="0"/>
-                      </a:rPr>
-                      <m:t> </m:t>
-                    </m:r>
-                    <m:r>
-                      <a:rPr lang="en-US" altLang="zh-CN" b="0" i="1" smtClean="0">
-                        <a:latin typeface="Cambria Math" panose="02040503050406030204" pitchFamily="18" charset="0"/>
-                      </a:rPr>
-                      <m:t>𝑖</m:t>
-                    </m:r>
-                    <m:r>
-                      <a:rPr lang="en-US" altLang="zh-CN" b="0" i="1" smtClean="0">
-                        <a:latin typeface="Cambria Math" panose="02040503050406030204" pitchFamily="18" charset="0"/>
-                      </a:rPr>
-                      <m:t>+1</m:t>
-                    </m:r>
-                  </m:oMath>
-                </a14:m>
-                <a:r>
-                  <a:rPr lang="en-US" altLang="zh-CN" dirty="0"/>
-                  <a:t> </a:t>
-                </a:r>
-                <a:r>
-                  <a:rPr lang="zh-CN" altLang="en-US" dirty="0"/>
-                  <a:t>归位）。</a:t>
+                  <a:t>考虑如下构造：</a:t>
                 </a:r>
                 <a:endParaRPr lang="en-US" altLang="zh-CN" dirty="0"/>
               </a:p>
               <a:p>
-                <a:endParaRPr lang="zh-CN" altLang="en-US" dirty="0"/>
-              </a:p>
-            </p:txBody>
-          </p:sp>
-        </mc:Choice>
-        <mc:Fallback>
-          <p:sp>
-            <p:nvSpPr>
-              <p:cNvPr id="3" name="内容占位符 2">
-                <a:extLst>
-                  <a:ext uri="{FF2B5EF4-FFF2-40B4-BE49-F238E27FC236}">
-                    <a16:creationId xmlns:a16="http://schemas.microsoft.com/office/drawing/2014/main" id="{178182C6-2A88-502C-93B5-8AFA3B63A762}"/>
-                  </a:ext>
-                </a:extLst>
-              </p:cNvPr>
-              <p:cNvSpPr>
-                <a:spLocks noGrp="1" noRot="1" noChangeAspect="1" noMove="1" noResize="1" noEditPoints="1" noAdjustHandles="1" noChangeArrowheads="1" noChangeShapeType="1" noTextEdit="1"/>
-              </p:cNvSpPr>
-              <p:nvPr>
-                <p:ph idx="1"/>
-              </p:nvPr>
-            </p:nvSpPr>
-            <p:spPr>
-              <a:blipFill>
-                <a:blip r:embed="rId2"/>
-                <a:stretch>
-                  <a:fillRect l="-1043" t="-2521"/>
-                </a:stretch>
-              </a:blipFill>
-            </p:spPr>
-            <p:txBody>
-              <a:bodyPr/>
-              <a:lstStyle/>
-              <a:p>
-                <a:r>
-                  <a:rPr lang="zh-CN" altLang="en-US">
-                    <a:noFill/>
-                  </a:rPr>
-                  <a:t> </a:t>
-                </a:r>
-              </a:p>
-            </p:txBody>
-          </p:sp>
-        </mc:Fallback>
-      </mc:AlternateContent>
-    </p:spTree>
-    <p:extLst>
-      <p:ext uri="{BB962C8B-B14F-4D97-AF65-F5344CB8AC3E}">
-        <p14:creationId xmlns:p14="http://schemas.microsoft.com/office/powerpoint/2010/main" val="1765987249"/>
-      </p:ext>
-    </p:extLst>
-  </p:cSld>
-  <p:clrMapOvr>
-    <a:masterClrMapping/>
-  </p:clrMapOvr>
-</p:sld>
-</file>
-
-<file path=ppt/slides/slide14.xml><?xml version="1.0" encoding="utf-8"?>
-<p:sld xmlns:a="http://schemas.openxmlformats.org/drawingml/2006/main" xmlns:r="http://schemas.openxmlformats.org/officeDocument/2006/relationships" xmlns:p="http://schemas.openxmlformats.org/presentationml/2006/main">
-  <p:cSld>
-    <p:spTree>
-      <p:nvGrpSpPr>
-        <p:cNvPr id="1" name=""/>
-        <p:cNvGrpSpPr/>
-        <p:nvPr/>
-      </p:nvGrpSpPr>
-      <p:grpSpPr>
-        <a:xfrm>
-          <a:off x="0" y="0"/>
-          <a:ext cx="0" cy="0"/>
-          <a:chOff x="0" y="0"/>
-          <a:chExt cx="0" cy="0"/>
-        </a:xfrm>
-      </p:grpSpPr>
-      <p:sp>
-        <p:nvSpPr>
-          <p:cNvPr id="2" name="标题 1">
-            <a:extLst>
-              <a:ext uri="{FF2B5EF4-FFF2-40B4-BE49-F238E27FC236}">
-                <a16:creationId xmlns:a16="http://schemas.microsoft.com/office/drawing/2014/main" id="{F0C9CAFE-E916-0717-0DAA-F4BC6E2AB2D0}"/>
-              </a:ext>
-            </a:extLst>
-          </p:cNvPr>
-          <p:cNvSpPr>
-            <a:spLocks noGrp="1"/>
-          </p:cNvSpPr>
-          <p:nvPr>
-            <p:ph type="title"/>
-          </p:nvPr>
-        </p:nvSpPr>
-        <p:spPr/>
-        <p:txBody>
-          <a:bodyPr/>
-          <a:lstStyle/>
-          <a:p>
-            <a:r>
-              <a:rPr lang="zh-CN" altLang="en-US" dirty="0"/>
-              <a:t>解法 </a:t>
-            </a:r>
-            <a:r>
-              <a:rPr lang="en-US" altLang="zh-CN" dirty="0"/>
-              <a:t>2</a:t>
-            </a:r>
-            <a:endParaRPr lang="zh-CN" altLang="en-US" dirty="0"/>
-          </a:p>
-        </p:txBody>
-      </p:sp>
-      <mc:AlternateContent xmlns:mc="http://schemas.openxmlformats.org/markup-compatibility/2006">
-        <mc:Choice xmlns:a14="http://schemas.microsoft.com/office/drawing/2010/main" Requires="a14">
-          <p:sp>
-            <p:nvSpPr>
-              <p:cNvPr id="3" name="内容占位符 2">
-                <a:extLst>
-                  <a:ext uri="{FF2B5EF4-FFF2-40B4-BE49-F238E27FC236}">
-                    <a16:creationId xmlns:a16="http://schemas.microsoft.com/office/drawing/2014/main" id="{178182C6-2A88-502C-93B5-8AFA3B63A762}"/>
-                  </a:ext>
-                </a:extLst>
-              </p:cNvPr>
-              <p:cNvSpPr>
-                <a:spLocks noGrp="1"/>
-              </p:cNvSpPr>
-              <p:nvPr>
-                <p:ph idx="1"/>
-              </p:nvPr>
-            </p:nvSpPr>
-            <p:spPr/>
-            <p:txBody>
-              <a:bodyPr>
-                <a:normAutofit/>
-              </a:bodyPr>
-              <a:lstStyle/>
-              <a:p>
-                <a:r>
-                  <a:rPr lang="zh-CN" altLang="en-US" strike="sngStrike" dirty="0"/>
-                  <a:t>如果你读 </a:t>
-                </a:r>
-                <a:r>
-                  <a:rPr lang="en-US" altLang="zh-CN" strike="sngStrike" dirty="0"/>
-                  <a:t>std</a:t>
-                </a:r>
-                <a:r>
-                  <a:rPr lang="zh-CN" altLang="en-US" strike="sngStrike" dirty="0"/>
-                  <a:t>，会发现 </a:t>
-                </a:r>
-                <a:r>
-                  <a:rPr lang="en-US" altLang="zh-CN" strike="sngStrike" dirty="0"/>
-                  <a:t>std </a:t>
-                </a:r>
-                <a:r>
-                  <a:rPr lang="zh-CN" altLang="en-US" strike="sngStrike" dirty="0"/>
-                  <a:t>根本不是这么写的</a:t>
-                </a:r>
+                <a:pPr lvl="1"/>
                 <a:r>
                   <a:rPr lang="zh-CN" altLang="en-US" dirty="0"/>
-                  <a:t>。</a:t>
-                </a:r>
-                <a:endParaRPr lang="en-US" altLang="zh-CN" dirty="0"/>
-              </a:p>
-              <a:p>
-                <a:r>
-                  <a:rPr lang="zh-CN" altLang="en-US" dirty="0"/>
-                  <a:t>考虑满足以下条件的构造：每次操作结束后，自环数量增加 </a:t>
-                </a:r>
-                <a:r>
-                  <a:rPr lang="en-US" altLang="zh-CN" dirty="0"/>
-                  <a:t>2</a:t>
-                </a:r>
-                <a:r>
-                  <a:rPr lang="zh-CN" altLang="en-US" dirty="0"/>
-                  <a:t>。注意到自环数量增加 </a:t>
-                </a:r>
-                <a:r>
-                  <a:rPr lang="en-US" altLang="zh-CN" dirty="0"/>
-                  <a:t>2 </a:t>
-                </a:r>
-                <a:r>
-                  <a:rPr lang="zh-CN" altLang="en-US" dirty="0"/>
-                  <a:t>一定意味着环数增加</a:t>
-                </a:r>
-                <a:r>
-                  <a:rPr lang="en-US" altLang="zh-CN" dirty="0"/>
-                  <a:t> 2</a:t>
-                </a:r>
-                <a:r>
-                  <a:rPr lang="zh-CN" altLang="en-US" dirty="0"/>
-                  <a:t>（因为环数奇偶性不改变，所以只可能 </a:t>
-                </a:r>
-                <a:r>
-                  <a:rPr lang="en-US" altLang="zh-CN" dirty="0"/>
-                  <a:t>1 </a:t>
-                </a:r>
-                <a:r>
-                  <a:rPr lang="zh-CN" altLang="en-US" dirty="0"/>
-                  <a:t>变 </a:t>
-                </a:r>
-                <a:r>
-                  <a:rPr lang="en-US" altLang="zh-CN" dirty="0"/>
-                  <a:t>3 </a:t>
-                </a:r>
-                <a:r>
-                  <a:rPr lang="zh-CN" altLang="en-US" dirty="0"/>
-                  <a:t>或 </a:t>
-                </a:r>
-                <a:r>
-                  <a:rPr lang="en-US" altLang="zh-CN" dirty="0"/>
-                  <a:t>2 </a:t>
-                </a:r>
-                <a:r>
-                  <a:rPr lang="zh-CN" altLang="en-US" dirty="0"/>
-                  <a:t>变 </a:t>
-                </a:r>
-                <a:r>
-                  <a:rPr lang="en-US" altLang="zh-CN" dirty="0"/>
-                  <a:t>4</a:t>
-                </a:r>
-                <a:r>
-                  <a:rPr lang="zh-CN" altLang="en-US" dirty="0"/>
-                  <a:t>），所以也是合法的解法。同时，这样的构造也很符合直觉（每次将两个 </a:t>
-                </a:r>
-                <a14:m>
-                  <m:oMath xmlns:m="http://schemas.openxmlformats.org/officeDocument/2006/math">
-                    <m:r>
-                      <a:rPr lang="en-US" altLang="zh-CN" b="0" i="1" smtClean="0">
-                        <a:latin typeface="Cambria Math" panose="02040503050406030204" pitchFamily="18" charset="0"/>
-                      </a:rPr>
-                      <m:t>𝑖</m:t>
-                    </m:r>
-                    <m:r>
-                      <a:rPr lang="en-US" altLang="zh-CN" b="0" i="1" smtClean="0">
-                        <a:latin typeface="Cambria Math" panose="02040503050406030204" pitchFamily="18" charset="0"/>
-                      </a:rPr>
-                      <m:t> </m:t>
-                    </m:r>
-                    <m:r>
-                      <a:rPr lang="en-US" altLang="zh-CN" b="0" i="1" smtClean="0">
-                        <a:latin typeface="Cambria Math" panose="02040503050406030204" pitchFamily="18" charset="0"/>
-                      </a:rPr>
-                      <m:t>𝑖</m:t>
-                    </m:r>
-                    <m:r>
-                      <a:rPr lang="en-US" altLang="zh-CN" b="0" i="1" smtClean="0">
-                        <a:latin typeface="Cambria Math" panose="02040503050406030204" pitchFamily="18" charset="0"/>
-                      </a:rPr>
-                      <m:t>+1</m:t>
-                    </m:r>
-                  </m:oMath>
-                </a14:m>
-                <a:r>
-                  <a:rPr lang="en-US" altLang="zh-CN" dirty="0"/>
-                  <a:t> </a:t>
-                </a:r>
-                <a:r>
-                  <a:rPr lang="zh-CN" altLang="en-US" dirty="0"/>
-                  <a:t>归位）。</a:t>
-                </a:r>
-                <a:endParaRPr lang="en-US" altLang="zh-CN" dirty="0"/>
-              </a:p>
-              <a:p>
-                <a:r>
-                  <a:rPr lang="zh-CN" altLang="en-US" dirty="0"/>
-                  <a:t>以下构造满足上面的条件：选择一个最小的 </a:t>
+                  <a:t>选择一个最小的 </a:t>
                 </a:r>
                 <a14:m>
                   <m:oMath xmlns:m="http://schemas.openxmlformats.org/officeDocument/2006/math">
@@ -6830,7 +3650,15 @@
                 </a14:m>
                 <a:r>
                   <a:rPr lang="zh-CN" altLang="en-US" dirty="0"/>
-                  <a:t> 大的元素，再选择 </a:t>
+                  <a:t> 大的元素；</a:t>
+                </a:r>
+                <a:endParaRPr lang="en-US" altLang="zh-CN" dirty="0"/>
+              </a:p>
+              <a:p>
+                <a:pPr lvl="1"/>
+                <a:r>
+                  <a:rPr lang="zh-CN" altLang="en-US" dirty="0"/>
+                  <a:t>再选择 </a:t>
                 </a:r>
                 <a14:m>
                   <m:oMath xmlns:m="http://schemas.openxmlformats.org/officeDocument/2006/math">
@@ -6858,10 +3686,24 @@
                 </a14:m>
                 <a:r>
                   <a:rPr lang="zh-CN" altLang="en-US" dirty="0"/>
-                  <a:t>。此时 </a:t>
+                  <a:t>。</a:t>
+                </a:r>
+                <a:endParaRPr lang="en-US" altLang="zh-CN" dirty="0"/>
+              </a:p>
+              <a:p>
+                <a:pPr lvl="1"/>
+                <a:r>
+                  <a:rPr lang="zh-CN" altLang="en-US" dirty="0"/>
+                  <a:t>此时 </a:t>
                 </a:r>
                 <a14:m>
                   <m:oMath xmlns:m="http://schemas.openxmlformats.org/officeDocument/2006/math">
+                    <m:r>
+                      <a:rPr lang="en-US" altLang="zh-CN" b="0" i="0" smtClean="0">
+                        <a:latin typeface="Cambria Math" panose="02040503050406030204" pitchFamily="18" charset="0"/>
+                      </a:rPr>
+                      <m:t>(</m:t>
+                    </m:r>
                     <m:r>
                       <a:rPr lang="en-US" altLang="zh-CN" b="0" i="1" smtClean="0">
                         <a:latin typeface="Cambria Math" panose="02040503050406030204" pitchFamily="18" charset="0"/>
@@ -6872,7 +3714,7 @@
                       <a:rPr lang="en-US" altLang="zh-CN" b="0" i="1" smtClean="0">
                         <a:latin typeface="Cambria Math" panose="02040503050406030204" pitchFamily="18" charset="0"/>
                       </a:rPr>
-                      <m:t>−1</m:t>
+                      <m:t>−1)</m:t>
                     </m:r>
                   </m:oMath>
                 </a14:m>
@@ -6911,6 +3753,12 @@
                 <a14:m>
                   <m:oMath xmlns:m="http://schemas.openxmlformats.org/officeDocument/2006/math">
                     <m:r>
+                      <a:rPr lang="en-US" altLang="zh-CN" b="0" i="0" smtClean="0">
+                        <a:latin typeface="Cambria Math" panose="02040503050406030204" pitchFamily="18" charset="0"/>
+                      </a:rPr>
+                      <m:t>(</m:t>
+                    </m:r>
+                    <m:r>
                       <a:rPr lang="en-US" altLang="zh-CN" b="0" i="1" smtClean="0">
                         <a:latin typeface="Cambria Math" panose="02040503050406030204" pitchFamily="18" charset="0"/>
                       </a:rPr>
@@ -6920,7 +3768,7 @@
                       <a:rPr lang="en-US" altLang="zh-CN" b="0" i="1" smtClean="0">
                         <a:latin typeface="Cambria Math" panose="02040503050406030204" pitchFamily="18" charset="0"/>
                       </a:rPr>
-                      <m:t>+1</m:t>
+                      <m:t>+1)</m:t>
                     </m:r>
                   </m:oMath>
                 </a14:m>
@@ -6954,7 +3802,15 @@
                 </a14:m>
                 <a:r>
                   <a:rPr lang="zh-CN" altLang="en-US" dirty="0"/>
-                  <a:t> 的最大性矛盾）。因此形势为 </a:t>
+                  <a:t> 的最大性矛盾）。</a:t>
+                </a:r>
+                <a:endParaRPr lang="en-US" altLang="zh-CN" dirty="0"/>
+              </a:p>
+              <a:p>
+                <a:pPr lvl="1"/>
+                <a:r>
+                  <a:rPr lang="zh-CN" altLang="en-US" dirty="0"/>
+                  <a:t>因此用一次操作将 </a:t>
                 </a:r>
                 <a14:m>
                   <m:oMath xmlns:m="http://schemas.openxmlformats.org/officeDocument/2006/math">
@@ -7006,11 +3862,17 @@
                       </a:rPr>
                       <m:t>+1</m:t>
                     </m:r>
+                    <m:r>
+                      <a:rPr lang="en-US" altLang="zh-CN" b="0" i="0" smtClean="0">
+                        <a:latin typeface="Cambria Math" panose="02040503050406030204" pitchFamily="18" charset="0"/>
+                      </a:rPr>
+                      <m:t> </m:t>
+                    </m:r>
                   </m:oMath>
                 </a14:m>
                 <a:r>
                   <a:rPr lang="zh-CN" altLang="en-US" dirty="0"/>
-                  <a:t>，容易用一次操作变为 </a:t>
+                  <a:t>变为 </a:t>
                 </a:r>
                 <a14:m>
                   <m:oMath xmlns:m="http://schemas.openxmlformats.org/officeDocument/2006/math">
@@ -7066,8 +3928,9 @@
                 </a14:m>
                 <a:r>
                   <a:rPr lang="zh-CN" altLang="en-US" dirty="0"/>
-                  <a:t>的形式。</a:t>
-                </a:r>
+                  <a:t>。</a:t>
+                </a:r>
+                <a:endParaRPr lang="en-US" altLang="zh-CN" dirty="0"/>
               </a:p>
             </p:txBody>
           </p:sp>
@@ -7093,7 +3956,7 @@
               <a:blipFill>
                 <a:blip r:embed="rId2"/>
                 <a:stretch>
-                  <a:fillRect l="-1043" t="-2521" r="-348"/>
+                  <a:fillRect l="-1043" t="-2521" r="-812"/>
                 </a:stretch>
               </a:blipFill>
             </p:spPr>
@@ -7116,6 +3979,345 @@
     <p:extLst>
       <p:ext uri="{BB962C8B-B14F-4D97-AF65-F5344CB8AC3E}">
         <p14:creationId xmlns:p14="http://schemas.microsoft.com/office/powerpoint/2010/main" val="3879753744"/>
+      </p:ext>
+    </p:extLst>
+  </p:cSld>
+  <p:clrMapOvr>
+    <a:masterClrMapping/>
+  </p:clrMapOvr>
+</p:sld>
+</file>
+
+<file path=ppt/slides/slide11.xml><?xml version="1.0" encoding="utf-8"?>
+<p:sld xmlns:a="http://schemas.openxmlformats.org/drawingml/2006/main" xmlns:r="http://schemas.openxmlformats.org/officeDocument/2006/relationships" xmlns:p="http://schemas.openxmlformats.org/presentationml/2006/main">
+  <p:cSld>
+    <p:spTree>
+      <p:nvGrpSpPr>
+        <p:cNvPr id="1" name=""/>
+        <p:cNvGrpSpPr/>
+        <p:nvPr/>
+      </p:nvGrpSpPr>
+      <p:grpSpPr>
+        <a:xfrm>
+          <a:off x="0" y="0"/>
+          <a:ext cx="0" cy="0"/>
+          <a:chOff x="0" y="0"/>
+          <a:chExt cx="0" cy="0"/>
+        </a:xfrm>
+      </p:grpSpPr>
+      <p:sp>
+        <p:nvSpPr>
+          <p:cNvPr id="2" name="标题 1">
+            <a:extLst>
+              <a:ext uri="{FF2B5EF4-FFF2-40B4-BE49-F238E27FC236}">
+                <a16:creationId xmlns:a16="http://schemas.microsoft.com/office/drawing/2014/main" id="{F0C9CAFE-E916-0717-0DAA-F4BC6E2AB2D0}"/>
+              </a:ext>
+            </a:extLst>
+          </p:cNvPr>
+          <p:cNvSpPr>
+            <a:spLocks noGrp="1"/>
+          </p:cNvSpPr>
+          <p:nvPr>
+            <p:ph type="title"/>
+          </p:nvPr>
+        </p:nvSpPr>
+        <p:spPr/>
+        <p:txBody>
+          <a:bodyPr/>
+          <a:lstStyle/>
+          <a:p>
+            <a:r>
+              <a:rPr lang="zh-CN" altLang="en-US" dirty="0"/>
+              <a:t>解法</a:t>
+            </a:r>
+          </a:p>
+        </p:txBody>
+      </p:sp>
+      <mc:AlternateContent xmlns:mc="http://schemas.openxmlformats.org/markup-compatibility/2006">
+        <mc:Choice xmlns:a14="http://schemas.microsoft.com/office/drawing/2010/main" Requires="a14">
+          <p:sp>
+            <p:nvSpPr>
+              <p:cNvPr id="3" name="内容占位符 2">
+                <a:extLst>
+                  <a:ext uri="{FF2B5EF4-FFF2-40B4-BE49-F238E27FC236}">
+                    <a16:creationId xmlns:a16="http://schemas.microsoft.com/office/drawing/2014/main" id="{178182C6-2A88-502C-93B5-8AFA3B63A762}"/>
+                  </a:ext>
+                </a:extLst>
+              </p:cNvPr>
+              <p:cNvSpPr>
+                <a:spLocks noGrp="1"/>
+              </p:cNvSpPr>
+              <p:nvPr>
+                <p:ph idx="1"/>
+              </p:nvPr>
+            </p:nvSpPr>
+            <p:spPr/>
+            <p:txBody>
+              <a:bodyPr>
+                <a:normAutofit/>
+              </a:bodyPr>
+              <a:lstStyle/>
+              <a:p>
+                <a14:m>
+                  <m:oMath xmlns:m="http://schemas.openxmlformats.org/officeDocument/2006/math">
+                    <m:r>
+                      <a:rPr lang="zh-CN" altLang="en-US" i="1" smtClean="0">
+                        <a:latin typeface="Cambria Math" panose="02040503050406030204" pitchFamily="18" charset="0"/>
+                      </a:rPr>
+                      <m:t>在</m:t>
+                    </m:r>
+                    <m:r>
+                      <a:rPr lang="en-US" altLang="zh-CN" b="0" i="1" smtClean="0">
+                        <a:latin typeface="Cambria Math" panose="02040503050406030204" pitchFamily="18" charset="0"/>
+                      </a:rPr>
+                      <m:t> </m:t>
+                    </m:r>
+                    <m:r>
+                      <a:rPr lang="en-US" altLang="zh-CN" b="0" i="1" smtClean="0">
+                        <a:latin typeface="Cambria Math" panose="02040503050406030204" pitchFamily="18" charset="0"/>
+                      </a:rPr>
+                      <m:t>𝑥</m:t>
+                    </m:r>
+                    <m:r>
+                      <a:rPr lang="en-US" altLang="zh-CN" b="0" i="1" smtClean="0">
+                        <a:latin typeface="Cambria Math" panose="02040503050406030204" pitchFamily="18" charset="0"/>
+                      </a:rPr>
+                      <m:t>−1, ⋯,</m:t>
+                    </m:r>
+                    <m:r>
+                      <a:rPr lang="en-US" altLang="zh-CN" b="0" i="1" smtClean="0">
+                        <a:latin typeface="Cambria Math" panose="02040503050406030204" pitchFamily="18" charset="0"/>
+                      </a:rPr>
+                      <m:t>𝑦</m:t>
+                    </m:r>
+                    <m:r>
+                      <a:rPr lang="en-US" altLang="zh-CN" b="0" i="1" smtClean="0">
+                        <a:latin typeface="Cambria Math" panose="02040503050406030204" pitchFamily="18" charset="0"/>
+                      </a:rPr>
+                      <m:t>,⋯, </m:t>
+                    </m:r>
+                    <m:r>
+                      <a:rPr lang="en-US" altLang="zh-CN" b="0" i="1" smtClean="0">
+                        <a:latin typeface="Cambria Math" panose="02040503050406030204" pitchFamily="18" charset="0"/>
+                      </a:rPr>
+                      <m:t>𝑥</m:t>
+                    </m:r>
+                    <m:r>
+                      <a:rPr lang="en-US" altLang="zh-CN" b="0" i="1" smtClean="0">
+                        <a:latin typeface="Cambria Math" panose="02040503050406030204" pitchFamily="18" charset="0"/>
+                      </a:rPr>
+                      <m:t>, ⋯, </m:t>
+                    </m:r>
+                    <m:r>
+                      <a:rPr lang="en-US" altLang="zh-CN" b="0" i="1" smtClean="0">
+                        <a:latin typeface="Cambria Math" panose="02040503050406030204" pitchFamily="18" charset="0"/>
+                      </a:rPr>
+                      <m:t>𝑦</m:t>
+                    </m:r>
+                    <m:r>
+                      <a:rPr lang="en-US" altLang="zh-CN" b="0" i="1" smtClean="0">
+                        <a:latin typeface="Cambria Math" panose="02040503050406030204" pitchFamily="18" charset="0"/>
+                      </a:rPr>
+                      <m:t>+1</m:t>
+                    </m:r>
+                    <m:r>
+                      <a:rPr lang="en-US" altLang="zh-CN" b="0" i="0" smtClean="0">
+                        <a:latin typeface="Cambria Math" panose="02040503050406030204" pitchFamily="18" charset="0"/>
+                      </a:rPr>
+                      <m:t> </m:t>
+                    </m:r>
+                  </m:oMath>
+                </a14:m>
+                <a:r>
+                  <a:rPr lang="zh-CN" altLang="en-US" dirty="0"/>
+                  <a:t>中被修改的四（或三）条边为与 </a:t>
+                </a:r>
+                <a14:m>
+                  <m:oMath xmlns:m="http://schemas.openxmlformats.org/officeDocument/2006/math">
+                    <m:r>
+                      <a:rPr lang="en-US" altLang="zh-CN" b="0" i="1" smtClean="0">
+                        <a:latin typeface="Cambria Math" panose="02040503050406030204" pitchFamily="18" charset="0"/>
+                      </a:rPr>
+                      <m:t>𝑥</m:t>
+                    </m:r>
+                  </m:oMath>
+                </a14:m>
+                <a:r>
+                  <a:rPr lang="en-US" altLang="zh-CN" dirty="0"/>
+                  <a:t> </a:t>
+                </a:r>
+                <a:r>
+                  <a:rPr lang="zh-CN" altLang="en-US" dirty="0"/>
+                  <a:t>相邻的两条边和与 </a:t>
+                </a:r>
+                <a14:m>
+                  <m:oMath xmlns:m="http://schemas.openxmlformats.org/officeDocument/2006/math">
+                    <m:r>
+                      <a:rPr lang="en-US" altLang="zh-CN" b="0" i="1" smtClean="0">
+                        <a:latin typeface="Cambria Math" panose="02040503050406030204" pitchFamily="18" charset="0"/>
+                      </a:rPr>
+                      <m:t>𝑦</m:t>
+                    </m:r>
+                    <m:r>
+                      <a:rPr lang="en-US" altLang="zh-CN" b="0" i="1" smtClean="0">
+                        <a:latin typeface="Cambria Math" panose="02040503050406030204" pitchFamily="18" charset="0"/>
+                      </a:rPr>
+                      <m:t>+1</m:t>
+                    </m:r>
+                  </m:oMath>
+                </a14:m>
+                <a:r>
+                  <a:rPr lang="en-US" altLang="zh-CN" dirty="0"/>
+                  <a:t> </a:t>
+                </a:r>
+                <a:r>
+                  <a:rPr lang="zh-CN" altLang="en-US" dirty="0"/>
+                  <a:t>相邻的两条边，所以这四（或三）条边一定在一个或两个环里；</a:t>
+                </a:r>
+                <a:endParaRPr lang="en-US" altLang="zh-CN" dirty="0"/>
+              </a:p>
+              <a:p>
+                <a:r>
+                  <a:rPr lang="zh-CN" altLang="en-US" dirty="0"/>
+                  <a:t>而修改过后，出现了额外的两个自环（</a:t>
+                </a:r>
+                <a14:m>
+                  <m:oMath xmlns:m="http://schemas.openxmlformats.org/officeDocument/2006/math">
+                    <m:r>
+                      <a:rPr lang="en-US" altLang="zh-CN" b="0" i="1" smtClean="0">
+                        <a:latin typeface="Cambria Math" panose="02040503050406030204" pitchFamily="18" charset="0"/>
+                      </a:rPr>
+                      <m:t>𝑥</m:t>
+                    </m:r>
+                    <m:r>
+                      <a:rPr lang="en-US" altLang="zh-CN" b="0" i="1" smtClean="0">
+                        <a:latin typeface="Cambria Math" panose="02040503050406030204" pitchFamily="18" charset="0"/>
+                      </a:rPr>
+                      <m:t>−1, </m:t>
+                    </m:r>
+                    <m:r>
+                      <a:rPr lang="en-US" altLang="zh-CN" b="0" i="1" smtClean="0">
+                        <a:latin typeface="Cambria Math" panose="02040503050406030204" pitchFamily="18" charset="0"/>
+                      </a:rPr>
+                      <m:t>𝑥</m:t>
+                    </m:r>
+                  </m:oMath>
+                </a14:m>
+                <a:r>
+                  <a:rPr lang="en-US" altLang="zh-CN" dirty="0"/>
+                  <a:t> </a:t>
+                </a:r>
+                <a:r>
+                  <a:rPr lang="zh-CN" altLang="en-US" dirty="0"/>
+                  <a:t>以及 </a:t>
+                </a:r>
+                <a14:m>
+                  <m:oMath xmlns:m="http://schemas.openxmlformats.org/officeDocument/2006/math">
+                    <m:r>
+                      <a:rPr lang="en-US" altLang="zh-CN" b="0" i="1" smtClean="0">
+                        <a:latin typeface="Cambria Math" panose="02040503050406030204" pitchFamily="18" charset="0"/>
+                      </a:rPr>
+                      <m:t>𝑦</m:t>
+                    </m:r>
+                    <m:r>
+                      <a:rPr lang="en-US" altLang="zh-CN" b="0" i="1" smtClean="0">
+                        <a:latin typeface="Cambria Math" panose="02040503050406030204" pitchFamily="18" charset="0"/>
+                      </a:rPr>
+                      <m:t>, </m:t>
+                    </m:r>
+                    <m:r>
+                      <a:rPr lang="en-US" altLang="zh-CN" b="0" i="1" smtClean="0">
+                        <a:latin typeface="Cambria Math" panose="02040503050406030204" pitchFamily="18" charset="0"/>
+                      </a:rPr>
+                      <m:t>𝑦</m:t>
+                    </m:r>
+                    <m:r>
+                      <a:rPr lang="en-US" altLang="zh-CN" b="0" i="1" smtClean="0">
+                        <a:latin typeface="Cambria Math" panose="02040503050406030204" pitchFamily="18" charset="0"/>
+                      </a:rPr>
+                      <m:t>+1</m:t>
+                    </m:r>
+                  </m:oMath>
+                </a14:m>
+                <a:r>
+                  <a:rPr lang="zh-CN" altLang="en-US" dirty="0"/>
+                  <a:t>）。因为环数奇偶不会改变，因此环数一定加 </a:t>
+                </a:r>
+                <a:r>
+                  <a:rPr lang="en-US" altLang="zh-CN" dirty="0"/>
+                  <a:t>2</a:t>
+                </a:r>
+                <a:r>
+                  <a:rPr lang="zh-CN" altLang="en-US" dirty="0"/>
+                  <a:t>。</a:t>
+                </a:r>
+                <a:endParaRPr lang="en-US" altLang="zh-CN" dirty="0"/>
+              </a:p>
+              <a:p>
+                <a:endParaRPr lang="en-US" altLang="zh-CN" dirty="0"/>
+              </a:p>
+              <a:p>
+                <a:r>
+                  <a:rPr lang="zh-CN" altLang="en-US" strike="sngStrike" dirty="0"/>
+                  <a:t>当然也有一些其他的构造可能满足以上条件。所以这题正确的做法是，猜一堆结论，写个 </a:t>
+                </a:r>
+                <a:r>
+                  <a:rPr lang="en-US" altLang="zh-CN" strike="sngStrike" dirty="0"/>
+                  <a:t>gen </a:t>
+                </a:r>
+                <a:r>
+                  <a:rPr lang="zh-CN" altLang="en-US" strike="sngStrike" dirty="0"/>
+                  <a:t>拍一拍，拍过了就交。</a:t>
+                </a:r>
+                <a:endParaRPr lang="en-US" altLang="zh-CN" strike="sngStrike" dirty="0"/>
+              </a:p>
+            </p:txBody>
+          </p:sp>
+        </mc:Choice>
+        <mc:Fallback>
+          <p:sp>
+            <p:nvSpPr>
+              <p:cNvPr id="3" name="内容占位符 2">
+                <a:extLst>
+                  <a:ext uri="{FF2B5EF4-FFF2-40B4-BE49-F238E27FC236}">
+                    <a16:creationId xmlns:a16="http://schemas.microsoft.com/office/drawing/2014/main" id="{178182C6-2A88-502C-93B5-8AFA3B63A762}"/>
+                  </a:ext>
+                </a:extLst>
+              </p:cNvPr>
+              <p:cNvSpPr>
+                <a:spLocks noGrp="1" noRot="1" noChangeAspect="1" noMove="1" noResize="1" noEditPoints="1" noAdjustHandles="1" noChangeArrowheads="1" noChangeShapeType="1" noTextEdit="1"/>
+              </p:cNvSpPr>
+              <p:nvPr>
+                <p:ph idx="1"/>
+              </p:nvPr>
+            </p:nvSpPr>
+            <p:spPr>
+              <a:blipFill>
+                <a:blip r:embed="rId2"/>
+                <a:stretch>
+                  <a:fillRect l="-1043" t="-2381"/>
+                </a:stretch>
+              </a:blipFill>
+            </p:spPr>
+            <p:txBody>
+              <a:bodyPr/>
+              <a:lstStyle/>
+              <a:p>
+                <a:r>
+                  <a:rPr lang="zh-CN" altLang="en-US">
+                    <a:noFill/>
+                  </a:rPr>
+                  <a:t> </a:t>
+                </a:r>
+              </a:p>
+            </p:txBody>
+          </p:sp>
+        </mc:Fallback>
+      </mc:AlternateContent>
+    </p:spTree>
+    <p:extLst>
+      <p:ext uri="{BB962C8B-B14F-4D97-AF65-F5344CB8AC3E}">
+        <p14:creationId xmlns:p14="http://schemas.microsoft.com/office/powerpoint/2010/main" val="120931905"/>
       </p:ext>
     </p:extLst>
   </p:cSld>
@@ -7170,8 +4372,8 @@
           </a:p>
         </p:txBody>
       </p:sp>
-      <mc:AlternateContent xmlns:mc="http://schemas.openxmlformats.org/markup-compatibility/2006">
-        <mc:Choice xmlns:a14="http://schemas.microsoft.com/office/drawing/2010/main" Requires="a14">
+      <mc:AlternateContent xmlns:mc="http://schemas.openxmlformats.org/markup-compatibility/2006" xmlns:a14="http://schemas.microsoft.com/office/drawing/2010/main">
+        <mc:Choice Requires="a14">
           <p:sp>
             <p:nvSpPr>
               <p:cNvPr id="3" name="内容占位符 2">
@@ -7260,7 +4462,7 @@
             </p:txBody>
           </p:sp>
         </mc:Choice>
-        <mc:Fallback>
+        <mc:Fallback xmlns="">
           <p:sp>
             <p:nvSpPr>
               <p:cNvPr id="3" name="内容占位符 2">
@@ -7362,8 +4564,8 @@
           </a:p>
         </p:txBody>
       </p:sp>
-      <mc:AlternateContent xmlns:mc="http://schemas.openxmlformats.org/markup-compatibility/2006">
-        <mc:Choice xmlns:a14="http://schemas.microsoft.com/office/drawing/2010/main" Requires="a14">
+      <mc:AlternateContent xmlns:mc="http://schemas.openxmlformats.org/markup-compatibility/2006" xmlns:a14="http://schemas.microsoft.com/office/drawing/2010/main">
+        <mc:Choice Requires="a14">
           <p:sp>
             <p:nvSpPr>
               <p:cNvPr id="3" name="内容占位符 2">
@@ -7448,7 +4650,7 @@
             </p:txBody>
           </p:sp>
         </mc:Choice>
-        <mc:Fallback>
+        <mc:Fallback xmlns="">
           <p:sp>
             <p:nvSpPr>
               <p:cNvPr id="3" name="内容占位符 2">
@@ -7546,8 +4748,8 @@
           </a:p>
         </p:txBody>
       </p:sp>
-      <mc:AlternateContent xmlns:mc="http://schemas.openxmlformats.org/markup-compatibility/2006">
-        <mc:Choice xmlns:a14="http://schemas.microsoft.com/office/drawing/2010/main" Requires="a14">
+      <mc:AlternateContent xmlns:mc="http://schemas.openxmlformats.org/markup-compatibility/2006" xmlns:a14="http://schemas.microsoft.com/office/drawing/2010/main">
+        <mc:Choice Requires="a14">
           <p:sp>
             <p:nvSpPr>
               <p:cNvPr id="3" name="内容占位符 2">
@@ -7721,7 +4923,7 @@
             </p:txBody>
           </p:sp>
         </mc:Choice>
-        <mc:Fallback>
+        <mc:Fallback xmlns="">
           <p:sp>
             <p:nvSpPr>
               <p:cNvPr id="3" name="内容占位符 2">
@@ -7819,8 +5021,8 @@
           </a:p>
         </p:txBody>
       </p:sp>
-      <mc:AlternateContent xmlns:mc="http://schemas.openxmlformats.org/markup-compatibility/2006">
-        <mc:Choice xmlns:a14="http://schemas.microsoft.com/office/drawing/2010/main" Requires="a14">
+      <mc:AlternateContent xmlns:mc="http://schemas.openxmlformats.org/markup-compatibility/2006" xmlns:a14="http://schemas.microsoft.com/office/drawing/2010/main">
+        <mc:Choice Requires="a14">
           <p:sp>
             <p:nvSpPr>
               <p:cNvPr id="3" name="内容占位符 2">
@@ -7987,7 +5189,7 @@
             </p:txBody>
           </p:sp>
         </mc:Choice>
-        <mc:Fallback>
+        <mc:Fallback xmlns="">
           <p:sp>
             <p:nvSpPr>
               <p:cNvPr id="3" name="内容占位符 2">
@@ -8085,8 +5287,8 @@
           </a:p>
         </p:txBody>
       </p:sp>
-      <mc:AlternateContent xmlns:mc="http://schemas.openxmlformats.org/markup-compatibility/2006">
-        <mc:Choice xmlns:a14="http://schemas.microsoft.com/office/drawing/2010/main" Requires="a14">
+      <mc:AlternateContent xmlns:mc="http://schemas.openxmlformats.org/markup-compatibility/2006" xmlns:a14="http://schemas.microsoft.com/office/drawing/2010/main">
+        <mc:Choice Requires="a14">
           <p:sp>
             <p:nvSpPr>
               <p:cNvPr id="3" name="内容占位符 2">
@@ -8729,7 +5931,7 @@
             </p:txBody>
           </p:sp>
         </mc:Choice>
-        <mc:Fallback>
+        <mc:Fallback xmlns="">
           <p:sp>
             <p:nvSpPr>
               <p:cNvPr id="3" name="内容占位符 2">
@@ -8773,8 +5975,8 @@
           </p:sp>
         </mc:Fallback>
       </mc:AlternateContent>
-      <mc:AlternateContent xmlns:mc="http://schemas.openxmlformats.org/markup-compatibility/2006">
-        <mc:Choice xmlns:a14="http://schemas.microsoft.com/office/drawing/2010/main" Requires="a14">
+      <mc:AlternateContent xmlns:mc="http://schemas.openxmlformats.org/markup-compatibility/2006" xmlns:a14="http://schemas.microsoft.com/office/drawing/2010/main">
+        <mc:Choice Requires="a14">
           <p:sp>
             <p:nvSpPr>
               <p:cNvPr id="4" name="矩形 3">
@@ -8855,7 +6057,7 @@
             </p:txBody>
           </p:sp>
         </mc:Choice>
-        <mc:Fallback>
+        <mc:Fallback xmlns="">
           <p:sp>
             <p:nvSpPr>
               <p:cNvPr id="4" name="矩形 3">
@@ -8900,8 +6102,8 @@
           </p:sp>
         </mc:Fallback>
       </mc:AlternateContent>
-      <mc:AlternateContent xmlns:mc="http://schemas.openxmlformats.org/markup-compatibility/2006">
-        <mc:Choice xmlns:a14="http://schemas.microsoft.com/office/drawing/2010/main" Requires="a14">
+      <mc:AlternateContent xmlns:mc="http://schemas.openxmlformats.org/markup-compatibility/2006" xmlns:a14="http://schemas.microsoft.com/office/drawing/2010/main">
+        <mc:Choice Requires="a14">
           <p:sp>
             <p:nvSpPr>
               <p:cNvPr id="5" name="矩形 4">
@@ -8976,7 +6178,7 @@
             </p:txBody>
           </p:sp>
         </mc:Choice>
-        <mc:Fallback>
+        <mc:Fallback xmlns="">
           <p:sp>
             <p:nvSpPr>
               <p:cNvPr id="5" name="矩形 4">
@@ -9021,8 +6223,8 @@
           </p:sp>
         </mc:Fallback>
       </mc:AlternateContent>
-      <mc:AlternateContent xmlns:mc="http://schemas.openxmlformats.org/markup-compatibility/2006">
-        <mc:Choice xmlns:a14="http://schemas.microsoft.com/office/drawing/2010/main" Requires="a14">
+      <mc:AlternateContent xmlns:mc="http://schemas.openxmlformats.org/markup-compatibility/2006" xmlns:a14="http://schemas.microsoft.com/office/drawing/2010/main">
+        <mc:Choice Requires="a14">
           <p:sp>
             <p:nvSpPr>
               <p:cNvPr id="6" name="矩形 5">
@@ -9109,7 +6311,7 @@
             </p:txBody>
           </p:sp>
         </mc:Choice>
-        <mc:Fallback>
+        <mc:Fallback xmlns="">
           <p:sp>
             <p:nvSpPr>
               <p:cNvPr id="6" name="矩形 5">
@@ -9154,8 +6356,8 @@
           </p:sp>
         </mc:Fallback>
       </mc:AlternateContent>
-      <mc:AlternateContent xmlns:mc="http://schemas.openxmlformats.org/markup-compatibility/2006">
-        <mc:Choice xmlns:a14="http://schemas.microsoft.com/office/drawing/2010/main" Requires="a14">
+      <mc:AlternateContent xmlns:mc="http://schemas.openxmlformats.org/markup-compatibility/2006" xmlns:a14="http://schemas.microsoft.com/office/drawing/2010/main">
+        <mc:Choice Requires="a14">
           <p:sp>
             <p:nvSpPr>
               <p:cNvPr id="7" name="矩形 6">
@@ -9230,7 +6432,7 @@
             </p:txBody>
           </p:sp>
         </mc:Choice>
-        <mc:Fallback>
+        <mc:Fallback xmlns="">
           <p:sp>
             <p:nvSpPr>
               <p:cNvPr id="7" name="矩形 6">
@@ -9275,8 +6477,8 @@
           </p:sp>
         </mc:Fallback>
       </mc:AlternateContent>
-      <mc:AlternateContent xmlns:mc="http://schemas.openxmlformats.org/markup-compatibility/2006">
-        <mc:Choice xmlns:a14="http://schemas.microsoft.com/office/drawing/2010/main" Requires="a14">
+      <mc:AlternateContent xmlns:mc="http://schemas.openxmlformats.org/markup-compatibility/2006" xmlns:a14="http://schemas.microsoft.com/office/drawing/2010/main">
+        <mc:Choice Requires="a14">
           <p:sp>
             <p:nvSpPr>
               <p:cNvPr id="8" name="矩形 7">
@@ -9366,7 +6568,7 @@
             </p:txBody>
           </p:sp>
         </mc:Choice>
-        <mc:Fallback>
+        <mc:Fallback xmlns="">
           <p:sp>
             <p:nvSpPr>
               <p:cNvPr id="8" name="矩形 7">
@@ -9411,8 +6613,8 @@
           </p:sp>
         </mc:Fallback>
       </mc:AlternateContent>
-      <mc:AlternateContent xmlns:mc="http://schemas.openxmlformats.org/markup-compatibility/2006">
-        <mc:Choice xmlns:a14="http://schemas.microsoft.com/office/drawing/2010/main" Requires="a14">
+      <mc:AlternateContent xmlns:mc="http://schemas.openxmlformats.org/markup-compatibility/2006" xmlns:a14="http://schemas.microsoft.com/office/drawing/2010/main">
+        <mc:Choice Requires="a14">
           <p:sp>
             <p:nvSpPr>
               <p:cNvPr id="9" name="矩形 8">
@@ -9493,7 +6695,7 @@
             </p:txBody>
           </p:sp>
         </mc:Choice>
-        <mc:Fallback>
+        <mc:Fallback xmlns="">
           <p:sp>
             <p:nvSpPr>
               <p:cNvPr id="9" name="矩形 8">
@@ -9538,8 +6740,8 @@
           </p:sp>
         </mc:Fallback>
       </mc:AlternateContent>
-      <mc:AlternateContent xmlns:mc="http://schemas.openxmlformats.org/markup-compatibility/2006">
-        <mc:Choice xmlns:a14="http://schemas.microsoft.com/office/drawing/2010/main" Requires="a14">
+      <mc:AlternateContent xmlns:mc="http://schemas.openxmlformats.org/markup-compatibility/2006" xmlns:a14="http://schemas.microsoft.com/office/drawing/2010/main">
+        <mc:Choice Requires="a14">
           <p:sp>
             <p:nvSpPr>
               <p:cNvPr id="10" name="矩形 9">
@@ -9614,7 +6816,7 @@
             </p:txBody>
           </p:sp>
         </mc:Choice>
-        <mc:Fallback>
+        <mc:Fallback xmlns="">
           <p:sp>
             <p:nvSpPr>
               <p:cNvPr id="10" name="矩形 9">
@@ -9659,8 +6861,8 @@
           </p:sp>
         </mc:Fallback>
       </mc:AlternateContent>
-      <mc:AlternateContent xmlns:mc="http://schemas.openxmlformats.org/markup-compatibility/2006">
-        <mc:Choice xmlns:a14="http://schemas.microsoft.com/office/drawing/2010/main" Requires="a14">
+      <mc:AlternateContent xmlns:mc="http://schemas.openxmlformats.org/markup-compatibility/2006" xmlns:a14="http://schemas.microsoft.com/office/drawing/2010/main">
+        <mc:Choice Requires="a14">
           <p:sp>
             <p:nvSpPr>
               <p:cNvPr id="11" name="矩形 10">
@@ -9747,7 +6949,7 @@
             </p:txBody>
           </p:sp>
         </mc:Choice>
-        <mc:Fallback>
+        <mc:Fallback xmlns="">
           <p:sp>
             <p:nvSpPr>
               <p:cNvPr id="11" name="矩形 10">
@@ -9792,8 +6994,8 @@
           </p:sp>
         </mc:Fallback>
       </mc:AlternateContent>
-      <mc:AlternateContent xmlns:mc="http://schemas.openxmlformats.org/markup-compatibility/2006">
-        <mc:Choice xmlns:a14="http://schemas.microsoft.com/office/drawing/2010/main" Requires="a14">
+      <mc:AlternateContent xmlns:mc="http://schemas.openxmlformats.org/markup-compatibility/2006" xmlns:a14="http://schemas.microsoft.com/office/drawing/2010/main">
+        <mc:Choice Requires="a14">
           <p:sp>
             <p:nvSpPr>
               <p:cNvPr id="13" name="矩形 12">
@@ -9883,7 +7085,7 @@
             </p:txBody>
           </p:sp>
         </mc:Choice>
-        <mc:Fallback>
+        <mc:Fallback xmlns="">
           <p:sp>
             <p:nvSpPr>
               <p:cNvPr id="13" name="矩形 12">
@@ -9928,8 +7130,8 @@
           </p:sp>
         </mc:Fallback>
       </mc:AlternateContent>
-      <mc:AlternateContent xmlns:mc="http://schemas.openxmlformats.org/markup-compatibility/2006">
-        <mc:Choice xmlns:a14="http://schemas.microsoft.com/office/drawing/2010/main" Requires="a14">
+      <mc:AlternateContent xmlns:mc="http://schemas.openxmlformats.org/markup-compatibility/2006" xmlns:a14="http://schemas.microsoft.com/office/drawing/2010/main">
+        <mc:Choice Requires="a14">
           <p:sp>
             <p:nvSpPr>
               <p:cNvPr id="14" name="矩形 13">
@@ -10004,7 +7206,7 @@
             </p:txBody>
           </p:sp>
         </mc:Choice>
-        <mc:Fallback>
+        <mc:Fallback xmlns="">
           <p:sp>
             <p:nvSpPr>
               <p:cNvPr id="14" name="矩形 13">
@@ -10107,8 +7309,8 @@
           </a:p>
         </p:txBody>
       </p:sp>
-      <mc:AlternateContent xmlns:mc="http://schemas.openxmlformats.org/markup-compatibility/2006">
-        <mc:Choice xmlns:a14="http://schemas.microsoft.com/office/drawing/2010/main" Requires="a14">
+      <mc:AlternateContent xmlns:mc="http://schemas.openxmlformats.org/markup-compatibility/2006" xmlns:a14="http://schemas.microsoft.com/office/drawing/2010/main">
+        <mc:Choice Requires="a14">
           <p:sp>
             <p:nvSpPr>
               <p:cNvPr id="12" name="椭圆 11">
@@ -10205,7 +7407,7 @@
             </p:txBody>
           </p:sp>
         </mc:Choice>
-        <mc:Fallback>
+        <mc:Fallback xmlns="">
           <p:sp>
             <p:nvSpPr>
               <p:cNvPr id="12" name="椭圆 11">
@@ -10250,8 +7452,8 @@
           </p:sp>
         </mc:Fallback>
       </mc:AlternateContent>
-      <mc:AlternateContent xmlns:mc="http://schemas.openxmlformats.org/markup-compatibility/2006">
-        <mc:Choice xmlns:a14="http://schemas.microsoft.com/office/drawing/2010/main" Requires="a14">
+      <mc:AlternateContent xmlns:mc="http://schemas.openxmlformats.org/markup-compatibility/2006" xmlns:a14="http://schemas.microsoft.com/office/drawing/2010/main">
+        <mc:Choice Requires="a14">
           <p:sp>
             <p:nvSpPr>
               <p:cNvPr id="35" name="矩形 34">
@@ -10332,7 +7534,7 @@
             </p:txBody>
           </p:sp>
         </mc:Choice>
-        <mc:Fallback>
+        <mc:Fallback xmlns="">
           <p:sp>
             <p:nvSpPr>
               <p:cNvPr id="35" name="矩形 34">
@@ -10377,8 +7579,8 @@
           </p:sp>
         </mc:Fallback>
       </mc:AlternateContent>
-      <mc:AlternateContent xmlns:mc="http://schemas.openxmlformats.org/markup-compatibility/2006">
-        <mc:Choice xmlns:a14="http://schemas.microsoft.com/office/drawing/2010/main" Requires="a14">
+      <mc:AlternateContent xmlns:mc="http://schemas.openxmlformats.org/markup-compatibility/2006" xmlns:a14="http://schemas.microsoft.com/office/drawing/2010/main">
+        <mc:Choice Requires="a14">
           <p:sp>
             <p:nvSpPr>
               <p:cNvPr id="36" name="矩形 35">
@@ -10453,7 +7655,7 @@
             </p:txBody>
           </p:sp>
         </mc:Choice>
-        <mc:Fallback>
+        <mc:Fallback xmlns="">
           <p:sp>
             <p:nvSpPr>
               <p:cNvPr id="36" name="矩形 35">
@@ -10498,8 +7700,8 @@
           </p:sp>
         </mc:Fallback>
       </mc:AlternateContent>
-      <mc:AlternateContent xmlns:mc="http://schemas.openxmlformats.org/markup-compatibility/2006">
-        <mc:Choice xmlns:a14="http://schemas.microsoft.com/office/drawing/2010/main" Requires="a14">
+      <mc:AlternateContent xmlns:mc="http://schemas.openxmlformats.org/markup-compatibility/2006" xmlns:a14="http://schemas.microsoft.com/office/drawing/2010/main">
+        <mc:Choice Requires="a14">
           <p:sp>
             <p:nvSpPr>
               <p:cNvPr id="37" name="矩形 36">
@@ -10586,7 +7788,7 @@
             </p:txBody>
           </p:sp>
         </mc:Choice>
-        <mc:Fallback>
+        <mc:Fallback xmlns="">
           <p:sp>
             <p:nvSpPr>
               <p:cNvPr id="37" name="矩形 36">
@@ -10631,8 +7833,8 @@
           </p:sp>
         </mc:Fallback>
       </mc:AlternateContent>
-      <mc:AlternateContent xmlns:mc="http://schemas.openxmlformats.org/markup-compatibility/2006">
-        <mc:Choice xmlns:a14="http://schemas.microsoft.com/office/drawing/2010/main" Requires="a14">
+      <mc:AlternateContent xmlns:mc="http://schemas.openxmlformats.org/markup-compatibility/2006" xmlns:a14="http://schemas.microsoft.com/office/drawing/2010/main">
+        <mc:Choice Requires="a14">
           <p:sp>
             <p:nvSpPr>
               <p:cNvPr id="38" name="矩形 37">
@@ -10707,7 +7909,7 @@
             </p:txBody>
           </p:sp>
         </mc:Choice>
-        <mc:Fallback>
+        <mc:Fallback xmlns="">
           <p:sp>
             <p:nvSpPr>
               <p:cNvPr id="38" name="矩形 37">
@@ -10752,8 +7954,8 @@
           </p:sp>
         </mc:Fallback>
       </mc:AlternateContent>
-      <mc:AlternateContent xmlns:mc="http://schemas.openxmlformats.org/markup-compatibility/2006">
-        <mc:Choice xmlns:a14="http://schemas.microsoft.com/office/drawing/2010/main" Requires="a14">
+      <mc:AlternateContent xmlns:mc="http://schemas.openxmlformats.org/markup-compatibility/2006" xmlns:a14="http://schemas.microsoft.com/office/drawing/2010/main">
+        <mc:Choice Requires="a14">
           <p:sp>
             <p:nvSpPr>
               <p:cNvPr id="39" name="矩形 38">
@@ -10843,7 +8045,7 @@
             </p:txBody>
           </p:sp>
         </mc:Choice>
-        <mc:Fallback>
+        <mc:Fallback xmlns="">
           <p:sp>
             <p:nvSpPr>
               <p:cNvPr id="39" name="矩形 38">
@@ -10888,8 +8090,8 @@
           </p:sp>
         </mc:Fallback>
       </mc:AlternateContent>
-      <mc:AlternateContent xmlns:mc="http://schemas.openxmlformats.org/markup-compatibility/2006">
-        <mc:Choice xmlns:a14="http://schemas.microsoft.com/office/drawing/2010/main" Requires="a14">
+      <mc:AlternateContent xmlns:mc="http://schemas.openxmlformats.org/markup-compatibility/2006" xmlns:a14="http://schemas.microsoft.com/office/drawing/2010/main">
+        <mc:Choice Requires="a14">
           <p:sp>
             <p:nvSpPr>
               <p:cNvPr id="40" name="矩形 39">
@@ -10970,7 +8172,7 @@
             </p:txBody>
           </p:sp>
         </mc:Choice>
-        <mc:Fallback>
+        <mc:Fallback xmlns="">
           <p:sp>
             <p:nvSpPr>
               <p:cNvPr id="40" name="矩形 39">
@@ -11015,8 +8217,8 @@
           </p:sp>
         </mc:Fallback>
       </mc:AlternateContent>
-      <mc:AlternateContent xmlns:mc="http://schemas.openxmlformats.org/markup-compatibility/2006">
-        <mc:Choice xmlns:a14="http://schemas.microsoft.com/office/drawing/2010/main" Requires="a14">
+      <mc:AlternateContent xmlns:mc="http://schemas.openxmlformats.org/markup-compatibility/2006" xmlns:a14="http://schemas.microsoft.com/office/drawing/2010/main">
+        <mc:Choice Requires="a14">
           <p:sp>
             <p:nvSpPr>
               <p:cNvPr id="41" name="矩形 40">
@@ -11091,7 +8293,7 @@
             </p:txBody>
           </p:sp>
         </mc:Choice>
-        <mc:Fallback>
+        <mc:Fallback xmlns="">
           <p:sp>
             <p:nvSpPr>
               <p:cNvPr id="41" name="矩形 40">
@@ -11136,8 +8338,8 @@
           </p:sp>
         </mc:Fallback>
       </mc:AlternateContent>
-      <mc:AlternateContent xmlns:mc="http://schemas.openxmlformats.org/markup-compatibility/2006">
-        <mc:Choice xmlns:a14="http://schemas.microsoft.com/office/drawing/2010/main" Requires="a14">
+      <mc:AlternateContent xmlns:mc="http://schemas.openxmlformats.org/markup-compatibility/2006" xmlns:a14="http://schemas.microsoft.com/office/drawing/2010/main">
+        <mc:Choice Requires="a14">
           <p:sp>
             <p:nvSpPr>
               <p:cNvPr id="42" name="矩形 41">
@@ -11224,7 +8426,7 @@
             </p:txBody>
           </p:sp>
         </mc:Choice>
-        <mc:Fallback>
+        <mc:Fallback xmlns="">
           <p:sp>
             <p:nvSpPr>
               <p:cNvPr id="42" name="矩形 41">
@@ -11269,8 +8471,8 @@
           </p:sp>
         </mc:Fallback>
       </mc:AlternateContent>
-      <mc:AlternateContent xmlns:mc="http://schemas.openxmlformats.org/markup-compatibility/2006">
-        <mc:Choice xmlns:a14="http://schemas.microsoft.com/office/drawing/2010/main" Requires="a14">
+      <mc:AlternateContent xmlns:mc="http://schemas.openxmlformats.org/markup-compatibility/2006" xmlns:a14="http://schemas.microsoft.com/office/drawing/2010/main">
+        <mc:Choice Requires="a14">
           <p:sp>
             <p:nvSpPr>
               <p:cNvPr id="43" name="矩形 42">
@@ -11360,7 +8562,7 @@
             </p:txBody>
           </p:sp>
         </mc:Choice>
-        <mc:Fallback>
+        <mc:Fallback xmlns="">
           <p:sp>
             <p:nvSpPr>
               <p:cNvPr id="43" name="矩形 42">
@@ -11405,8 +8607,8 @@
           </p:sp>
         </mc:Fallback>
       </mc:AlternateContent>
-      <mc:AlternateContent xmlns:mc="http://schemas.openxmlformats.org/markup-compatibility/2006">
-        <mc:Choice xmlns:a14="http://schemas.microsoft.com/office/drawing/2010/main" Requires="a14">
+      <mc:AlternateContent xmlns:mc="http://schemas.openxmlformats.org/markup-compatibility/2006" xmlns:a14="http://schemas.microsoft.com/office/drawing/2010/main">
+        <mc:Choice Requires="a14">
           <p:sp>
             <p:nvSpPr>
               <p:cNvPr id="44" name="矩形 43">
@@ -11481,7 +8683,7 @@
             </p:txBody>
           </p:sp>
         </mc:Choice>
-        <mc:Fallback>
+        <mc:Fallback xmlns="">
           <p:sp>
             <p:nvSpPr>
               <p:cNvPr id="44" name="矩形 43">
@@ -11526,8 +8728,8 @@
           </p:sp>
         </mc:Fallback>
       </mc:AlternateContent>
-      <mc:AlternateContent xmlns:mc="http://schemas.openxmlformats.org/markup-compatibility/2006">
-        <mc:Choice xmlns:a14="http://schemas.microsoft.com/office/drawing/2010/main" Requires="a14">
+      <mc:AlternateContent xmlns:mc="http://schemas.openxmlformats.org/markup-compatibility/2006" xmlns:a14="http://schemas.microsoft.com/office/drawing/2010/main">
+        <mc:Choice Requires="a14">
           <p:sp>
             <p:nvSpPr>
               <p:cNvPr id="45" name="椭圆 44">
@@ -11609,7 +8811,7 @@
             </p:txBody>
           </p:sp>
         </mc:Choice>
-        <mc:Fallback>
+        <mc:Fallback xmlns="">
           <p:sp>
             <p:nvSpPr>
               <p:cNvPr id="45" name="椭圆 44">
@@ -11654,8 +8856,8 @@
           </p:sp>
         </mc:Fallback>
       </mc:AlternateContent>
-      <mc:AlternateContent xmlns:mc="http://schemas.openxmlformats.org/markup-compatibility/2006">
-        <mc:Choice xmlns:a14="http://schemas.microsoft.com/office/drawing/2010/main" Requires="a14">
+      <mc:AlternateContent xmlns:mc="http://schemas.openxmlformats.org/markup-compatibility/2006" xmlns:a14="http://schemas.microsoft.com/office/drawing/2010/main">
+        <mc:Choice Requires="a14">
           <p:sp>
             <p:nvSpPr>
               <p:cNvPr id="46" name="椭圆 45">
@@ -11743,7 +8945,7 @@
             </p:txBody>
           </p:sp>
         </mc:Choice>
-        <mc:Fallback>
+        <mc:Fallback xmlns="">
           <p:sp>
             <p:nvSpPr>
               <p:cNvPr id="46" name="椭圆 45">
@@ -11788,8 +8990,8 @@
           </p:sp>
         </mc:Fallback>
       </mc:AlternateContent>
-      <mc:AlternateContent xmlns:mc="http://schemas.openxmlformats.org/markup-compatibility/2006">
-        <mc:Choice xmlns:a14="http://schemas.microsoft.com/office/drawing/2010/main" Requires="a14">
+      <mc:AlternateContent xmlns:mc="http://schemas.openxmlformats.org/markup-compatibility/2006" xmlns:a14="http://schemas.microsoft.com/office/drawing/2010/main">
+        <mc:Choice Requires="a14">
           <p:sp>
             <p:nvSpPr>
               <p:cNvPr id="47" name="椭圆 46">
@@ -11883,7 +9085,7 @@
             </p:txBody>
           </p:sp>
         </mc:Choice>
-        <mc:Fallback>
+        <mc:Fallback xmlns="">
           <p:sp>
             <p:nvSpPr>
               <p:cNvPr id="47" name="椭圆 46">
@@ -11928,8 +9130,8 @@
           </p:sp>
         </mc:Fallback>
       </mc:AlternateContent>
-      <mc:AlternateContent xmlns:mc="http://schemas.openxmlformats.org/markup-compatibility/2006">
-        <mc:Choice xmlns:a14="http://schemas.microsoft.com/office/drawing/2010/main" Requires="a14">
+      <mc:AlternateContent xmlns:mc="http://schemas.openxmlformats.org/markup-compatibility/2006" xmlns:a14="http://schemas.microsoft.com/office/drawing/2010/main">
+        <mc:Choice Requires="a14">
           <p:sp>
             <p:nvSpPr>
               <p:cNvPr id="48" name="椭圆 47">
@@ -12014,7 +9216,7 @@
             </p:txBody>
           </p:sp>
         </mc:Choice>
-        <mc:Fallback>
+        <mc:Fallback xmlns="">
           <p:sp>
             <p:nvSpPr>
               <p:cNvPr id="48" name="椭圆 47">
@@ -12059,8 +9261,8 @@
           </p:sp>
         </mc:Fallback>
       </mc:AlternateContent>
-      <mc:AlternateContent xmlns:mc="http://schemas.openxmlformats.org/markup-compatibility/2006">
-        <mc:Choice xmlns:a14="http://schemas.microsoft.com/office/drawing/2010/main" Requires="a14">
+      <mc:AlternateContent xmlns:mc="http://schemas.openxmlformats.org/markup-compatibility/2006" xmlns:a14="http://schemas.microsoft.com/office/drawing/2010/main">
+        <mc:Choice Requires="a14">
           <p:sp>
             <p:nvSpPr>
               <p:cNvPr id="49" name="椭圆 48">
@@ -12160,7 +9362,7 @@
             </p:txBody>
           </p:sp>
         </mc:Choice>
-        <mc:Fallback>
+        <mc:Fallback xmlns="">
           <p:sp>
             <p:nvSpPr>
               <p:cNvPr id="49" name="椭圆 48">
@@ -12205,8 +9407,8 @@
           </p:sp>
         </mc:Fallback>
       </mc:AlternateContent>
-      <mc:AlternateContent xmlns:mc="http://schemas.openxmlformats.org/markup-compatibility/2006">
-        <mc:Choice xmlns:a14="http://schemas.microsoft.com/office/drawing/2010/main" Requires="a14">
+      <mc:AlternateContent xmlns:mc="http://schemas.openxmlformats.org/markup-compatibility/2006" xmlns:a14="http://schemas.microsoft.com/office/drawing/2010/main">
+        <mc:Choice Requires="a14">
           <p:sp>
             <p:nvSpPr>
               <p:cNvPr id="50" name="椭圆 49">
@@ -12297,7 +9499,7 @@
             </p:txBody>
           </p:sp>
         </mc:Choice>
-        <mc:Fallback>
+        <mc:Fallback xmlns="">
           <p:sp>
             <p:nvSpPr>
               <p:cNvPr id="50" name="椭圆 49">
@@ -12342,8 +9544,8 @@
           </p:sp>
         </mc:Fallback>
       </mc:AlternateContent>
-      <mc:AlternateContent xmlns:mc="http://schemas.openxmlformats.org/markup-compatibility/2006">
-        <mc:Choice xmlns:a14="http://schemas.microsoft.com/office/drawing/2010/main" Requires="a14">
+      <mc:AlternateContent xmlns:mc="http://schemas.openxmlformats.org/markup-compatibility/2006" xmlns:a14="http://schemas.microsoft.com/office/drawing/2010/main">
+        <mc:Choice Requires="a14">
           <p:sp>
             <p:nvSpPr>
               <p:cNvPr id="51" name="椭圆 50">
@@ -12434,7 +9636,7 @@
             </p:txBody>
           </p:sp>
         </mc:Choice>
-        <mc:Fallback>
+        <mc:Fallback xmlns="">
           <p:sp>
             <p:nvSpPr>
               <p:cNvPr id="51" name="椭圆 50">
@@ -12979,8 +10181,8 @@
           </a:p>
         </p:txBody>
       </p:sp>
-      <mc:AlternateContent xmlns:mc="http://schemas.openxmlformats.org/markup-compatibility/2006">
-        <mc:Choice xmlns:a14="http://schemas.microsoft.com/office/drawing/2010/main" Requires="a14">
+      <mc:AlternateContent xmlns:mc="http://schemas.openxmlformats.org/markup-compatibility/2006" xmlns:a14="http://schemas.microsoft.com/office/drawing/2010/main">
+        <mc:Choice Requires="a14">
           <p:sp>
             <p:nvSpPr>
               <p:cNvPr id="4" name="椭圆 3">
@@ -13077,7 +10279,7 @@
             </p:txBody>
           </p:sp>
         </mc:Choice>
-        <mc:Fallback>
+        <mc:Fallback xmlns="">
           <p:sp>
             <p:nvSpPr>
               <p:cNvPr id="4" name="椭圆 3">
@@ -13122,8 +10324,8 @@
           </p:sp>
         </mc:Fallback>
       </mc:AlternateContent>
-      <mc:AlternateContent xmlns:mc="http://schemas.openxmlformats.org/markup-compatibility/2006">
-        <mc:Choice xmlns:a14="http://schemas.microsoft.com/office/drawing/2010/main" Requires="a14">
+      <mc:AlternateContent xmlns:mc="http://schemas.openxmlformats.org/markup-compatibility/2006" xmlns:a14="http://schemas.microsoft.com/office/drawing/2010/main">
+        <mc:Choice Requires="a14">
           <p:sp>
             <p:nvSpPr>
               <p:cNvPr id="5" name="椭圆 4">
@@ -13205,7 +10407,7 @@
             </p:txBody>
           </p:sp>
         </mc:Choice>
-        <mc:Fallback>
+        <mc:Fallback xmlns="">
           <p:sp>
             <p:nvSpPr>
               <p:cNvPr id="5" name="椭圆 4">
@@ -13250,8 +10452,8 @@
           </p:sp>
         </mc:Fallback>
       </mc:AlternateContent>
-      <mc:AlternateContent xmlns:mc="http://schemas.openxmlformats.org/markup-compatibility/2006">
-        <mc:Choice xmlns:a14="http://schemas.microsoft.com/office/drawing/2010/main" Requires="a14">
+      <mc:AlternateContent xmlns:mc="http://schemas.openxmlformats.org/markup-compatibility/2006" xmlns:a14="http://schemas.microsoft.com/office/drawing/2010/main">
+        <mc:Choice Requires="a14">
           <p:sp>
             <p:nvSpPr>
               <p:cNvPr id="6" name="椭圆 5">
@@ -13339,7 +10541,7 @@
             </p:txBody>
           </p:sp>
         </mc:Choice>
-        <mc:Fallback>
+        <mc:Fallback xmlns="">
           <p:sp>
             <p:nvSpPr>
               <p:cNvPr id="6" name="椭圆 5">
@@ -13384,8 +10586,8 @@
           </p:sp>
         </mc:Fallback>
       </mc:AlternateContent>
-      <mc:AlternateContent xmlns:mc="http://schemas.openxmlformats.org/markup-compatibility/2006">
-        <mc:Choice xmlns:a14="http://schemas.microsoft.com/office/drawing/2010/main" Requires="a14">
+      <mc:AlternateContent xmlns:mc="http://schemas.openxmlformats.org/markup-compatibility/2006" xmlns:a14="http://schemas.microsoft.com/office/drawing/2010/main">
+        <mc:Choice Requires="a14">
           <p:sp>
             <p:nvSpPr>
               <p:cNvPr id="7" name="椭圆 6">
@@ -13479,7 +10681,7 @@
             </p:txBody>
           </p:sp>
         </mc:Choice>
-        <mc:Fallback>
+        <mc:Fallback xmlns="">
           <p:sp>
             <p:nvSpPr>
               <p:cNvPr id="7" name="椭圆 6">
@@ -13524,8 +10726,8 @@
           </p:sp>
         </mc:Fallback>
       </mc:AlternateContent>
-      <mc:AlternateContent xmlns:mc="http://schemas.openxmlformats.org/markup-compatibility/2006">
-        <mc:Choice xmlns:a14="http://schemas.microsoft.com/office/drawing/2010/main" Requires="a14">
+      <mc:AlternateContent xmlns:mc="http://schemas.openxmlformats.org/markup-compatibility/2006" xmlns:a14="http://schemas.microsoft.com/office/drawing/2010/main">
+        <mc:Choice Requires="a14">
           <p:sp>
             <p:nvSpPr>
               <p:cNvPr id="8" name="椭圆 7">
@@ -13610,7 +10812,7 @@
             </p:txBody>
           </p:sp>
         </mc:Choice>
-        <mc:Fallback>
+        <mc:Fallback xmlns="">
           <p:sp>
             <p:nvSpPr>
               <p:cNvPr id="8" name="椭圆 7">
@@ -13655,8 +10857,8 @@
           </p:sp>
         </mc:Fallback>
       </mc:AlternateContent>
-      <mc:AlternateContent xmlns:mc="http://schemas.openxmlformats.org/markup-compatibility/2006">
-        <mc:Choice xmlns:a14="http://schemas.microsoft.com/office/drawing/2010/main" Requires="a14">
+      <mc:AlternateContent xmlns:mc="http://schemas.openxmlformats.org/markup-compatibility/2006" xmlns:a14="http://schemas.microsoft.com/office/drawing/2010/main">
+        <mc:Choice Requires="a14">
           <p:sp>
             <p:nvSpPr>
               <p:cNvPr id="9" name="椭圆 8">
@@ -13756,7 +10958,7 @@
             </p:txBody>
           </p:sp>
         </mc:Choice>
-        <mc:Fallback>
+        <mc:Fallback xmlns="">
           <p:sp>
             <p:nvSpPr>
               <p:cNvPr id="9" name="椭圆 8">
@@ -13801,8 +11003,8 @@
           </p:sp>
         </mc:Fallback>
       </mc:AlternateContent>
-      <mc:AlternateContent xmlns:mc="http://schemas.openxmlformats.org/markup-compatibility/2006">
-        <mc:Choice xmlns:a14="http://schemas.microsoft.com/office/drawing/2010/main" Requires="a14">
+      <mc:AlternateContent xmlns:mc="http://schemas.openxmlformats.org/markup-compatibility/2006" xmlns:a14="http://schemas.microsoft.com/office/drawing/2010/main">
+        <mc:Choice Requires="a14">
           <p:sp>
             <p:nvSpPr>
               <p:cNvPr id="10" name="椭圆 9">
@@ -13893,7 +11095,7 @@
             </p:txBody>
           </p:sp>
         </mc:Choice>
-        <mc:Fallback>
+        <mc:Fallback xmlns="">
           <p:sp>
             <p:nvSpPr>
               <p:cNvPr id="10" name="椭圆 9">
@@ -13938,8 +11140,8 @@
           </p:sp>
         </mc:Fallback>
       </mc:AlternateContent>
-      <mc:AlternateContent xmlns:mc="http://schemas.openxmlformats.org/markup-compatibility/2006">
-        <mc:Choice xmlns:a14="http://schemas.microsoft.com/office/drawing/2010/main" Requires="a14">
+      <mc:AlternateContent xmlns:mc="http://schemas.openxmlformats.org/markup-compatibility/2006" xmlns:a14="http://schemas.microsoft.com/office/drawing/2010/main">
+        <mc:Choice Requires="a14">
           <p:sp>
             <p:nvSpPr>
               <p:cNvPr id="11" name="椭圆 10">
@@ -14030,7 +11232,7 @@
             </p:txBody>
           </p:sp>
         </mc:Choice>
-        <mc:Fallback>
+        <mc:Fallback xmlns="">
           <p:sp>
             <p:nvSpPr>
               <p:cNvPr id="11" name="椭圆 10">
@@ -14524,8 +11726,8 @@
           </a:p>
         </p:txBody>
       </p:sp>
-      <mc:AlternateContent xmlns:mc="http://schemas.openxmlformats.org/markup-compatibility/2006">
-        <mc:Choice xmlns:a14="http://schemas.microsoft.com/office/drawing/2010/main" Requires="a14">
+      <mc:AlternateContent xmlns:mc="http://schemas.openxmlformats.org/markup-compatibility/2006" xmlns:a14="http://schemas.microsoft.com/office/drawing/2010/main">
+        <mc:Choice Requires="a14">
           <p:sp>
             <p:nvSpPr>
               <p:cNvPr id="3" name="内容占位符 2">
@@ -14770,7 +11972,7 @@
             </p:txBody>
           </p:sp>
         </mc:Choice>
-        <mc:Fallback>
+        <mc:Fallback xmlns="">
           <p:sp>
             <p:nvSpPr>
               <p:cNvPr id="3" name="内容占位符 2">
@@ -14814,8 +12016,8 @@
           </p:sp>
         </mc:Fallback>
       </mc:AlternateContent>
-      <mc:AlternateContent xmlns:mc="http://schemas.openxmlformats.org/markup-compatibility/2006">
-        <mc:Choice xmlns:a14="http://schemas.microsoft.com/office/drawing/2010/main" Requires="a14">
+      <mc:AlternateContent xmlns:mc="http://schemas.openxmlformats.org/markup-compatibility/2006" xmlns:a14="http://schemas.microsoft.com/office/drawing/2010/main">
+        <mc:Choice Requires="a14">
           <p:sp>
             <p:nvSpPr>
               <p:cNvPr id="4" name="椭圆 3">
@@ -14912,7 +12114,7 @@
             </p:txBody>
           </p:sp>
         </mc:Choice>
-        <mc:Fallback>
+        <mc:Fallback xmlns="">
           <p:sp>
             <p:nvSpPr>
               <p:cNvPr id="4" name="椭圆 3">
@@ -14957,8 +12159,8 @@
           </p:sp>
         </mc:Fallback>
       </mc:AlternateContent>
-      <mc:AlternateContent xmlns:mc="http://schemas.openxmlformats.org/markup-compatibility/2006">
-        <mc:Choice xmlns:a14="http://schemas.microsoft.com/office/drawing/2010/main" Requires="a14">
+      <mc:AlternateContent xmlns:mc="http://schemas.openxmlformats.org/markup-compatibility/2006" xmlns:a14="http://schemas.microsoft.com/office/drawing/2010/main">
+        <mc:Choice Requires="a14">
           <p:sp>
             <p:nvSpPr>
               <p:cNvPr id="5" name="椭圆 4">
@@ -15040,7 +12242,7 @@
             </p:txBody>
           </p:sp>
         </mc:Choice>
-        <mc:Fallback>
+        <mc:Fallback xmlns="">
           <p:sp>
             <p:nvSpPr>
               <p:cNvPr id="5" name="椭圆 4">
@@ -15085,8 +12287,8 @@
           </p:sp>
         </mc:Fallback>
       </mc:AlternateContent>
-      <mc:AlternateContent xmlns:mc="http://schemas.openxmlformats.org/markup-compatibility/2006">
-        <mc:Choice xmlns:a14="http://schemas.microsoft.com/office/drawing/2010/main" Requires="a14">
+      <mc:AlternateContent xmlns:mc="http://schemas.openxmlformats.org/markup-compatibility/2006" xmlns:a14="http://schemas.microsoft.com/office/drawing/2010/main">
+        <mc:Choice Requires="a14">
           <p:sp>
             <p:nvSpPr>
               <p:cNvPr id="6" name="椭圆 5">
@@ -15174,7 +12376,7 @@
             </p:txBody>
           </p:sp>
         </mc:Choice>
-        <mc:Fallback>
+        <mc:Fallback xmlns="">
           <p:sp>
             <p:nvSpPr>
               <p:cNvPr id="6" name="椭圆 5">
@@ -15219,8 +12421,8 @@
           </p:sp>
         </mc:Fallback>
       </mc:AlternateContent>
-      <mc:AlternateContent xmlns:mc="http://schemas.openxmlformats.org/markup-compatibility/2006">
-        <mc:Choice xmlns:a14="http://schemas.microsoft.com/office/drawing/2010/main" Requires="a14">
+      <mc:AlternateContent xmlns:mc="http://schemas.openxmlformats.org/markup-compatibility/2006" xmlns:a14="http://schemas.microsoft.com/office/drawing/2010/main">
+        <mc:Choice Requires="a14">
           <p:sp>
             <p:nvSpPr>
               <p:cNvPr id="8" name="椭圆 7">
@@ -15305,7 +12507,7 @@
             </p:txBody>
           </p:sp>
         </mc:Choice>
-        <mc:Fallback>
+        <mc:Fallback xmlns="">
           <p:sp>
             <p:nvSpPr>
               <p:cNvPr id="8" name="椭圆 7">
@@ -15350,8 +12552,8 @@
           </p:sp>
         </mc:Fallback>
       </mc:AlternateContent>
-      <mc:AlternateContent xmlns:mc="http://schemas.openxmlformats.org/markup-compatibility/2006">
-        <mc:Choice xmlns:a14="http://schemas.microsoft.com/office/drawing/2010/main" Requires="a14">
+      <mc:AlternateContent xmlns:mc="http://schemas.openxmlformats.org/markup-compatibility/2006" xmlns:a14="http://schemas.microsoft.com/office/drawing/2010/main">
+        <mc:Choice Requires="a14">
           <p:sp>
             <p:nvSpPr>
               <p:cNvPr id="10" name="椭圆 9">
@@ -15442,7 +12644,7 @@
             </p:txBody>
           </p:sp>
         </mc:Choice>
-        <mc:Fallback>
+        <mc:Fallback xmlns="">
           <p:sp>
             <p:nvSpPr>
               <p:cNvPr id="10" name="椭圆 9">
@@ -15487,8 +12689,8 @@
           </p:sp>
         </mc:Fallback>
       </mc:AlternateContent>
-      <mc:AlternateContent xmlns:mc="http://schemas.openxmlformats.org/markup-compatibility/2006">
-        <mc:Choice xmlns:a14="http://schemas.microsoft.com/office/drawing/2010/main" Requires="a14">
+      <mc:AlternateContent xmlns:mc="http://schemas.openxmlformats.org/markup-compatibility/2006" xmlns:a14="http://schemas.microsoft.com/office/drawing/2010/main">
+        <mc:Choice Requires="a14">
           <p:sp>
             <p:nvSpPr>
               <p:cNvPr id="11" name="椭圆 10">
@@ -15579,7 +12781,7 @@
             </p:txBody>
           </p:sp>
         </mc:Choice>
-        <mc:Fallback>
+        <mc:Fallback xmlns="">
           <p:sp>
             <p:nvSpPr>
               <p:cNvPr id="11" name="椭圆 10">
